--- a/TMS presentation slide.pptx
+++ b/TMS presentation slide.pptx
@@ -44,11 +44,14 @@
     <p:sldId id="301" r:id="rId38"/>
     <p:sldId id="302" r:id="rId39"/>
     <p:sldId id="303" r:id="rId40"/>
-    <p:sldId id="307" r:id="rId41"/>
-    <p:sldId id="304" r:id="rId42"/>
-    <p:sldId id="305" r:id="rId43"/>
-    <p:sldId id="306" r:id="rId44"/>
-    <p:sldId id="273" r:id="rId45"/>
+    <p:sldId id="309" r:id="rId41"/>
+    <p:sldId id="310" r:id="rId42"/>
+    <p:sldId id="307" r:id="rId43"/>
+    <p:sldId id="308" r:id="rId44"/>
+    <p:sldId id="304" r:id="rId45"/>
+    <p:sldId id="305" r:id="rId46"/>
+    <p:sldId id="306" r:id="rId47"/>
+    <p:sldId id="273" r:id="rId48"/>
   </p:sldIdLst>
   <p:sldSz cx="12192000" cy="6858000"/>
   <p:notesSz cx="6858000" cy="9144000"/>
@@ -3444,8 +3447,8 @@
         </p:blipFill>
         <p:spPr>
           <a:xfrm>
-            <a:off x="3229279" y="1825625"/>
-            <a:ext cx="5769037" cy="4324654"/>
+            <a:off x="2924600" y="1587629"/>
+            <a:ext cx="6543541" cy="4905246"/>
           </a:xfrm>
         </p:spPr>
       </p:pic>
@@ -4096,11 +4099,11 @@
               <a:t> </a:t>
             </a:r>
             <a:r>
-              <a:rPr lang="en-US" sz="2400" dirty="0">
-                <a:latin typeface="Arial" panose="020B0604020202020204" pitchFamily="34" charset="0"/>
-                <a:cs typeface="Arial" panose="020B0604020202020204" pitchFamily="34" charset="0"/>
-              </a:rPr>
-              <a:t>Risk configuration management.</a:t>
+              <a:rPr lang="en-US" sz="2400" b="1" dirty="0">
+                <a:latin typeface="Arial" panose="020B0604020202020204" pitchFamily="34" charset="0"/>
+                <a:cs typeface="Arial" panose="020B0604020202020204" pitchFamily="34" charset="0"/>
+              </a:rPr>
+              <a:t>Risk Configuration Management</a:t>
             </a:r>
           </a:p>
         </p:txBody>
@@ -4280,7 +4283,7 @@
           <a:lstStyle/>
           <a:p>
             <a:r>
-              <a:rPr lang="en-US" sz="2400" dirty="0">
+              <a:rPr lang="en-US" sz="2400" b="1" dirty="0">
                 <a:latin typeface="Arial" panose="020B0604020202020204" pitchFamily="34" charset="0"/>
                 <a:cs typeface="Arial" panose="020B0604020202020204" pitchFamily="34" charset="0"/>
               </a:rPr>
@@ -4503,7 +4506,7 @@
           <a:lstStyle/>
           <a:p>
             <a:r>
-              <a:rPr lang="en-US" sz="2400" dirty="0">
+              <a:rPr lang="en-US" sz="2400" b="1" dirty="0">
                 <a:latin typeface="Arial" panose="020B0604020202020204" pitchFamily="34" charset="0"/>
                 <a:cs typeface="Arial" panose="020B0604020202020204" pitchFamily="34" charset="0"/>
               </a:rPr>
@@ -4936,7 +4939,7 @@
           <a:lstStyle/>
           <a:p>
             <a:r>
-              <a:rPr lang="en-US" sz="2400" dirty="0">
+              <a:rPr lang="en-US" sz="2400" b="1" dirty="0">
                 <a:latin typeface="Arial" panose="020B0604020202020204" pitchFamily="34" charset="0"/>
                 <a:cs typeface="Arial" panose="020B0604020202020204" pitchFamily="34" charset="0"/>
               </a:rPr>
@@ -4963,7 +4966,9 @@
         </p:nvSpPr>
         <p:spPr/>
         <p:txBody>
-          <a:bodyPr/>
+          <a:bodyPr>
+            <a:normAutofit/>
+          </a:bodyPr>
           <a:lstStyle/>
           <a:p>
             <a:pPr algn="just">
@@ -4972,15 +4977,11 @@
               </a:lnSpc>
             </a:pPr>
             <a:r>
-              <a:rPr lang="en-US" b="1" dirty="0"/>
-              <a:t> </a:t>
-            </a:r>
-            <a:r>
               <a:rPr lang="en-US" sz="2000" dirty="0">
                 <a:latin typeface="Arial" panose="020B0604020202020204" pitchFamily="34" charset="0"/>
                 <a:cs typeface="Arial" panose="020B0604020202020204" pitchFamily="34" charset="0"/>
               </a:rPr>
-              <a:t>It is a UML diagram that describes the dynamic aspect as well as advanced version of flow chart which show logic of flow of one activity to another activity of the system. </a:t>
+              <a:t> It is a UML diagram that describes the dynamic aspect as well as advanced version of flow chart which show logic of flow of one activity to another activity of the system. </a:t>
             </a:r>
           </a:p>
           <a:p>
@@ -5015,7 +5016,10 @@
             <a:pPr marL="0" indent="0">
               <a:buNone/>
             </a:pPr>
-            <a:endParaRPr lang="en-US" dirty="0"/>
+            <a:endParaRPr lang="en-US" sz="2000" dirty="0">
+              <a:latin typeface="Arial" panose="020B0604020202020204" pitchFamily="34" charset="0"/>
+              <a:cs typeface="Arial" panose="020B0604020202020204" pitchFamily="34" charset="0"/>
+            </a:endParaRPr>
           </a:p>
         </p:txBody>
       </p:sp>
@@ -5277,7 +5281,7 @@
           <a:lstStyle/>
           <a:p>
             <a:r>
-              <a:rPr lang="en-US" sz="2400" dirty="0">
+              <a:rPr lang="en-US" sz="2400" b="1" dirty="0">
                 <a:latin typeface="Arial" panose="020B0604020202020204" pitchFamily="34" charset="0"/>
                 <a:cs typeface="Arial" panose="020B0604020202020204" pitchFamily="34" charset="0"/>
               </a:rPr>
@@ -5815,7 +5819,7 @@
           <a:lstStyle/>
           <a:p>
             <a:r>
-              <a:rPr lang="en-US" sz="2400" dirty="0">
+              <a:rPr lang="en-US" sz="2400" b="1" dirty="0">
                 <a:latin typeface="Arial" panose="020B0604020202020204" pitchFamily="34" charset="0"/>
                 <a:cs typeface="Arial" panose="020B0604020202020204" pitchFamily="34" charset="0"/>
               </a:rPr>
@@ -6047,7 +6051,7 @@
           <a:lstStyle/>
           <a:p>
             <a:r>
-              <a:rPr lang="en-US" sz="2400" dirty="0">
+              <a:rPr lang="en-US" sz="2400" b="1" dirty="0">
                 <a:latin typeface="Arial" panose="020B0604020202020204" pitchFamily="34" charset="0"/>
                 <a:cs typeface="Arial" panose="020B0604020202020204" pitchFamily="34" charset="0"/>
               </a:rPr>
@@ -6712,7 +6716,7 @@
           <a:lstStyle/>
           <a:p>
             <a:r>
-              <a:rPr lang="en-US" sz="2400" dirty="0">
+              <a:rPr lang="en-US" sz="2400" b="1" dirty="0">
                 <a:latin typeface="Arial" panose="020B0604020202020204" pitchFamily="34" charset="0"/>
                 <a:cs typeface="Arial" panose="020B0604020202020204" pitchFamily="34" charset="0"/>
               </a:rPr>
@@ -6844,7 +6848,7 @@
           <p:cNvPr id="2" name="Title 1">
             <a:extLst>
               <a:ext uri="{FF2B5EF4-FFF2-40B4-BE49-F238E27FC236}">
-                <a16:creationId xmlns:a16="http://schemas.microsoft.com/office/drawing/2014/main" id="{0CC934DD-2D81-420B-8576-80F547253789}"/>
+                <a16:creationId xmlns:a16="http://schemas.microsoft.com/office/drawing/2014/main" id="{57B0A22C-496D-4260-9867-0695C4C1F632}"/>
               </a:ext>
             </a:extLst>
           </p:cNvPr>
@@ -6863,7 +6867,7 @@
           <a:lstStyle/>
           <a:p>
             <a:r>
-              <a:rPr lang="en-US" sz="2400" dirty="0">
+              <a:rPr lang="en-US" sz="2400" b="1" dirty="0">
                 <a:latin typeface="Arial" panose="020B0604020202020204" pitchFamily="34" charset="0"/>
                 <a:cs typeface="Arial" panose="020B0604020202020204" pitchFamily="34" charset="0"/>
               </a:rPr>
@@ -6877,7 +6881,7 @@
           <p:cNvPr id="3" name="Content Placeholder 2">
             <a:extLst>
               <a:ext uri="{FF2B5EF4-FFF2-40B4-BE49-F238E27FC236}">
-                <a16:creationId xmlns:a16="http://schemas.microsoft.com/office/drawing/2014/main" id="{B82F0CD7-F296-4B38-AB07-C43A00A81A20}"/>
+                <a16:creationId xmlns:a16="http://schemas.microsoft.com/office/drawing/2014/main" id="{EB7A0244-7D33-4E9F-AD1E-8DC0A88E37C5}"/>
               </a:ext>
             </a:extLst>
           </p:cNvPr>
@@ -6890,8 +6894,73 @@
         </p:nvSpPr>
         <p:spPr/>
         <p:txBody>
-          <a:bodyPr/>
-          <a:lstStyle/>
+          <a:bodyPr>
+            <a:normAutofit/>
+          </a:bodyPr>
+          <a:lstStyle/>
+          <a:p>
+            <a:r>
+              <a:rPr lang="en-US" sz="2000" dirty="0">
+                <a:latin typeface="Arial" panose="020B0604020202020204" pitchFamily="34" charset="0"/>
+                <a:cs typeface="Arial" panose="020B0604020202020204" pitchFamily="34" charset="0"/>
+              </a:rPr>
+              <a:t>Testing is a process of executing a program with the aim of finding error.</a:t>
+            </a:r>
+          </a:p>
+          <a:p>
+            <a:r>
+              <a:rPr lang="en-US" sz="2000" dirty="0">
+                <a:latin typeface="Arial" panose="020B0604020202020204" pitchFamily="34" charset="0"/>
+                <a:cs typeface="Arial" panose="020B0604020202020204" pitchFamily="34" charset="0"/>
+              </a:rPr>
+              <a:t> To make our software perform well it should be error free. </a:t>
+            </a:r>
+          </a:p>
+          <a:p>
+            <a:r>
+              <a:rPr lang="en-US" sz="2000" dirty="0">
+                <a:latin typeface="Arial" panose="020B0604020202020204" pitchFamily="34" charset="0"/>
+                <a:cs typeface="Arial" panose="020B0604020202020204" pitchFamily="34" charset="0"/>
+              </a:rPr>
+              <a:t>If testing is done successfully it will remove all the errors from the software.</a:t>
+            </a:r>
+          </a:p>
+          <a:p>
+            <a:endParaRPr lang="en-US" sz="2000" dirty="0">
+              <a:latin typeface="Arial" panose="020B0604020202020204" pitchFamily="34" charset="0"/>
+              <a:cs typeface="Arial" panose="020B0604020202020204" pitchFamily="34" charset="0"/>
+            </a:endParaRPr>
+          </a:p>
+          <a:p>
+            <a:pPr marL="0" indent="0">
+              <a:buNone/>
+            </a:pPr>
+            <a:r>
+              <a:rPr lang="en-US" sz="2000" dirty="0">
+                <a:latin typeface="Arial" panose="020B0604020202020204" pitchFamily="34" charset="0"/>
+                <a:cs typeface="Arial" panose="020B0604020202020204" pitchFamily="34" charset="0"/>
+              </a:rPr>
+              <a:t>Testing performed for the project.</a:t>
+            </a:r>
+          </a:p>
+          <a:p>
+            <a:r>
+              <a:rPr lang="en-US" sz="2000" dirty="0">
+                <a:latin typeface="Arial" panose="020B0604020202020204" pitchFamily="34" charset="0"/>
+                <a:cs typeface="Arial" panose="020B0604020202020204" pitchFamily="34" charset="0"/>
+              </a:rPr>
+              <a:t>Backbox Testing.</a:t>
+            </a:r>
+          </a:p>
+          <a:p>
+            <a:r>
+              <a:rPr lang="en-US" sz="2000" dirty="0">
+                <a:latin typeface="Arial" panose="020B0604020202020204" pitchFamily="34" charset="0"/>
+                <a:cs typeface="Arial" panose="020B0604020202020204" pitchFamily="34" charset="0"/>
+              </a:rPr>
+              <a:t>Unit Testing.</a:t>
+            </a:r>
+          </a:p>
           <a:p>
             <a:endParaRPr lang="en-US" dirty="0"/>
           </a:p>
@@ -6900,7 +6969,7 @@
     </p:spTree>
     <p:extLst>
       <p:ext uri="{BB962C8B-B14F-4D97-AF65-F5344CB8AC3E}">
-        <p14:creationId xmlns:p14="http://schemas.microsoft.com/office/powerpoint/2010/main" val="4078130131"/>
+        <p14:creationId xmlns:p14="http://schemas.microsoft.com/office/powerpoint/2010/main" val="272274121"/>
       </p:ext>
     </p:extLst>
   </p:cSld>
@@ -6932,7 +7001,7 @@
           <p:cNvPr id="2" name="Title 1">
             <a:extLst>
               <a:ext uri="{FF2B5EF4-FFF2-40B4-BE49-F238E27FC236}">
-                <a16:creationId xmlns:a16="http://schemas.microsoft.com/office/drawing/2014/main" id="{0DCED3ED-4894-4D86-BF04-B209ECBFFA7F}"/>
+                <a16:creationId xmlns:a16="http://schemas.microsoft.com/office/drawing/2014/main" id="{81811A55-4644-43F7-84C3-A96260551399}"/>
               </a:ext>
             </a:extLst>
           </p:cNvPr>
@@ -6951,11 +7020,11 @@
           <a:lstStyle/>
           <a:p>
             <a:r>
-              <a:rPr lang="en-US" sz="2400" dirty="0">
-                <a:latin typeface="Arial" panose="020B0604020202020204" pitchFamily="34" charset="0"/>
-                <a:cs typeface="Arial" panose="020B0604020202020204" pitchFamily="34" charset="0"/>
-              </a:rPr>
-              <a:t>Future Work</a:t>
+              <a:rPr lang="en-US" sz="2400" b="1" dirty="0">
+                <a:latin typeface="Arial" panose="020B0604020202020204" pitchFamily="34" charset="0"/>
+                <a:cs typeface="Arial" panose="020B0604020202020204" pitchFamily="34" charset="0"/>
+              </a:rPr>
+              <a:t>Blackbox Testing</a:t>
             </a:r>
           </a:p>
         </p:txBody>
@@ -6965,7 +7034,7 @@
           <p:cNvPr id="3" name="Content Placeholder 2">
             <a:extLst>
               <a:ext uri="{FF2B5EF4-FFF2-40B4-BE49-F238E27FC236}">
-                <a16:creationId xmlns:a16="http://schemas.microsoft.com/office/drawing/2014/main" id="{736C9589-8AFD-4926-BA3E-3B0F7DA84631}"/>
+                <a16:creationId xmlns:a16="http://schemas.microsoft.com/office/drawing/2014/main" id="{1A06E07E-C560-4945-98E0-A6DB80F3D66A}"/>
               </a:ext>
             </a:extLst>
           </p:cNvPr>
@@ -6979,7 +7048,7 @@
         <p:spPr/>
         <p:txBody>
           <a:bodyPr>
-            <a:normAutofit/>
+            <a:normAutofit lnSpcReduction="10000"/>
           </a:bodyPr>
           <a:lstStyle/>
           <a:p>
@@ -6993,7 +7062,7 @@
                 <a:latin typeface="Arial" panose="020B0604020202020204" pitchFamily="34" charset="0"/>
                 <a:cs typeface="Arial" panose="020B0604020202020204" pitchFamily="34" charset="0"/>
               </a:rPr>
-              <a:t>Online Payment.</a:t>
+              <a:t>It is a software testing method in which the internal structure/design/implementation of the item being tested is not known to the tester.</a:t>
             </a:r>
           </a:p>
           <a:p>
@@ -7007,7 +7076,7 @@
                 <a:latin typeface="Arial" panose="020B0604020202020204" pitchFamily="34" charset="0"/>
                 <a:cs typeface="Arial" panose="020B0604020202020204" pitchFamily="34" charset="0"/>
               </a:rPr>
-              <a:t>Real time tracking.</a:t>
+              <a:t> These tests can be functional or non-functional, though usually functional.</a:t>
             </a:r>
           </a:p>
           <a:p>
@@ -7021,7 +7090,7 @@
                 <a:latin typeface="Arial" panose="020B0604020202020204" pitchFamily="34" charset="0"/>
                 <a:cs typeface="Arial" panose="020B0604020202020204" pitchFamily="34" charset="0"/>
               </a:rPr>
-              <a:t>Chat Box.</a:t>
+              <a:t>Efficient when used on large systems.</a:t>
             </a:r>
           </a:p>
           <a:p>
@@ -7035,7 +7104,7 @@
                 <a:latin typeface="Arial" panose="020B0604020202020204" pitchFamily="34" charset="0"/>
                 <a:cs typeface="Arial" panose="020B0604020202020204" pitchFamily="34" charset="0"/>
               </a:rPr>
-              <a:t>Language options.</a:t>
+              <a:t>Tester can be non-technical.</a:t>
             </a:r>
           </a:p>
           <a:p>
@@ -7049,7 +7118,7 @@
                 <a:latin typeface="Arial" panose="020B0604020202020204" pitchFamily="34" charset="0"/>
                 <a:cs typeface="Arial" panose="020B0604020202020204" pitchFamily="34" charset="0"/>
               </a:rPr>
-              <a:t> Ability to track booking status</a:t>
+              <a:t>There is no need for the tester to have detailed functional knowledge of system.</a:t>
             </a:r>
           </a:p>
           <a:p>
@@ -7063,15 +7132,18 @@
                 <a:latin typeface="Arial" panose="020B0604020202020204" pitchFamily="34" charset="0"/>
                 <a:cs typeface="Arial" panose="020B0604020202020204" pitchFamily="34" charset="0"/>
               </a:rPr>
-              <a:t>Live seat availability</a:t>
-            </a:r>
+              <a:t>Tests will be done from an end user's point of view, because the end user should accept the system. (This testing technique is sometimes also called Acceptance testing.)</a:t>
+            </a:r>
+          </a:p>
+          <a:p>
+            <a:endParaRPr lang="en-US" dirty="0"/>
           </a:p>
         </p:txBody>
       </p:sp>
     </p:spTree>
     <p:extLst>
       <p:ext uri="{BB962C8B-B14F-4D97-AF65-F5344CB8AC3E}">
-        <p14:creationId xmlns:p14="http://schemas.microsoft.com/office/powerpoint/2010/main" val="2040038880"/>
+        <p14:creationId xmlns:p14="http://schemas.microsoft.com/office/powerpoint/2010/main" val="1108289319"/>
       </p:ext>
     </p:extLst>
   </p:cSld>
@@ -7103,7 +7175,7 @@
           <p:cNvPr id="2" name="Title 1">
             <a:extLst>
               <a:ext uri="{FF2B5EF4-FFF2-40B4-BE49-F238E27FC236}">
-                <a16:creationId xmlns:a16="http://schemas.microsoft.com/office/drawing/2014/main" id="{A241889F-5419-4F67-A17B-7C55846EE939}"/>
+                <a16:creationId xmlns:a16="http://schemas.microsoft.com/office/drawing/2014/main" id="{0CC934DD-2D81-420B-8576-80F547253789}"/>
               </a:ext>
             </a:extLst>
           </p:cNvPr>
@@ -7122,99 +7194,54 @@
           <a:lstStyle/>
           <a:p>
             <a:r>
-              <a:rPr lang="en-US" sz="2400" dirty="0">
-                <a:latin typeface="Arial" panose="020B0604020202020204" pitchFamily="34" charset="0"/>
-                <a:cs typeface="Arial" panose="020B0604020202020204" pitchFamily="34" charset="0"/>
-              </a:rPr>
-              <a:t>Limitation</a:t>
-            </a:r>
-          </a:p>
-        </p:txBody>
-      </p:sp>
-      <p:sp>
-        <p:nvSpPr>
-          <p:cNvPr id="3" name="Content Placeholder 2">
-            <a:extLst>
-              <a:ext uri="{FF2B5EF4-FFF2-40B4-BE49-F238E27FC236}">
-                <a16:creationId xmlns:a16="http://schemas.microsoft.com/office/drawing/2014/main" id="{28AAF6B6-62B0-4B1A-91B4-E291A9C9FC46}"/>
-              </a:ext>
-            </a:extLst>
-          </p:cNvPr>
-          <p:cNvSpPr>
-            <a:spLocks noGrp="1"/>
-          </p:cNvSpPr>
+              <a:rPr lang="en-US" sz="2400" b="1" dirty="0">
+                <a:latin typeface="Arial" panose="020B0604020202020204" pitchFamily="34" charset="0"/>
+                <a:cs typeface="Arial" panose="020B0604020202020204" pitchFamily="34" charset="0"/>
+              </a:rPr>
+              <a:t>Blackbox Testing</a:t>
+            </a:r>
+          </a:p>
+        </p:txBody>
+      </p:sp>
+      <p:pic>
+        <p:nvPicPr>
+          <p:cNvPr id="5" name="Content Placeholder 4">
+            <a:extLst>
+              <a:ext uri="{FF2B5EF4-FFF2-40B4-BE49-F238E27FC236}">
+                <a16:creationId xmlns:a16="http://schemas.microsoft.com/office/drawing/2014/main" id="{38F89B60-A909-4EDC-8551-3BEC22956F21}"/>
+              </a:ext>
+            </a:extLst>
+          </p:cNvPr>
+          <p:cNvPicPr>
+            <a:picLocks noGrp="1" noChangeAspect="1"/>
+          </p:cNvPicPr>
           <p:nvPr>
             <p:ph idx="1"/>
           </p:nvPr>
-        </p:nvSpPr>
-        <p:spPr/>
-        <p:txBody>
-          <a:bodyPr>
-            <a:normAutofit/>
-          </a:bodyPr>
-          <a:lstStyle/>
-          <a:p>
-            <a:pPr algn="just">
-              <a:lnSpc>
-                <a:spcPct val="150000"/>
-              </a:lnSpc>
-            </a:pPr>
-            <a:r>
-              <a:rPr lang="en-US" sz="2000" dirty="0">
-                <a:latin typeface="Arial" panose="020B0604020202020204" pitchFamily="34" charset="0"/>
-                <a:cs typeface="Arial" panose="020B0604020202020204" pitchFamily="34" charset="0"/>
-              </a:rPr>
-              <a:t>Sometimes very high data interaction, so server gets down.</a:t>
-            </a:r>
-          </a:p>
-          <a:p>
-            <a:pPr algn="just">
-              <a:lnSpc>
-                <a:spcPct val="150000"/>
-              </a:lnSpc>
-            </a:pPr>
-            <a:r>
-              <a:rPr lang="en-US" sz="2000" dirty="0">
-                <a:latin typeface="Arial" panose="020B0604020202020204" pitchFamily="34" charset="0"/>
-                <a:cs typeface="Arial" panose="020B0604020202020204" pitchFamily="34" charset="0"/>
-              </a:rPr>
-              <a:t>Very high security needed to the system.</a:t>
-            </a:r>
-          </a:p>
-          <a:p>
-            <a:pPr algn="just">
-              <a:lnSpc>
-                <a:spcPct val="150000"/>
-              </a:lnSpc>
-            </a:pPr>
-            <a:r>
-              <a:rPr lang="en-US" sz="2000" dirty="0">
-                <a:latin typeface="Arial" panose="020B0604020202020204" pitchFamily="34" charset="0"/>
-                <a:cs typeface="Arial" panose="020B0604020202020204" pitchFamily="34" charset="0"/>
-              </a:rPr>
-              <a:t>Online payment cannot be made.</a:t>
-            </a:r>
-          </a:p>
-          <a:p>
-            <a:pPr algn="just">
-              <a:lnSpc>
-                <a:spcPct val="150000"/>
-              </a:lnSpc>
-            </a:pPr>
-            <a:r>
-              <a:rPr lang="en-US" sz="2000" dirty="0">
-                <a:latin typeface="Arial" panose="020B0604020202020204" pitchFamily="34" charset="0"/>
-                <a:cs typeface="Arial" panose="020B0604020202020204" pitchFamily="34" charset="0"/>
-              </a:rPr>
-              <a:t>Step by step procedure, so takes time</a:t>
-            </a:r>
-          </a:p>
-        </p:txBody>
-      </p:sp>
+        </p:nvPicPr>
+        <p:blipFill>
+          <a:blip r:embed="rId2">
+            <a:extLst>
+              <a:ext uri="{28A0092B-C50C-407E-A947-70E740481C1C}">
+                <a14:useLocalDpi xmlns:a14="http://schemas.microsoft.com/office/drawing/2010/main" val="0"/>
+              </a:ext>
+            </a:extLst>
+          </a:blip>
+          <a:stretch>
+            <a:fillRect/>
+          </a:stretch>
+        </p:blipFill>
+        <p:spPr>
+          <a:xfrm>
+            <a:off x="740352" y="1377864"/>
+            <a:ext cx="10896327" cy="5337498"/>
+          </a:xfrm>
+        </p:spPr>
+      </p:pic>
     </p:spTree>
     <p:extLst>
       <p:ext uri="{BB962C8B-B14F-4D97-AF65-F5344CB8AC3E}">
-        <p14:creationId xmlns:p14="http://schemas.microsoft.com/office/powerpoint/2010/main" val="2470737518"/>
+        <p14:creationId xmlns:p14="http://schemas.microsoft.com/office/powerpoint/2010/main" val="4078130131"/>
       </p:ext>
     </p:extLst>
   </p:cSld>
@@ -7241,6 +7268,385 @@
           <a:chExt cx="0" cy="0"/>
         </a:xfrm>
       </p:grpSpPr>
+      <p:pic>
+        <p:nvPicPr>
+          <p:cNvPr id="5" name="Content Placeholder 4">
+            <a:extLst>
+              <a:ext uri="{FF2B5EF4-FFF2-40B4-BE49-F238E27FC236}">
+                <a16:creationId xmlns:a16="http://schemas.microsoft.com/office/drawing/2014/main" id="{73D157F9-3676-473E-9A96-8C984A87C86A}"/>
+              </a:ext>
+            </a:extLst>
+          </p:cNvPr>
+          <p:cNvPicPr>
+            <a:picLocks noGrp="1" noChangeAspect="1"/>
+          </p:cNvPicPr>
+          <p:nvPr>
+            <p:ph idx="1"/>
+          </p:nvPr>
+        </p:nvPicPr>
+        <p:blipFill>
+          <a:blip r:embed="rId2">
+            <a:extLst>
+              <a:ext uri="{28A0092B-C50C-407E-A947-70E740481C1C}">
+                <a14:useLocalDpi xmlns:a14="http://schemas.microsoft.com/office/drawing/2010/main" val="0"/>
+              </a:ext>
+            </a:extLst>
+          </a:blip>
+          <a:stretch>
+            <a:fillRect/>
+          </a:stretch>
+        </p:blipFill>
+        <p:spPr>
+          <a:xfrm>
+            <a:off x="95492" y="576195"/>
+            <a:ext cx="12001016" cy="5273459"/>
+          </a:xfrm>
+        </p:spPr>
+      </p:pic>
+    </p:spTree>
+    <p:extLst>
+      <p:ext uri="{BB962C8B-B14F-4D97-AF65-F5344CB8AC3E}">
+        <p14:creationId xmlns:p14="http://schemas.microsoft.com/office/powerpoint/2010/main" val="1544749183"/>
+      </p:ext>
+    </p:extLst>
+  </p:cSld>
+  <p:clrMapOvr>
+    <a:masterClrMapping/>
+  </p:clrMapOvr>
+</p:sld>
+</file>
+
+<file path=ppt/slides/slide44.xml><?xml version="1.0" encoding="utf-8"?>
+<p:sld xmlns:a="http://schemas.openxmlformats.org/drawingml/2006/main" xmlns:r="http://schemas.openxmlformats.org/officeDocument/2006/relationships" xmlns:p="http://schemas.openxmlformats.org/presentationml/2006/main">
+  <p:cSld>
+    <p:spTree>
+      <p:nvGrpSpPr>
+        <p:cNvPr id="1" name=""/>
+        <p:cNvGrpSpPr/>
+        <p:nvPr/>
+      </p:nvGrpSpPr>
+      <p:grpSpPr>
+        <a:xfrm>
+          <a:off x="0" y="0"/>
+          <a:ext cx="0" cy="0"/>
+          <a:chOff x="0" y="0"/>
+          <a:chExt cx="0" cy="0"/>
+        </a:xfrm>
+      </p:grpSpPr>
+      <p:sp>
+        <p:nvSpPr>
+          <p:cNvPr id="2" name="Title 1">
+            <a:extLst>
+              <a:ext uri="{FF2B5EF4-FFF2-40B4-BE49-F238E27FC236}">
+                <a16:creationId xmlns:a16="http://schemas.microsoft.com/office/drawing/2014/main" id="{0DCED3ED-4894-4D86-BF04-B209ECBFFA7F}"/>
+              </a:ext>
+            </a:extLst>
+          </p:cNvPr>
+          <p:cNvSpPr>
+            <a:spLocks noGrp="1"/>
+          </p:cNvSpPr>
+          <p:nvPr>
+            <p:ph type="title"/>
+          </p:nvPr>
+        </p:nvSpPr>
+        <p:spPr/>
+        <p:txBody>
+          <a:bodyPr>
+            <a:normAutofit/>
+          </a:bodyPr>
+          <a:lstStyle/>
+          <a:p>
+            <a:r>
+              <a:rPr lang="en-US" sz="2400" dirty="0">
+                <a:latin typeface="Arial" panose="020B0604020202020204" pitchFamily="34" charset="0"/>
+                <a:cs typeface="Arial" panose="020B0604020202020204" pitchFamily="34" charset="0"/>
+              </a:rPr>
+              <a:t>Future Work</a:t>
+            </a:r>
+          </a:p>
+        </p:txBody>
+      </p:sp>
+      <p:sp>
+        <p:nvSpPr>
+          <p:cNvPr id="3" name="Content Placeholder 2">
+            <a:extLst>
+              <a:ext uri="{FF2B5EF4-FFF2-40B4-BE49-F238E27FC236}">
+                <a16:creationId xmlns:a16="http://schemas.microsoft.com/office/drawing/2014/main" id="{736C9589-8AFD-4926-BA3E-3B0F7DA84631}"/>
+              </a:ext>
+            </a:extLst>
+          </p:cNvPr>
+          <p:cNvSpPr>
+            <a:spLocks noGrp="1"/>
+          </p:cNvSpPr>
+          <p:nvPr>
+            <p:ph idx="1"/>
+          </p:nvPr>
+        </p:nvSpPr>
+        <p:spPr/>
+        <p:txBody>
+          <a:bodyPr>
+            <a:normAutofit/>
+          </a:bodyPr>
+          <a:lstStyle/>
+          <a:p>
+            <a:pPr algn="just">
+              <a:lnSpc>
+                <a:spcPct val="150000"/>
+              </a:lnSpc>
+            </a:pPr>
+            <a:r>
+              <a:rPr lang="en-US" sz="2000" dirty="0">
+                <a:latin typeface="Arial" panose="020B0604020202020204" pitchFamily="34" charset="0"/>
+                <a:cs typeface="Arial" panose="020B0604020202020204" pitchFamily="34" charset="0"/>
+              </a:rPr>
+              <a:t>Online Payment.</a:t>
+            </a:r>
+          </a:p>
+          <a:p>
+            <a:pPr algn="just">
+              <a:lnSpc>
+                <a:spcPct val="150000"/>
+              </a:lnSpc>
+            </a:pPr>
+            <a:r>
+              <a:rPr lang="en-US" sz="2000" dirty="0">
+                <a:latin typeface="Arial" panose="020B0604020202020204" pitchFamily="34" charset="0"/>
+                <a:cs typeface="Arial" panose="020B0604020202020204" pitchFamily="34" charset="0"/>
+              </a:rPr>
+              <a:t>Real time tracking.</a:t>
+            </a:r>
+          </a:p>
+          <a:p>
+            <a:pPr algn="just">
+              <a:lnSpc>
+                <a:spcPct val="150000"/>
+              </a:lnSpc>
+            </a:pPr>
+            <a:r>
+              <a:rPr lang="en-US" sz="2000" dirty="0">
+                <a:latin typeface="Arial" panose="020B0604020202020204" pitchFamily="34" charset="0"/>
+                <a:cs typeface="Arial" panose="020B0604020202020204" pitchFamily="34" charset="0"/>
+              </a:rPr>
+              <a:t>Chat Box.</a:t>
+            </a:r>
+          </a:p>
+          <a:p>
+            <a:pPr algn="just">
+              <a:lnSpc>
+                <a:spcPct val="150000"/>
+              </a:lnSpc>
+            </a:pPr>
+            <a:r>
+              <a:rPr lang="en-US" sz="2000" dirty="0">
+                <a:latin typeface="Arial" panose="020B0604020202020204" pitchFamily="34" charset="0"/>
+                <a:cs typeface="Arial" panose="020B0604020202020204" pitchFamily="34" charset="0"/>
+              </a:rPr>
+              <a:t>Language options.</a:t>
+            </a:r>
+          </a:p>
+          <a:p>
+            <a:pPr algn="just">
+              <a:lnSpc>
+                <a:spcPct val="150000"/>
+              </a:lnSpc>
+            </a:pPr>
+            <a:r>
+              <a:rPr lang="en-US" sz="2000" dirty="0">
+                <a:latin typeface="Arial" panose="020B0604020202020204" pitchFamily="34" charset="0"/>
+                <a:cs typeface="Arial" panose="020B0604020202020204" pitchFamily="34" charset="0"/>
+              </a:rPr>
+              <a:t> Ability to track booking status</a:t>
+            </a:r>
+          </a:p>
+          <a:p>
+            <a:pPr algn="just">
+              <a:lnSpc>
+                <a:spcPct val="150000"/>
+              </a:lnSpc>
+            </a:pPr>
+            <a:r>
+              <a:rPr lang="en-US" sz="2000" dirty="0">
+                <a:latin typeface="Arial" panose="020B0604020202020204" pitchFamily="34" charset="0"/>
+                <a:cs typeface="Arial" panose="020B0604020202020204" pitchFamily="34" charset="0"/>
+              </a:rPr>
+              <a:t>Live seat availability</a:t>
+            </a:r>
+          </a:p>
+        </p:txBody>
+      </p:sp>
+    </p:spTree>
+    <p:extLst>
+      <p:ext uri="{BB962C8B-B14F-4D97-AF65-F5344CB8AC3E}">
+        <p14:creationId xmlns:p14="http://schemas.microsoft.com/office/powerpoint/2010/main" val="2040038880"/>
+      </p:ext>
+    </p:extLst>
+  </p:cSld>
+  <p:clrMapOvr>
+    <a:masterClrMapping/>
+  </p:clrMapOvr>
+</p:sld>
+</file>
+
+<file path=ppt/slides/slide45.xml><?xml version="1.0" encoding="utf-8"?>
+<p:sld xmlns:a="http://schemas.openxmlformats.org/drawingml/2006/main" xmlns:r="http://schemas.openxmlformats.org/officeDocument/2006/relationships" xmlns:p="http://schemas.openxmlformats.org/presentationml/2006/main">
+  <p:cSld>
+    <p:spTree>
+      <p:nvGrpSpPr>
+        <p:cNvPr id="1" name=""/>
+        <p:cNvGrpSpPr/>
+        <p:nvPr/>
+      </p:nvGrpSpPr>
+      <p:grpSpPr>
+        <a:xfrm>
+          <a:off x="0" y="0"/>
+          <a:ext cx="0" cy="0"/>
+          <a:chOff x="0" y="0"/>
+          <a:chExt cx="0" cy="0"/>
+        </a:xfrm>
+      </p:grpSpPr>
+      <p:sp>
+        <p:nvSpPr>
+          <p:cNvPr id="2" name="Title 1">
+            <a:extLst>
+              <a:ext uri="{FF2B5EF4-FFF2-40B4-BE49-F238E27FC236}">
+                <a16:creationId xmlns:a16="http://schemas.microsoft.com/office/drawing/2014/main" id="{A241889F-5419-4F67-A17B-7C55846EE939}"/>
+              </a:ext>
+            </a:extLst>
+          </p:cNvPr>
+          <p:cNvSpPr>
+            <a:spLocks noGrp="1"/>
+          </p:cNvSpPr>
+          <p:nvPr>
+            <p:ph type="title"/>
+          </p:nvPr>
+        </p:nvSpPr>
+        <p:spPr/>
+        <p:txBody>
+          <a:bodyPr>
+            <a:normAutofit/>
+          </a:bodyPr>
+          <a:lstStyle/>
+          <a:p>
+            <a:r>
+              <a:rPr lang="en-US" sz="2400" dirty="0">
+                <a:latin typeface="Arial" panose="020B0604020202020204" pitchFamily="34" charset="0"/>
+                <a:cs typeface="Arial" panose="020B0604020202020204" pitchFamily="34" charset="0"/>
+              </a:rPr>
+              <a:t>Limitation</a:t>
+            </a:r>
+          </a:p>
+        </p:txBody>
+      </p:sp>
+      <p:sp>
+        <p:nvSpPr>
+          <p:cNvPr id="3" name="Content Placeholder 2">
+            <a:extLst>
+              <a:ext uri="{FF2B5EF4-FFF2-40B4-BE49-F238E27FC236}">
+                <a16:creationId xmlns:a16="http://schemas.microsoft.com/office/drawing/2014/main" id="{28AAF6B6-62B0-4B1A-91B4-E291A9C9FC46}"/>
+              </a:ext>
+            </a:extLst>
+          </p:cNvPr>
+          <p:cNvSpPr>
+            <a:spLocks noGrp="1"/>
+          </p:cNvSpPr>
+          <p:nvPr>
+            <p:ph idx="1"/>
+          </p:nvPr>
+        </p:nvSpPr>
+        <p:spPr/>
+        <p:txBody>
+          <a:bodyPr>
+            <a:normAutofit/>
+          </a:bodyPr>
+          <a:lstStyle/>
+          <a:p>
+            <a:pPr algn="just">
+              <a:lnSpc>
+                <a:spcPct val="150000"/>
+              </a:lnSpc>
+            </a:pPr>
+            <a:r>
+              <a:rPr lang="en-US" sz="2000" dirty="0">
+                <a:latin typeface="Arial" panose="020B0604020202020204" pitchFamily="34" charset="0"/>
+                <a:cs typeface="Arial" panose="020B0604020202020204" pitchFamily="34" charset="0"/>
+              </a:rPr>
+              <a:t>Sometimes very high data interaction, so server gets down.</a:t>
+            </a:r>
+          </a:p>
+          <a:p>
+            <a:pPr algn="just">
+              <a:lnSpc>
+                <a:spcPct val="150000"/>
+              </a:lnSpc>
+            </a:pPr>
+            <a:r>
+              <a:rPr lang="en-US" sz="2000" dirty="0">
+                <a:latin typeface="Arial" panose="020B0604020202020204" pitchFamily="34" charset="0"/>
+                <a:cs typeface="Arial" panose="020B0604020202020204" pitchFamily="34" charset="0"/>
+              </a:rPr>
+              <a:t>Very high security needed to the system.</a:t>
+            </a:r>
+          </a:p>
+          <a:p>
+            <a:pPr algn="just">
+              <a:lnSpc>
+                <a:spcPct val="150000"/>
+              </a:lnSpc>
+            </a:pPr>
+            <a:r>
+              <a:rPr lang="en-US" sz="2000" dirty="0">
+                <a:latin typeface="Arial" panose="020B0604020202020204" pitchFamily="34" charset="0"/>
+                <a:cs typeface="Arial" panose="020B0604020202020204" pitchFamily="34" charset="0"/>
+              </a:rPr>
+              <a:t>Online payment cannot be made.</a:t>
+            </a:r>
+          </a:p>
+          <a:p>
+            <a:pPr algn="just">
+              <a:lnSpc>
+                <a:spcPct val="150000"/>
+              </a:lnSpc>
+            </a:pPr>
+            <a:r>
+              <a:rPr lang="en-US" sz="2000" dirty="0">
+                <a:latin typeface="Arial" panose="020B0604020202020204" pitchFamily="34" charset="0"/>
+                <a:cs typeface="Arial" panose="020B0604020202020204" pitchFamily="34" charset="0"/>
+              </a:rPr>
+              <a:t>Step by step procedure, so takes time</a:t>
+            </a:r>
+          </a:p>
+        </p:txBody>
+      </p:sp>
+    </p:spTree>
+    <p:extLst>
+      <p:ext uri="{BB962C8B-B14F-4D97-AF65-F5344CB8AC3E}">
+        <p14:creationId xmlns:p14="http://schemas.microsoft.com/office/powerpoint/2010/main" val="2470737518"/>
+      </p:ext>
+    </p:extLst>
+  </p:cSld>
+  <p:clrMapOvr>
+    <a:masterClrMapping/>
+  </p:clrMapOvr>
+</p:sld>
+</file>
+
+<file path=ppt/slides/slide46.xml><?xml version="1.0" encoding="utf-8"?>
+<p:sld xmlns:a="http://schemas.openxmlformats.org/drawingml/2006/main" xmlns:r="http://schemas.openxmlformats.org/officeDocument/2006/relationships" xmlns:p="http://schemas.openxmlformats.org/presentationml/2006/main">
+  <p:cSld>
+    <p:spTree>
+      <p:nvGrpSpPr>
+        <p:cNvPr id="1" name=""/>
+        <p:cNvGrpSpPr/>
+        <p:nvPr/>
+      </p:nvGrpSpPr>
+      <p:grpSpPr>
+        <a:xfrm>
+          <a:off x="0" y="0"/>
+          <a:ext cx="0" cy="0"/>
+          <a:chOff x="0" y="0"/>
+          <a:chExt cx="0" cy="0"/>
+        </a:xfrm>
+      </p:grpSpPr>
       <p:sp>
         <p:nvSpPr>
           <p:cNvPr id="2" name="Title 1">
@@ -7312,7 +7718,7 @@
 </p:sld>
 </file>
 
-<file path=ppt/slides/slide44.xml><?xml version="1.0" encoding="utf-8"?>
+<file path=ppt/slides/slide47.xml><?xml version="1.0" encoding="utf-8"?>
 <p:sld xmlns:a="http://schemas.openxmlformats.org/drawingml/2006/main" xmlns:r="http://schemas.openxmlformats.org/officeDocument/2006/relationships" xmlns:p="http://schemas.openxmlformats.org/presentationml/2006/main">
   <p:cSld>
     <p:spTree>
@@ -7454,7 +7860,7 @@
           <a:lstStyle/>
           <a:p>
             <a:r>
-              <a:rPr lang="en-US" sz="2400" dirty="0">
+              <a:rPr lang="en-US" sz="2400" b="1" dirty="0">
                 <a:latin typeface="Arial" panose="020B0604020202020204" pitchFamily="34" charset="0"/>
                 <a:cs typeface="Arial" panose="020B0604020202020204" pitchFamily="34" charset="0"/>
               </a:rPr>
@@ -7653,7 +8059,7 @@
           <a:lstStyle/>
           <a:p>
             <a:r>
-              <a:rPr lang="en-US" sz="2000" dirty="0">
+              <a:rPr lang="en-US" sz="2000" b="1" dirty="0">
                 <a:latin typeface="Arial" panose="020B0604020202020204" pitchFamily="34" charset="0"/>
                 <a:cs typeface="Arial" panose="020B0604020202020204" pitchFamily="34" charset="0"/>
               </a:rPr>

--- a/TMS presentation slide.pptx
+++ b/TMS presentation slide.pptx
@@ -20,38 +20,40 @@
     <p:sldId id="284" r:id="rId14"/>
     <p:sldId id="285" r:id="rId15"/>
     <p:sldId id="286" r:id="rId16"/>
-    <p:sldId id="287" r:id="rId17"/>
-    <p:sldId id="288" r:id="rId18"/>
-    <p:sldId id="289" r:id="rId19"/>
-    <p:sldId id="290" r:id="rId20"/>
-    <p:sldId id="291" r:id="rId21"/>
-    <p:sldId id="259" r:id="rId22"/>
-    <p:sldId id="260" r:id="rId23"/>
-    <p:sldId id="292" r:id="rId24"/>
-    <p:sldId id="261" r:id="rId25"/>
-    <p:sldId id="262" r:id="rId26"/>
-    <p:sldId id="264" r:id="rId27"/>
-    <p:sldId id="294" r:id="rId28"/>
-    <p:sldId id="293" r:id="rId29"/>
-    <p:sldId id="265" r:id="rId30"/>
-    <p:sldId id="263" r:id="rId31"/>
-    <p:sldId id="295" r:id="rId32"/>
-    <p:sldId id="296" r:id="rId33"/>
-    <p:sldId id="297" r:id="rId34"/>
-    <p:sldId id="298" r:id="rId35"/>
-    <p:sldId id="299" r:id="rId36"/>
-    <p:sldId id="300" r:id="rId37"/>
-    <p:sldId id="301" r:id="rId38"/>
-    <p:sldId id="302" r:id="rId39"/>
-    <p:sldId id="303" r:id="rId40"/>
-    <p:sldId id="309" r:id="rId41"/>
-    <p:sldId id="310" r:id="rId42"/>
-    <p:sldId id="307" r:id="rId43"/>
-    <p:sldId id="308" r:id="rId44"/>
-    <p:sldId id="304" r:id="rId45"/>
-    <p:sldId id="305" r:id="rId46"/>
-    <p:sldId id="306" r:id="rId47"/>
-    <p:sldId id="273" r:id="rId48"/>
+    <p:sldId id="311" r:id="rId17"/>
+    <p:sldId id="312" r:id="rId18"/>
+    <p:sldId id="287" r:id="rId19"/>
+    <p:sldId id="288" r:id="rId20"/>
+    <p:sldId id="289" r:id="rId21"/>
+    <p:sldId id="290" r:id="rId22"/>
+    <p:sldId id="291" r:id="rId23"/>
+    <p:sldId id="259" r:id="rId24"/>
+    <p:sldId id="260" r:id="rId25"/>
+    <p:sldId id="292" r:id="rId26"/>
+    <p:sldId id="261" r:id="rId27"/>
+    <p:sldId id="262" r:id="rId28"/>
+    <p:sldId id="264" r:id="rId29"/>
+    <p:sldId id="294" r:id="rId30"/>
+    <p:sldId id="293" r:id="rId31"/>
+    <p:sldId id="265" r:id="rId32"/>
+    <p:sldId id="263" r:id="rId33"/>
+    <p:sldId id="295" r:id="rId34"/>
+    <p:sldId id="296" r:id="rId35"/>
+    <p:sldId id="297" r:id="rId36"/>
+    <p:sldId id="298" r:id="rId37"/>
+    <p:sldId id="299" r:id="rId38"/>
+    <p:sldId id="300" r:id="rId39"/>
+    <p:sldId id="301" r:id="rId40"/>
+    <p:sldId id="302" r:id="rId41"/>
+    <p:sldId id="303" r:id="rId42"/>
+    <p:sldId id="309" r:id="rId43"/>
+    <p:sldId id="310" r:id="rId44"/>
+    <p:sldId id="307" r:id="rId45"/>
+    <p:sldId id="308" r:id="rId46"/>
+    <p:sldId id="304" r:id="rId47"/>
+    <p:sldId id="305" r:id="rId48"/>
+    <p:sldId id="306" r:id="rId49"/>
+    <p:sldId id="273" r:id="rId50"/>
   </p:sldIdLst>
   <p:sldSz cx="12192000" cy="6858000"/>
   <p:notesSz cx="6858000" cy="9144000"/>
@@ -317,7 +319,7 @@
           <a:p>
             <a:fld id="{3256D91F-FBBB-450F-BB86-05C705B193B1}" type="datetimeFigureOut">
               <a:rPr lang="en-US" smtClean="0"/>
-              <a:t>4/2/2019</a:t>
+              <a:t>4/7/2019</a:t>
             </a:fld>
             <a:endParaRPr lang="en-US"/>
           </a:p>
@@ -515,7 +517,7 @@
           <a:p>
             <a:fld id="{3256D91F-FBBB-450F-BB86-05C705B193B1}" type="datetimeFigureOut">
               <a:rPr lang="en-US" smtClean="0"/>
-              <a:t>4/2/2019</a:t>
+              <a:t>4/7/2019</a:t>
             </a:fld>
             <a:endParaRPr lang="en-US"/>
           </a:p>
@@ -723,7 +725,7 @@
           <a:p>
             <a:fld id="{3256D91F-FBBB-450F-BB86-05C705B193B1}" type="datetimeFigureOut">
               <a:rPr lang="en-US" smtClean="0"/>
-              <a:t>4/2/2019</a:t>
+              <a:t>4/7/2019</a:t>
             </a:fld>
             <a:endParaRPr lang="en-US"/>
           </a:p>
@@ -921,7 +923,7 @@
           <a:p>
             <a:fld id="{3256D91F-FBBB-450F-BB86-05C705B193B1}" type="datetimeFigureOut">
               <a:rPr lang="en-US" smtClean="0"/>
-              <a:t>4/2/2019</a:t>
+              <a:t>4/7/2019</a:t>
             </a:fld>
             <a:endParaRPr lang="en-US"/>
           </a:p>
@@ -1196,7 +1198,7 @@
           <a:p>
             <a:fld id="{3256D91F-FBBB-450F-BB86-05C705B193B1}" type="datetimeFigureOut">
               <a:rPr lang="en-US" smtClean="0"/>
-              <a:t>4/2/2019</a:t>
+              <a:t>4/7/2019</a:t>
             </a:fld>
             <a:endParaRPr lang="en-US"/>
           </a:p>
@@ -1461,7 +1463,7 @@
           <a:p>
             <a:fld id="{3256D91F-FBBB-450F-BB86-05C705B193B1}" type="datetimeFigureOut">
               <a:rPr lang="en-US" smtClean="0"/>
-              <a:t>4/2/2019</a:t>
+              <a:t>4/7/2019</a:t>
             </a:fld>
             <a:endParaRPr lang="en-US"/>
           </a:p>
@@ -1873,7 +1875,7 @@
           <a:p>
             <a:fld id="{3256D91F-FBBB-450F-BB86-05C705B193B1}" type="datetimeFigureOut">
               <a:rPr lang="en-US" smtClean="0"/>
-              <a:t>4/2/2019</a:t>
+              <a:t>4/7/2019</a:t>
             </a:fld>
             <a:endParaRPr lang="en-US"/>
           </a:p>
@@ -2014,7 +2016,7 @@
           <a:p>
             <a:fld id="{3256D91F-FBBB-450F-BB86-05C705B193B1}" type="datetimeFigureOut">
               <a:rPr lang="en-US" smtClean="0"/>
-              <a:t>4/2/2019</a:t>
+              <a:t>4/7/2019</a:t>
             </a:fld>
             <a:endParaRPr lang="en-US"/>
           </a:p>
@@ -2127,7 +2129,7 @@
           <a:p>
             <a:fld id="{3256D91F-FBBB-450F-BB86-05C705B193B1}" type="datetimeFigureOut">
               <a:rPr lang="en-US" smtClean="0"/>
-              <a:t>4/2/2019</a:t>
+              <a:t>4/7/2019</a:t>
             </a:fld>
             <a:endParaRPr lang="en-US"/>
           </a:p>
@@ -2438,7 +2440,7 @@
           <a:p>
             <a:fld id="{3256D91F-FBBB-450F-BB86-05C705B193B1}" type="datetimeFigureOut">
               <a:rPr lang="en-US" smtClean="0"/>
-              <a:t>4/2/2019</a:t>
+              <a:t>4/7/2019</a:t>
             </a:fld>
             <a:endParaRPr lang="en-US"/>
           </a:p>
@@ -2726,7 +2728,7 @@
           <a:p>
             <a:fld id="{3256D91F-FBBB-450F-BB86-05C705B193B1}" type="datetimeFigureOut">
               <a:rPr lang="en-US" smtClean="0"/>
-              <a:t>4/2/2019</a:t>
+              <a:t>4/7/2019</a:t>
             </a:fld>
             <a:endParaRPr lang="en-US"/>
           </a:p>
@@ -2967,7 +2969,7 @@
           <a:p>
             <a:fld id="{3256D91F-FBBB-450F-BB86-05C705B193B1}" type="datetimeFigureOut">
               <a:rPr lang="en-US" smtClean="0"/>
-              <a:t>4/2/2019</a:t>
+              <a:t>4/7/2019</a:t>
             </a:fld>
             <a:endParaRPr lang="en-US"/>
           </a:p>
@@ -4193,15 +4195,15 @@
       </p:grpSpPr>
       <p:pic>
         <p:nvPicPr>
-          <p:cNvPr id="4" name="Content Placeholder 3">
-            <a:extLst>
-              <a:ext uri="{FF2B5EF4-FFF2-40B4-BE49-F238E27FC236}">
-                <a16:creationId xmlns:a16="http://schemas.microsoft.com/office/drawing/2014/main" id="{E96E6BA4-953A-483B-957F-F619CF047A64}"/>
+          <p:cNvPr id="5" name="Content Placeholder 4">
+            <a:extLst>
+              <a:ext uri="{FF2B5EF4-FFF2-40B4-BE49-F238E27FC236}">
+                <a16:creationId xmlns:a16="http://schemas.microsoft.com/office/drawing/2014/main" id="{73B44E1C-9FD0-473E-AE2E-FD8A5E3FF6E0}"/>
               </a:ext>
             </a:extLst>
           </p:cNvPr>
           <p:cNvPicPr>
-            <a:picLocks noGrp="1"/>
+            <a:picLocks noGrp="1" noChangeAspect="1"/>
           </p:cNvPicPr>
           <p:nvPr>
             <p:ph idx="1"/>
@@ -4221,18 +4223,15 @@
         </p:blipFill>
         <p:spPr>
           <a:xfrm>
-            <a:off x="764088" y="588722"/>
-            <a:ext cx="9983244" cy="4121063"/>
+            <a:off x="2463657" y="460331"/>
+            <a:ext cx="7336638" cy="5389324"/>
           </a:xfrm>
-          <a:prstGeom prst="rect">
-            <a:avLst/>
-          </a:prstGeom>
         </p:spPr>
       </p:pic>
     </p:spTree>
     <p:extLst>
       <p:ext uri="{BB962C8B-B14F-4D97-AF65-F5344CB8AC3E}">
-        <p14:creationId xmlns:p14="http://schemas.microsoft.com/office/powerpoint/2010/main" val="1341796874"/>
+        <p14:creationId xmlns:p14="http://schemas.microsoft.com/office/powerpoint/2010/main" val="1859413384"/>
       </p:ext>
     </p:extLst>
   </p:cSld>
@@ -4259,135 +4258,45 @@
           <a:chExt cx="0" cy="0"/>
         </a:xfrm>
       </p:grpSpPr>
-      <p:sp>
-        <p:nvSpPr>
-          <p:cNvPr id="2" name="Title 1">
-            <a:extLst>
-              <a:ext uri="{FF2B5EF4-FFF2-40B4-BE49-F238E27FC236}">
-                <a16:creationId xmlns:a16="http://schemas.microsoft.com/office/drawing/2014/main" id="{A0033415-9AD7-4F35-BBB2-C76001115A2E}"/>
-              </a:ext>
-            </a:extLst>
-          </p:cNvPr>
-          <p:cNvSpPr>
-            <a:spLocks noGrp="1"/>
-          </p:cNvSpPr>
-          <p:nvPr>
-            <p:ph type="title"/>
-          </p:nvPr>
-        </p:nvSpPr>
-        <p:spPr/>
-        <p:txBody>
-          <a:bodyPr>
-            <a:normAutofit/>
-          </a:bodyPr>
-          <a:lstStyle/>
-          <a:p>
-            <a:r>
-              <a:rPr lang="en-US" sz="2400" b="1" dirty="0">
-                <a:latin typeface="Arial" panose="020B0604020202020204" pitchFamily="34" charset="0"/>
-                <a:cs typeface="Arial" panose="020B0604020202020204" pitchFamily="34" charset="0"/>
-              </a:rPr>
-              <a:t>Initial Class Diagram</a:t>
-            </a:r>
-          </a:p>
-        </p:txBody>
-      </p:sp>
-      <p:sp>
-        <p:nvSpPr>
-          <p:cNvPr id="3" name="Content Placeholder 2">
-            <a:extLst>
-              <a:ext uri="{FF2B5EF4-FFF2-40B4-BE49-F238E27FC236}">
-                <a16:creationId xmlns:a16="http://schemas.microsoft.com/office/drawing/2014/main" id="{E41CDA5C-CD5C-442C-8CC4-724A342CFD72}"/>
-              </a:ext>
-            </a:extLst>
-          </p:cNvPr>
-          <p:cNvSpPr>
-            <a:spLocks noGrp="1"/>
-          </p:cNvSpPr>
+      <p:pic>
+        <p:nvPicPr>
+          <p:cNvPr id="5" name="Content Placeholder 4">
+            <a:extLst>
+              <a:ext uri="{FF2B5EF4-FFF2-40B4-BE49-F238E27FC236}">
+                <a16:creationId xmlns:a16="http://schemas.microsoft.com/office/drawing/2014/main" id="{B831D7F5-B697-4DFD-B8E4-26D63D82BCF7}"/>
+              </a:ext>
+            </a:extLst>
+          </p:cNvPr>
+          <p:cNvPicPr>
+            <a:picLocks noGrp="1" noChangeAspect="1"/>
+          </p:cNvPicPr>
           <p:nvPr>
             <p:ph idx="1"/>
           </p:nvPr>
-        </p:nvSpPr>
-        <p:spPr/>
-        <p:txBody>
-          <a:bodyPr>
-            <a:normAutofit fontScale="92500"/>
-          </a:bodyPr>
-          <a:lstStyle/>
-          <a:p>
-            <a:pPr algn="just">
-              <a:lnSpc>
-                <a:spcPct val="150000"/>
-              </a:lnSpc>
-            </a:pPr>
-            <a:r>
-              <a:rPr lang="en-US" sz="2200" dirty="0">
-                <a:latin typeface="Arial" panose="020B0604020202020204" pitchFamily="34" charset="0"/>
-                <a:cs typeface="Arial" panose="020B0604020202020204" pitchFamily="34" charset="0"/>
-              </a:rPr>
-              <a:t>A class diagram is explanation/report of relationship in between different multiple classes. It is a static diagram that displays a static view of system and shows a collection of interface, classes and association. It also defines the attributes and operations of class.</a:t>
-            </a:r>
-          </a:p>
-          <a:p>
-            <a:pPr lvl="0" algn="just">
-              <a:lnSpc>
-                <a:spcPct val="150000"/>
-              </a:lnSpc>
-            </a:pPr>
-            <a:r>
-              <a:rPr lang="en-US" sz="2200" dirty="0">
-                <a:latin typeface="Arial" panose="020B0604020202020204" pitchFamily="34" charset="0"/>
-                <a:cs typeface="Arial" panose="020B0604020202020204" pitchFamily="34" charset="0"/>
-              </a:rPr>
-              <a:t>Class diagram are simple and fast to read. Forward and reverse engineering.</a:t>
-            </a:r>
-          </a:p>
-          <a:p>
-            <a:pPr lvl="0" algn="just">
-              <a:lnSpc>
-                <a:spcPct val="150000"/>
-              </a:lnSpc>
-            </a:pPr>
-            <a:r>
-              <a:rPr lang="en-US" sz="2200" dirty="0">
-                <a:latin typeface="Arial" panose="020B0604020202020204" pitchFamily="34" charset="0"/>
-                <a:cs typeface="Arial" panose="020B0604020202020204" pitchFamily="34" charset="0"/>
-              </a:rPr>
-              <a:t>To model the static view of an application, giving a sense of orientation.</a:t>
-            </a:r>
-          </a:p>
-          <a:p>
-            <a:pPr lvl="0" algn="just">
-              <a:lnSpc>
-                <a:spcPct val="150000"/>
-              </a:lnSpc>
-            </a:pPr>
-            <a:r>
-              <a:rPr lang="en-US" sz="2200" dirty="0">
-                <a:latin typeface="Arial" panose="020B0604020202020204" pitchFamily="34" charset="0"/>
-                <a:cs typeface="Arial" panose="020B0604020202020204" pitchFamily="34" charset="0"/>
-              </a:rPr>
-              <a:t>They provide detailed insight into the structure of our systems, describing responsibilities of a system.</a:t>
-            </a:r>
-          </a:p>
-          <a:p>
-            <a:pPr marL="0" indent="0">
-              <a:buNone/>
-            </a:pPr>
-            <a:r>
-              <a:rPr lang="en-US" dirty="0"/>
-              <a:t> </a:t>
-            </a:r>
-          </a:p>
-          <a:p>
-            <a:endParaRPr lang="en-US" dirty="0"/>
-          </a:p>
-        </p:txBody>
-      </p:sp>
+        </p:nvPicPr>
+        <p:blipFill>
+          <a:blip r:embed="rId2">
+            <a:extLst>
+              <a:ext uri="{28A0092B-C50C-407E-A947-70E740481C1C}">
+                <a14:useLocalDpi xmlns:a14="http://schemas.microsoft.com/office/drawing/2010/main" val="0"/>
+              </a:ext>
+            </a:extLst>
+          </a:blip>
+          <a:stretch>
+            <a:fillRect/>
+          </a:stretch>
+        </p:blipFill>
+        <p:spPr>
+          <a:xfrm>
+            <a:off x="1663364" y="159706"/>
+            <a:ext cx="7855308" cy="6538587"/>
+          </a:xfrm>
+        </p:spPr>
+      </p:pic>
     </p:spTree>
     <p:extLst>
       <p:ext uri="{BB962C8B-B14F-4D97-AF65-F5344CB8AC3E}">
-        <p14:creationId xmlns:p14="http://schemas.microsoft.com/office/powerpoint/2010/main" val="2056857093"/>
+        <p14:creationId xmlns:p14="http://schemas.microsoft.com/office/powerpoint/2010/main" val="993636163"/>
       </p:ext>
     </p:extLst>
   </p:cSld>
@@ -4419,7 +4328,7 @@
           <p:cNvPr id="4" name="Content Placeholder 3">
             <a:extLst>
               <a:ext uri="{FF2B5EF4-FFF2-40B4-BE49-F238E27FC236}">
-                <a16:creationId xmlns:a16="http://schemas.microsoft.com/office/drawing/2014/main" id="{11365ADD-72BF-4696-A56F-4CC5E7AFCFD7}"/>
+                <a16:creationId xmlns:a16="http://schemas.microsoft.com/office/drawing/2014/main" id="{E96E6BA4-953A-483B-957F-F619CF047A64}"/>
               </a:ext>
             </a:extLst>
           </p:cNvPr>
@@ -4444,8 +4353,8 @@
         </p:blipFill>
         <p:spPr>
           <a:xfrm>
-            <a:off x="2404997" y="375782"/>
-            <a:ext cx="6248954" cy="5801182"/>
+            <a:off x="764088" y="588722"/>
+            <a:ext cx="9983244" cy="4121063"/>
           </a:xfrm>
           <a:prstGeom prst="rect">
             <a:avLst/>
@@ -4455,7 +4364,7 @@
     </p:spTree>
     <p:extLst>
       <p:ext uri="{BB962C8B-B14F-4D97-AF65-F5344CB8AC3E}">
-        <p14:creationId xmlns:p14="http://schemas.microsoft.com/office/powerpoint/2010/main" val="598996879"/>
+        <p14:creationId xmlns:p14="http://schemas.microsoft.com/office/powerpoint/2010/main" val="1341796874"/>
       </p:ext>
     </p:extLst>
   </p:cSld>
@@ -4487,7 +4396,7 @@
           <p:cNvPr id="2" name="Title 1">
             <a:extLst>
               <a:ext uri="{FF2B5EF4-FFF2-40B4-BE49-F238E27FC236}">
-                <a16:creationId xmlns:a16="http://schemas.microsoft.com/office/drawing/2014/main" id="{7F1327B2-BE27-4890-8D9F-2295D837ECEF}"/>
+                <a16:creationId xmlns:a16="http://schemas.microsoft.com/office/drawing/2014/main" id="{A0033415-9AD7-4F35-BBB2-C76001115A2E}"/>
               </a:ext>
             </a:extLst>
           </p:cNvPr>
@@ -4510,7 +4419,7 @@
                 <a:latin typeface="Arial" panose="020B0604020202020204" pitchFamily="34" charset="0"/>
                 <a:cs typeface="Arial" panose="020B0604020202020204" pitchFamily="34" charset="0"/>
               </a:rPr>
-              <a:t>Class Diagram</a:t>
+              <a:t>Initial Class Diagram</a:t>
             </a:r>
           </a:p>
         </p:txBody>
@@ -4520,7 +4429,7 @@
           <p:cNvPr id="3" name="Content Placeholder 2">
             <a:extLst>
               <a:ext uri="{FF2B5EF4-FFF2-40B4-BE49-F238E27FC236}">
-                <a16:creationId xmlns:a16="http://schemas.microsoft.com/office/drawing/2014/main" id="{958F05E8-B425-4678-B96A-E7BFBAC0AD56}"/>
+                <a16:creationId xmlns:a16="http://schemas.microsoft.com/office/drawing/2014/main" id="{E41CDA5C-CD5C-442C-8CC4-724A342CFD72}"/>
               </a:ext>
             </a:extLst>
           </p:cNvPr>
@@ -4533,7 +4442,9 @@
         </p:nvSpPr>
         <p:spPr/>
         <p:txBody>
-          <a:bodyPr/>
+          <a:bodyPr>
+            <a:normAutofit fontScale="92500"/>
+          </a:bodyPr>
           <a:lstStyle/>
           <a:p>
             <a:pPr algn="just">
@@ -4542,11 +4453,11 @@
               </a:lnSpc>
             </a:pPr>
             <a:r>
-              <a:rPr lang="en-US" sz="2000" dirty="0">
-                <a:latin typeface="Arial" panose="020B0604020202020204" pitchFamily="34" charset="0"/>
-                <a:cs typeface="Arial" panose="020B0604020202020204" pitchFamily="34" charset="0"/>
-              </a:rPr>
-              <a:t>It is used to illustrate and create a functional diagram of the system classes and serves as a system development resource within the software development life cycle.</a:t>
+              <a:rPr lang="en-US" sz="2200" dirty="0">
+                <a:latin typeface="Arial" panose="020B0604020202020204" pitchFamily="34" charset="0"/>
+                <a:cs typeface="Arial" panose="020B0604020202020204" pitchFamily="34" charset="0"/>
+              </a:rPr>
+              <a:t>A class diagram is explanation/report of relationship in between different multiple classes. It is a static diagram that displays a static view of system and shows a collection of interface, classes and association. It also defines the attributes and operations of class.</a:t>
             </a:r>
           </a:p>
           <a:p>
@@ -4556,11 +4467,11 @@
               </a:lnSpc>
             </a:pPr>
             <a:r>
-              <a:rPr lang="en-US" sz="2000" dirty="0">
-                <a:latin typeface="Arial" panose="020B0604020202020204" pitchFamily="34" charset="0"/>
-                <a:cs typeface="Arial" panose="020B0604020202020204" pitchFamily="34" charset="0"/>
-              </a:rPr>
-              <a:t>Displaying each class has each controller and the controller are directly linked with the database.</a:t>
+              <a:rPr lang="en-US" sz="2200" dirty="0">
+                <a:latin typeface="Arial" panose="020B0604020202020204" pitchFamily="34" charset="0"/>
+                <a:cs typeface="Arial" panose="020B0604020202020204" pitchFamily="34" charset="0"/>
+              </a:rPr>
+              <a:t>Class diagram are simple and fast to read. Forward and reverse engineering.</a:t>
             </a:r>
           </a:p>
           <a:p>
@@ -4570,11 +4481,11 @@
               </a:lnSpc>
             </a:pPr>
             <a:r>
-              <a:rPr lang="en-US" sz="2000" dirty="0">
-                <a:latin typeface="Arial" panose="020B0604020202020204" pitchFamily="34" charset="0"/>
-                <a:cs typeface="Arial" panose="020B0604020202020204" pitchFamily="34" charset="0"/>
-              </a:rPr>
-              <a:t>Simple and easy to understand. </a:t>
+              <a:rPr lang="en-US" sz="2200" dirty="0">
+                <a:latin typeface="Arial" panose="020B0604020202020204" pitchFamily="34" charset="0"/>
+                <a:cs typeface="Arial" panose="020B0604020202020204" pitchFamily="34" charset="0"/>
+              </a:rPr>
+              <a:t>To model the static view of an application, giving a sense of orientation.</a:t>
             </a:r>
           </a:p>
           <a:p>
@@ -4584,17 +4495,23 @@
               </a:lnSpc>
             </a:pPr>
             <a:r>
-              <a:rPr lang="en-US" sz="2000" dirty="0">
-                <a:latin typeface="Arial" panose="020B0604020202020204" pitchFamily="34" charset="0"/>
-                <a:cs typeface="Arial" panose="020B0604020202020204" pitchFamily="34" charset="0"/>
-              </a:rPr>
-              <a:t>It helps to model the static view of an application and describes the responsibilities of the system.</a:t>
+              <a:rPr lang="en-US" sz="2200" dirty="0">
+                <a:latin typeface="Arial" panose="020B0604020202020204" pitchFamily="34" charset="0"/>
+                <a:cs typeface="Arial" panose="020B0604020202020204" pitchFamily="34" charset="0"/>
+              </a:rPr>
+              <a:t>They provide detailed insight into the structure of our systems, describing responsibilities of a system.</a:t>
             </a:r>
           </a:p>
           <a:p>
             <a:pPr marL="0" indent="0">
               <a:buNone/>
             </a:pPr>
+            <a:r>
+              <a:rPr lang="en-US" dirty="0"/>
+              <a:t> </a:t>
+            </a:r>
+          </a:p>
+          <a:p>
             <a:endParaRPr lang="en-US" dirty="0"/>
           </a:p>
         </p:txBody>
@@ -4602,7 +4519,7 @@
     </p:spTree>
     <p:extLst>
       <p:ext uri="{BB962C8B-B14F-4D97-AF65-F5344CB8AC3E}">
-        <p14:creationId xmlns:p14="http://schemas.microsoft.com/office/powerpoint/2010/main" val="3834846270"/>
+        <p14:creationId xmlns:p14="http://schemas.microsoft.com/office/powerpoint/2010/main" val="2056857093"/>
       </p:ext>
     </p:extLst>
   </p:cSld>
@@ -4751,6 +4668,221 @@
           <p:cNvPr id="4" name="Content Placeholder 3">
             <a:extLst>
               <a:ext uri="{FF2B5EF4-FFF2-40B4-BE49-F238E27FC236}">
+                <a16:creationId xmlns:a16="http://schemas.microsoft.com/office/drawing/2014/main" id="{11365ADD-72BF-4696-A56F-4CC5E7AFCFD7}"/>
+              </a:ext>
+            </a:extLst>
+          </p:cNvPr>
+          <p:cNvPicPr>
+            <a:picLocks noGrp="1"/>
+          </p:cNvPicPr>
+          <p:nvPr>
+            <p:ph idx="1"/>
+          </p:nvPr>
+        </p:nvPicPr>
+        <p:blipFill>
+          <a:blip r:embed="rId2">
+            <a:extLst>
+              <a:ext uri="{28A0092B-C50C-407E-A947-70E740481C1C}">
+                <a14:useLocalDpi xmlns:a14="http://schemas.microsoft.com/office/drawing/2010/main" val="0"/>
+              </a:ext>
+            </a:extLst>
+          </a:blip>
+          <a:stretch>
+            <a:fillRect/>
+          </a:stretch>
+        </p:blipFill>
+        <p:spPr>
+          <a:xfrm>
+            <a:off x="2404997" y="375782"/>
+            <a:ext cx="6248954" cy="5801182"/>
+          </a:xfrm>
+          <a:prstGeom prst="rect">
+            <a:avLst/>
+          </a:prstGeom>
+        </p:spPr>
+      </p:pic>
+    </p:spTree>
+    <p:extLst>
+      <p:ext uri="{BB962C8B-B14F-4D97-AF65-F5344CB8AC3E}">
+        <p14:creationId xmlns:p14="http://schemas.microsoft.com/office/powerpoint/2010/main" val="598996879"/>
+      </p:ext>
+    </p:extLst>
+  </p:cSld>
+  <p:clrMapOvr>
+    <a:masterClrMapping/>
+  </p:clrMapOvr>
+</p:sld>
+</file>
+
+<file path=ppt/slides/slide21.xml><?xml version="1.0" encoding="utf-8"?>
+<p:sld xmlns:a="http://schemas.openxmlformats.org/drawingml/2006/main" xmlns:r="http://schemas.openxmlformats.org/officeDocument/2006/relationships" xmlns:p="http://schemas.openxmlformats.org/presentationml/2006/main">
+  <p:cSld>
+    <p:spTree>
+      <p:nvGrpSpPr>
+        <p:cNvPr id="1" name=""/>
+        <p:cNvGrpSpPr/>
+        <p:nvPr/>
+      </p:nvGrpSpPr>
+      <p:grpSpPr>
+        <a:xfrm>
+          <a:off x="0" y="0"/>
+          <a:ext cx="0" cy="0"/>
+          <a:chOff x="0" y="0"/>
+          <a:chExt cx="0" cy="0"/>
+        </a:xfrm>
+      </p:grpSpPr>
+      <p:sp>
+        <p:nvSpPr>
+          <p:cNvPr id="2" name="Title 1">
+            <a:extLst>
+              <a:ext uri="{FF2B5EF4-FFF2-40B4-BE49-F238E27FC236}">
+                <a16:creationId xmlns:a16="http://schemas.microsoft.com/office/drawing/2014/main" id="{7F1327B2-BE27-4890-8D9F-2295D837ECEF}"/>
+              </a:ext>
+            </a:extLst>
+          </p:cNvPr>
+          <p:cNvSpPr>
+            <a:spLocks noGrp="1"/>
+          </p:cNvSpPr>
+          <p:nvPr>
+            <p:ph type="title"/>
+          </p:nvPr>
+        </p:nvSpPr>
+        <p:spPr/>
+        <p:txBody>
+          <a:bodyPr>
+            <a:normAutofit/>
+          </a:bodyPr>
+          <a:lstStyle/>
+          <a:p>
+            <a:r>
+              <a:rPr lang="en-US" sz="2400" b="1" dirty="0">
+                <a:latin typeface="Arial" panose="020B0604020202020204" pitchFamily="34" charset="0"/>
+                <a:cs typeface="Arial" panose="020B0604020202020204" pitchFamily="34" charset="0"/>
+              </a:rPr>
+              <a:t>Class Diagram</a:t>
+            </a:r>
+          </a:p>
+        </p:txBody>
+      </p:sp>
+      <p:sp>
+        <p:nvSpPr>
+          <p:cNvPr id="3" name="Content Placeholder 2">
+            <a:extLst>
+              <a:ext uri="{FF2B5EF4-FFF2-40B4-BE49-F238E27FC236}">
+                <a16:creationId xmlns:a16="http://schemas.microsoft.com/office/drawing/2014/main" id="{958F05E8-B425-4678-B96A-E7BFBAC0AD56}"/>
+              </a:ext>
+            </a:extLst>
+          </p:cNvPr>
+          <p:cNvSpPr>
+            <a:spLocks noGrp="1"/>
+          </p:cNvSpPr>
+          <p:nvPr>
+            <p:ph idx="1"/>
+          </p:nvPr>
+        </p:nvSpPr>
+        <p:spPr/>
+        <p:txBody>
+          <a:bodyPr/>
+          <a:lstStyle/>
+          <a:p>
+            <a:pPr algn="just">
+              <a:lnSpc>
+                <a:spcPct val="150000"/>
+              </a:lnSpc>
+            </a:pPr>
+            <a:r>
+              <a:rPr lang="en-US" sz="2000" dirty="0">
+                <a:latin typeface="Arial" panose="020B0604020202020204" pitchFamily="34" charset="0"/>
+                <a:cs typeface="Arial" panose="020B0604020202020204" pitchFamily="34" charset="0"/>
+              </a:rPr>
+              <a:t>It is used to illustrate and create a functional diagram of the system classes and serves as a system development resource within the software development life cycle.</a:t>
+            </a:r>
+          </a:p>
+          <a:p>
+            <a:pPr lvl="0" algn="just">
+              <a:lnSpc>
+                <a:spcPct val="150000"/>
+              </a:lnSpc>
+            </a:pPr>
+            <a:r>
+              <a:rPr lang="en-US" sz="2000" dirty="0">
+                <a:latin typeface="Arial" panose="020B0604020202020204" pitchFamily="34" charset="0"/>
+                <a:cs typeface="Arial" panose="020B0604020202020204" pitchFamily="34" charset="0"/>
+              </a:rPr>
+              <a:t>Displaying each class has each controller and the controller are directly linked with the database.</a:t>
+            </a:r>
+          </a:p>
+          <a:p>
+            <a:pPr lvl="0" algn="just">
+              <a:lnSpc>
+                <a:spcPct val="150000"/>
+              </a:lnSpc>
+            </a:pPr>
+            <a:r>
+              <a:rPr lang="en-US" sz="2000" dirty="0">
+                <a:latin typeface="Arial" panose="020B0604020202020204" pitchFamily="34" charset="0"/>
+                <a:cs typeface="Arial" panose="020B0604020202020204" pitchFamily="34" charset="0"/>
+              </a:rPr>
+              <a:t>Simple and easy to understand. </a:t>
+            </a:r>
+          </a:p>
+          <a:p>
+            <a:pPr lvl="0" algn="just">
+              <a:lnSpc>
+                <a:spcPct val="150000"/>
+              </a:lnSpc>
+            </a:pPr>
+            <a:r>
+              <a:rPr lang="en-US" sz="2000" dirty="0">
+                <a:latin typeface="Arial" panose="020B0604020202020204" pitchFamily="34" charset="0"/>
+                <a:cs typeface="Arial" panose="020B0604020202020204" pitchFamily="34" charset="0"/>
+              </a:rPr>
+              <a:t>It helps to model the static view of an application and describes the responsibilities of the system.</a:t>
+            </a:r>
+          </a:p>
+          <a:p>
+            <a:pPr marL="0" indent="0">
+              <a:buNone/>
+            </a:pPr>
+            <a:endParaRPr lang="en-US" dirty="0"/>
+          </a:p>
+        </p:txBody>
+      </p:sp>
+    </p:spTree>
+    <p:extLst>
+      <p:ext uri="{BB962C8B-B14F-4D97-AF65-F5344CB8AC3E}">
+        <p14:creationId xmlns:p14="http://schemas.microsoft.com/office/powerpoint/2010/main" val="3834846270"/>
+      </p:ext>
+    </p:extLst>
+  </p:cSld>
+  <p:clrMapOvr>
+    <a:masterClrMapping/>
+  </p:clrMapOvr>
+</p:sld>
+</file>
+
+<file path=ppt/slides/slide22.xml><?xml version="1.0" encoding="utf-8"?>
+<p:sld xmlns:a="http://schemas.openxmlformats.org/drawingml/2006/main" xmlns:r="http://schemas.openxmlformats.org/officeDocument/2006/relationships" xmlns:p="http://schemas.openxmlformats.org/presentationml/2006/main">
+  <p:cSld>
+    <p:spTree>
+      <p:nvGrpSpPr>
+        <p:cNvPr id="1" name=""/>
+        <p:cNvGrpSpPr/>
+        <p:nvPr/>
+      </p:nvGrpSpPr>
+      <p:grpSpPr>
+        <a:xfrm>
+          <a:off x="0" y="0"/>
+          <a:ext cx="0" cy="0"/>
+          <a:chOff x="0" y="0"/>
+          <a:chExt cx="0" cy="0"/>
+        </a:xfrm>
+      </p:grpSpPr>
+      <p:pic>
+        <p:nvPicPr>
+          <p:cNvPr id="4" name="Content Placeholder 3">
+            <a:extLst>
+              <a:ext uri="{FF2B5EF4-FFF2-40B4-BE49-F238E27FC236}">
                 <a16:creationId xmlns:a16="http://schemas.microsoft.com/office/drawing/2014/main" id="{8BE9D0DC-555A-409C-96C1-98A05B8FE5F6}"/>
               </a:ext>
             </a:extLst>
@@ -4797,7 +4929,7 @@
 </p:sld>
 </file>
 
-<file path=ppt/slides/slide21.xml><?xml version="1.0" encoding="utf-8"?>
+<file path=ppt/slides/slide23.xml><?xml version="1.0" encoding="utf-8"?>
 <p:sld xmlns:a="http://schemas.openxmlformats.org/drawingml/2006/main" xmlns:r="http://schemas.openxmlformats.org/officeDocument/2006/relationships" xmlns:p="http://schemas.openxmlformats.org/presentationml/2006/main">
   <p:cSld>
     <p:spTree>
@@ -4898,212 +5030,6 @@
 </p:sld>
 </file>
 
-<file path=ppt/slides/slide22.xml><?xml version="1.0" encoding="utf-8"?>
-<p:sld xmlns:a="http://schemas.openxmlformats.org/drawingml/2006/main" xmlns:r="http://schemas.openxmlformats.org/officeDocument/2006/relationships" xmlns:p="http://schemas.openxmlformats.org/presentationml/2006/main">
-  <p:cSld>
-    <p:spTree>
-      <p:nvGrpSpPr>
-        <p:cNvPr id="1" name=""/>
-        <p:cNvGrpSpPr/>
-        <p:nvPr/>
-      </p:nvGrpSpPr>
-      <p:grpSpPr>
-        <a:xfrm>
-          <a:off x="0" y="0"/>
-          <a:ext cx="0" cy="0"/>
-          <a:chOff x="0" y="0"/>
-          <a:chExt cx="0" cy="0"/>
-        </a:xfrm>
-      </p:grpSpPr>
-      <p:sp>
-        <p:nvSpPr>
-          <p:cNvPr id="2" name="Title 1">
-            <a:extLst>
-              <a:ext uri="{FF2B5EF4-FFF2-40B4-BE49-F238E27FC236}">
-                <a16:creationId xmlns:a16="http://schemas.microsoft.com/office/drawing/2014/main" id="{3950B46B-838E-4033-BD69-E82B4AC141AC}"/>
-              </a:ext>
-            </a:extLst>
-          </p:cNvPr>
-          <p:cNvSpPr>
-            <a:spLocks noGrp="1"/>
-          </p:cNvSpPr>
-          <p:nvPr>
-            <p:ph type="title"/>
-          </p:nvPr>
-        </p:nvSpPr>
-        <p:spPr/>
-        <p:txBody>
-          <a:bodyPr>
-            <a:normAutofit/>
-          </a:bodyPr>
-          <a:lstStyle/>
-          <a:p>
-            <a:r>
-              <a:rPr lang="en-US" sz="2400" b="1" dirty="0">
-                <a:latin typeface="Arial" panose="020B0604020202020204" pitchFamily="34" charset="0"/>
-                <a:cs typeface="Arial" panose="020B0604020202020204" pitchFamily="34" charset="0"/>
-              </a:rPr>
-              <a:t>Activity diagrams</a:t>
-            </a:r>
-          </a:p>
-        </p:txBody>
-      </p:sp>
-      <p:sp>
-        <p:nvSpPr>
-          <p:cNvPr id="3" name="Content Placeholder 2">
-            <a:extLst>
-              <a:ext uri="{FF2B5EF4-FFF2-40B4-BE49-F238E27FC236}">
-                <a16:creationId xmlns:a16="http://schemas.microsoft.com/office/drawing/2014/main" id="{4F51BF3A-88BE-442A-A21F-9AC771B5D730}"/>
-              </a:ext>
-            </a:extLst>
-          </p:cNvPr>
-          <p:cNvSpPr>
-            <a:spLocks noGrp="1"/>
-          </p:cNvSpPr>
-          <p:nvPr>
-            <p:ph idx="1"/>
-          </p:nvPr>
-        </p:nvSpPr>
-        <p:spPr/>
-        <p:txBody>
-          <a:bodyPr>
-            <a:normAutofit/>
-          </a:bodyPr>
-          <a:lstStyle/>
-          <a:p>
-            <a:pPr algn="just">
-              <a:lnSpc>
-                <a:spcPct val="150000"/>
-              </a:lnSpc>
-            </a:pPr>
-            <a:r>
-              <a:rPr lang="en-US" sz="2000" dirty="0">
-                <a:latin typeface="Arial" panose="020B0604020202020204" pitchFamily="34" charset="0"/>
-                <a:cs typeface="Arial" panose="020B0604020202020204" pitchFamily="34" charset="0"/>
-              </a:rPr>
-              <a:t> It is a UML diagram that describes the dynamic aspect as well as advanced version of flow chart which show logic of flow of one activity to another activity of the system. </a:t>
-            </a:r>
-          </a:p>
-          <a:p>
-            <a:pPr algn="just">
-              <a:lnSpc>
-                <a:spcPct val="150000"/>
-              </a:lnSpc>
-            </a:pPr>
-            <a:r>
-              <a:rPr lang="en-US" sz="2000" dirty="0">
-                <a:latin typeface="Arial" panose="020B0604020202020204" pitchFamily="34" charset="0"/>
-                <a:cs typeface="Arial" panose="020B0604020202020204" pitchFamily="34" charset="0"/>
-              </a:rPr>
-              <a:t>The activity can be described as an operation of the system. </a:t>
-            </a:r>
-          </a:p>
-          <a:p>
-            <a:pPr algn="just">
-              <a:lnSpc>
-                <a:spcPct val="150000"/>
-              </a:lnSpc>
-            </a:pPr>
-            <a:r>
-              <a:rPr lang="en-US" sz="2000" dirty="0">
-                <a:latin typeface="Arial" panose="020B0604020202020204" pitchFamily="34" charset="0"/>
-                <a:cs typeface="Arial" panose="020B0604020202020204" pitchFamily="34" charset="0"/>
-              </a:rPr>
-              <a:t>The flow can be sequential, branched or concurrent. It deals with all type of flow control by using different elements like fork, join etc.</a:t>
-            </a:r>
-          </a:p>
-          <a:p>
-            <a:pPr marL="0" indent="0">
-              <a:buNone/>
-            </a:pPr>
-            <a:endParaRPr lang="en-US" sz="2000" dirty="0">
-              <a:latin typeface="Arial" panose="020B0604020202020204" pitchFamily="34" charset="0"/>
-              <a:cs typeface="Arial" panose="020B0604020202020204" pitchFamily="34" charset="0"/>
-            </a:endParaRPr>
-          </a:p>
-        </p:txBody>
-      </p:sp>
-    </p:spTree>
-    <p:extLst>
-      <p:ext uri="{BB962C8B-B14F-4D97-AF65-F5344CB8AC3E}">
-        <p14:creationId xmlns:p14="http://schemas.microsoft.com/office/powerpoint/2010/main" val="4065411647"/>
-      </p:ext>
-    </p:extLst>
-  </p:cSld>
-  <p:clrMapOvr>
-    <a:masterClrMapping/>
-  </p:clrMapOvr>
-</p:sld>
-</file>
-
-<file path=ppt/slides/slide23.xml><?xml version="1.0" encoding="utf-8"?>
-<p:sld xmlns:a="http://schemas.openxmlformats.org/drawingml/2006/main" xmlns:r="http://schemas.openxmlformats.org/officeDocument/2006/relationships" xmlns:p="http://schemas.openxmlformats.org/presentationml/2006/main">
-  <p:cSld>
-    <p:spTree>
-      <p:nvGrpSpPr>
-        <p:cNvPr id="1" name=""/>
-        <p:cNvGrpSpPr/>
-        <p:nvPr/>
-      </p:nvGrpSpPr>
-      <p:grpSpPr>
-        <a:xfrm>
-          <a:off x="0" y="0"/>
-          <a:ext cx="0" cy="0"/>
-          <a:chOff x="0" y="0"/>
-          <a:chExt cx="0" cy="0"/>
-        </a:xfrm>
-      </p:grpSpPr>
-      <p:pic>
-        <p:nvPicPr>
-          <p:cNvPr id="4" name="Content Placeholder 3">
-            <a:extLst>
-              <a:ext uri="{FF2B5EF4-FFF2-40B4-BE49-F238E27FC236}">
-                <a16:creationId xmlns:a16="http://schemas.microsoft.com/office/drawing/2014/main" id="{64D71EE4-CDAA-4E5E-A9E3-F0AF5A0594A8}"/>
-              </a:ext>
-            </a:extLst>
-          </p:cNvPr>
-          <p:cNvPicPr>
-            <a:picLocks noGrp="1"/>
-          </p:cNvPicPr>
-          <p:nvPr>
-            <p:ph idx="1"/>
-          </p:nvPr>
-        </p:nvPicPr>
-        <p:blipFill>
-          <a:blip r:embed="rId2">
-            <a:extLst>
-              <a:ext uri="{28A0092B-C50C-407E-A947-70E740481C1C}">
-                <a14:useLocalDpi xmlns:a14="http://schemas.microsoft.com/office/drawing/2010/main" val="0"/>
-              </a:ext>
-            </a:extLst>
-          </a:blip>
-          <a:stretch>
-            <a:fillRect/>
-          </a:stretch>
-        </p:blipFill>
-        <p:spPr>
-          <a:xfrm>
-            <a:off x="2818356" y="162838"/>
-            <a:ext cx="6851737" cy="6695162"/>
-          </a:xfrm>
-          <a:prstGeom prst="rect">
-            <a:avLst/>
-          </a:prstGeom>
-        </p:spPr>
-      </p:pic>
-    </p:spTree>
-    <p:extLst>
-      <p:ext uri="{BB962C8B-B14F-4D97-AF65-F5344CB8AC3E}">
-        <p14:creationId xmlns:p14="http://schemas.microsoft.com/office/powerpoint/2010/main" val="971450900"/>
-      </p:ext>
-    </p:extLst>
-  </p:cSld>
-  <p:clrMapOvr>
-    <a:masterClrMapping/>
-  </p:clrMapOvr>
-</p:sld>
-</file>
-
 <file path=ppt/slides/slide24.xml><?xml version="1.0" encoding="utf-8"?>
 <p:sld xmlns:a="http://schemas.openxmlformats.org/drawingml/2006/main" xmlns:r="http://schemas.openxmlformats.org/officeDocument/2006/relationships" xmlns:p="http://schemas.openxmlformats.org/presentationml/2006/main">
   <p:cSld>
@@ -5121,48 +5047,118 @@
           <a:chExt cx="0" cy="0"/>
         </a:xfrm>
       </p:grpSpPr>
-      <p:pic>
-        <p:nvPicPr>
-          <p:cNvPr id="7" name="Content Placeholder 6">
-            <a:extLst>
-              <a:ext uri="{FF2B5EF4-FFF2-40B4-BE49-F238E27FC236}">
-                <a16:creationId xmlns:a16="http://schemas.microsoft.com/office/drawing/2014/main" id="{07F3C190-3AC9-44AB-8E07-6C0D2EC7F191}"/>
-              </a:ext>
-            </a:extLst>
-          </p:cNvPr>
-          <p:cNvPicPr>
-            <a:picLocks noGrp="1"/>
-          </p:cNvPicPr>
+      <p:sp>
+        <p:nvSpPr>
+          <p:cNvPr id="2" name="Title 1">
+            <a:extLst>
+              <a:ext uri="{FF2B5EF4-FFF2-40B4-BE49-F238E27FC236}">
+                <a16:creationId xmlns:a16="http://schemas.microsoft.com/office/drawing/2014/main" id="{3950B46B-838E-4033-BD69-E82B4AC141AC}"/>
+              </a:ext>
+            </a:extLst>
+          </p:cNvPr>
+          <p:cNvSpPr>
+            <a:spLocks noGrp="1"/>
+          </p:cNvSpPr>
+          <p:nvPr>
+            <p:ph type="title"/>
+          </p:nvPr>
+        </p:nvSpPr>
+        <p:spPr/>
+        <p:txBody>
+          <a:bodyPr>
+            <a:normAutofit/>
+          </a:bodyPr>
+          <a:lstStyle/>
+          <a:p>
+            <a:r>
+              <a:rPr lang="en-US" sz="2400" b="1" dirty="0">
+                <a:latin typeface="Arial" panose="020B0604020202020204" pitchFamily="34" charset="0"/>
+                <a:cs typeface="Arial" panose="020B0604020202020204" pitchFamily="34" charset="0"/>
+              </a:rPr>
+              <a:t>Activity diagrams</a:t>
+            </a:r>
+          </a:p>
+        </p:txBody>
+      </p:sp>
+      <p:sp>
+        <p:nvSpPr>
+          <p:cNvPr id="3" name="Content Placeholder 2">
+            <a:extLst>
+              <a:ext uri="{FF2B5EF4-FFF2-40B4-BE49-F238E27FC236}">
+                <a16:creationId xmlns:a16="http://schemas.microsoft.com/office/drawing/2014/main" id="{4F51BF3A-88BE-442A-A21F-9AC771B5D730}"/>
+              </a:ext>
+            </a:extLst>
+          </p:cNvPr>
+          <p:cNvSpPr>
+            <a:spLocks noGrp="1"/>
+          </p:cNvSpPr>
           <p:nvPr>
             <p:ph idx="1"/>
           </p:nvPr>
-        </p:nvPicPr>
-        <p:blipFill>
-          <a:blip r:embed="rId2">
-            <a:extLst>
-              <a:ext uri="{28A0092B-C50C-407E-A947-70E740481C1C}">
-                <a14:useLocalDpi xmlns:a14="http://schemas.microsoft.com/office/drawing/2010/main" val="0"/>
-              </a:ext>
-            </a:extLst>
-          </a:blip>
-          <a:stretch>
-            <a:fillRect/>
-          </a:stretch>
-        </p:blipFill>
-        <p:spPr>
-          <a:xfrm>
-            <a:off x="2404996" y="0"/>
-            <a:ext cx="6939419" cy="6858000"/>
-          </a:xfrm>
-          <a:prstGeom prst="rect">
-            <a:avLst/>
-          </a:prstGeom>
-        </p:spPr>
-      </p:pic>
+        </p:nvSpPr>
+        <p:spPr/>
+        <p:txBody>
+          <a:bodyPr>
+            <a:normAutofit/>
+          </a:bodyPr>
+          <a:lstStyle/>
+          <a:p>
+            <a:pPr algn="just">
+              <a:lnSpc>
+                <a:spcPct val="150000"/>
+              </a:lnSpc>
+            </a:pPr>
+            <a:r>
+              <a:rPr lang="en-US" sz="2000" dirty="0">
+                <a:latin typeface="Arial" panose="020B0604020202020204" pitchFamily="34" charset="0"/>
+                <a:cs typeface="Arial" panose="020B0604020202020204" pitchFamily="34" charset="0"/>
+              </a:rPr>
+              <a:t> It is a UML diagram that describes the dynamic aspect as well as advanced version of flow chart which show logic of flow of one activity to another activity of the system. </a:t>
+            </a:r>
+          </a:p>
+          <a:p>
+            <a:pPr algn="just">
+              <a:lnSpc>
+                <a:spcPct val="150000"/>
+              </a:lnSpc>
+            </a:pPr>
+            <a:r>
+              <a:rPr lang="en-US" sz="2000" dirty="0">
+                <a:latin typeface="Arial" panose="020B0604020202020204" pitchFamily="34" charset="0"/>
+                <a:cs typeface="Arial" panose="020B0604020202020204" pitchFamily="34" charset="0"/>
+              </a:rPr>
+              <a:t>The activity can be described as an operation of the system. </a:t>
+            </a:r>
+          </a:p>
+          <a:p>
+            <a:pPr algn="just">
+              <a:lnSpc>
+                <a:spcPct val="150000"/>
+              </a:lnSpc>
+            </a:pPr>
+            <a:r>
+              <a:rPr lang="en-US" sz="2000" dirty="0">
+                <a:latin typeface="Arial" panose="020B0604020202020204" pitchFamily="34" charset="0"/>
+                <a:cs typeface="Arial" panose="020B0604020202020204" pitchFamily="34" charset="0"/>
+              </a:rPr>
+              <a:t>The flow can be sequential, branched or concurrent. It deals with all type of flow control by using different elements like fork, join etc.</a:t>
+            </a:r>
+          </a:p>
+          <a:p>
+            <a:pPr marL="0" indent="0">
+              <a:buNone/>
+            </a:pPr>
+            <a:endParaRPr lang="en-US" sz="2000" dirty="0">
+              <a:latin typeface="Arial" panose="020B0604020202020204" pitchFamily="34" charset="0"/>
+              <a:cs typeface="Arial" panose="020B0604020202020204" pitchFamily="34" charset="0"/>
+            </a:endParaRPr>
+          </a:p>
+        </p:txBody>
+      </p:sp>
     </p:spTree>
     <p:extLst>
       <p:ext uri="{BB962C8B-B14F-4D97-AF65-F5344CB8AC3E}">
-        <p14:creationId xmlns:p14="http://schemas.microsoft.com/office/powerpoint/2010/main" val="2390726347"/>
+        <p14:creationId xmlns:p14="http://schemas.microsoft.com/office/powerpoint/2010/main" val="4065411647"/>
       </p:ext>
     </p:extLst>
   </p:cSld>
@@ -5194,7 +5190,7 @@
           <p:cNvPr id="4" name="Content Placeholder 3">
             <a:extLst>
               <a:ext uri="{FF2B5EF4-FFF2-40B4-BE49-F238E27FC236}">
-                <a16:creationId xmlns:a16="http://schemas.microsoft.com/office/drawing/2014/main" id="{E121F3D8-3553-45C5-A858-6A0F5F6ED96A}"/>
+                <a16:creationId xmlns:a16="http://schemas.microsoft.com/office/drawing/2014/main" id="{64D71EE4-CDAA-4E5E-A9E3-F0AF5A0594A8}"/>
               </a:ext>
             </a:extLst>
           </p:cNvPr>
@@ -5219,8 +5215,8 @@
         </p:blipFill>
         <p:spPr>
           <a:xfrm>
-            <a:off x="2129425" y="363255"/>
-            <a:ext cx="7528142" cy="6313118"/>
+            <a:off x="2818356" y="162838"/>
+            <a:ext cx="6851737" cy="6695162"/>
           </a:xfrm>
           <a:prstGeom prst="rect">
             <a:avLst/>
@@ -5230,7 +5226,7 @@
     </p:spTree>
     <p:extLst>
       <p:ext uri="{BB962C8B-B14F-4D97-AF65-F5344CB8AC3E}">
-        <p14:creationId xmlns:p14="http://schemas.microsoft.com/office/powerpoint/2010/main" val="1876856509"/>
+        <p14:creationId xmlns:p14="http://schemas.microsoft.com/office/powerpoint/2010/main" val="971450900"/>
       </p:ext>
     </p:extLst>
   </p:cSld>
@@ -5257,124 +5253,48 @@
           <a:chExt cx="0" cy="0"/>
         </a:xfrm>
       </p:grpSpPr>
-      <p:sp>
-        <p:nvSpPr>
-          <p:cNvPr id="2" name="Title 1">
-            <a:extLst>
-              <a:ext uri="{FF2B5EF4-FFF2-40B4-BE49-F238E27FC236}">
-                <a16:creationId xmlns:a16="http://schemas.microsoft.com/office/drawing/2014/main" id="{C9A98BB1-7BAC-4A1C-B440-C23735BC7ED7}"/>
-              </a:ext>
-            </a:extLst>
-          </p:cNvPr>
-          <p:cNvSpPr>
-            <a:spLocks noGrp="1"/>
-          </p:cNvSpPr>
-          <p:nvPr>
-            <p:ph type="title"/>
-          </p:nvPr>
-        </p:nvSpPr>
-        <p:spPr/>
-        <p:txBody>
-          <a:bodyPr>
-            <a:normAutofit/>
-          </a:bodyPr>
-          <a:lstStyle/>
-          <a:p>
-            <a:r>
-              <a:rPr lang="en-US" sz="2400" b="1" dirty="0">
-                <a:latin typeface="Arial" panose="020B0604020202020204" pitchFamily="34" charset="0"/>
-                <a:cs typeface="Arial" panose="020B0604020202020204" pitchFamily="34" charset="0"/>
-              </a:rPr>
-              <a:t>Sequence Diagram</a:t>
-            </a:r>
-          </a:p>
-        </p:txBody>
-      </p:sp>
-      <p:sp>
-        <p:nvSpPr>
-          <p:cNvPr id="5" name="Content Placeholder 4">
-            <a:extLst>
-              <a:ext uri="{FF2B5EF4-FFF2-40B4-BE49-F238E27FC236}">
-                <a16:creationId xmlns:a16="http://schemas.microsoft.com/office/drawing/2014/main" id="{3C438131-1A7A-4F1D-92E2-F09C4D844D26}"/>
-              </a:ext>
-            </a:extLst>
-          </p:cNvPr>
-          <p:cNvSpPr>
-            <a:spLocks noGrp="1"/>
-          </p:cNvSpPr>
+      <p:pic>
+        <p:nvPicPr>
+          <p:cNvPr id="7" name="Content Placeholder 6">
+            <a:extLst>
+              <a:ext uri="{FF2B5EF4-FFF2-40B4-BE49-F238E27FC236}">
+                <a16:creationId xmlns:a16="http://schemas.microsoft.com/office/drawing/2014/main" id="{07F3C190-3AC9-44AB-8E07-6C0D2EC7F191}"/>
+              </a:ext>
+            </a:extLst>
+          </p:cNvPr>
+          <p:cNvPicPr>
+            <a:picLocks noGrp="1"/>
+          </p:cNvPicPr>
           <p:nvPr>
             <p:ph idx="1"/>
           </p:nvPr>
-        </p:nvSpPr>
-        <p:spPr/>
-        <p:txBody>
-          <a:bodyPr/>
-          <a:lstStyle/>
-          <a:p>
-            <a:pPr algn="just">
-              <a:lnSpc>
-                <a:spcPct val="150000"/>
-              </a:lnSpc>
-            </a:pPr>
-            <a:r>
-              <a:rPr lang="en-US" sz="2000" dirty="0">
-                <a:latin typeface="Arial" panose="020B0604020202020204" pitchFamily="34" charset="0"/>
-                <a:cs typeface="Arial" panose="020B0604020202020204" pitchFamily="34" charset="0"/>
-              </a:rPr>
-              <a:t>A sequence diagram shows object interactions arranged in time sequence.</a:t>
-            </a:r>
-          </a:p>
-          <a:p>
-            <a:pPr algn="just">
-              <a:lnSpc>
-                <a:spcPct val="150000"/>
-              </a:lnSpc>
-            </a:pPr>
-            <a:r>
-              <a:rPr lang="en-US" sz="2000" dirty="0">
-                <a:latin typeface="Arial" panose="020B0604020202020204" pitchFamily="34" charset="0"/>
-                <a:cs typeface="Arial" panose="020B0604020202020204" pitchFamily="34" charset="0"/>
-              </a:rPr>
-              <a:t> It depicts the objects and classes involved in the scenario and the sequence of messages exchanged between the objects needed to carry out the functionality of the scenario. </a:t>
-            </a:r>
-          </a:p>
-          <a:p>
-            <a:pPr algn="just">
-              <a:lnSpc>
-                <a:spcPct val="150000"/>
-              </a:lnSpc>
-            </a:pPr>
-            <a:r>
-              <a:rPr lang="en-US" sz="2000" dirty="0">
-                <a:latin typeface="Arial" panose="020B0604020202020204" pitchFamily="34" charset="0"/>
-                <a:cs typeface="Arial" panose="020B0604020202020204" pitchFamily="34" charset="0"/>
-              </a:rPr>
-              <a:t>Sequence diagrams are typically associated with use case realizations in the Logical View of the system under development. </a:t>
-            </a:r>
-          </a:p>
-          <a:p>
-            <a:pPr algn="just">
-              <a:lnSpc>
-                <a:spcPct val="150000"/>
-              </a:lnSpc>
-            </a:pPr>
-            <a:r>
-              <a:rPr lang="en-US" sz="2000" dirty="0">
-                <a:latin typeface="Arial" panose="020B0604020202020204" pitchFamily="34" charset="0"/>
-                <a:cs typeface="Arial" panose="020B0604020202020204" pitchFamily="34" charset="0"/>
-              </a:rPr>
-              <a:t>Sequence diagrams are sometimes called event diagrams or event scenarios.</a:t>
-            </a:r>
-          </a:p>
-          <a:p>
-            <a:endParaRPr lang="en-US" dirty="0"/>
-          </a:p>
-        </p:txBody>
-      </p:sp>
+        </p:nvPicPr>
+        <p:blipFill>
+          <a:blip r:embed="rId2">
+            <a:extLst>
+              <a:ext uri="{28A0092B-C50C-407E-A947-70E740481C1C}">
+                <a14:useLocalDpi xmlns:a14="http://schemas.microsoft.com/office/drawing/2010/main" val="0"/>
+              </a:ext>
+            </a:extLst>
+          </a:blip>
+          <a:stretch>
+            <a:fillRect/>
+          </a:stretch>
+        </p:blipFill>
+        <p:spPr>
+          <a:xfrm>
+            <a:off x="2404996" y="0"/>
+            <a:ext cx="6939419" cy="6858000"/>
+          </a:xfrm>
+          <a:prstGeom prst="rect">
+            <a:avLst/>
+          </a:prstGeom>
+        </p:spPr>
+      </p:pic>
     </p:spTree>
     <p:extLst>
       <p:ext uri="{BB962C8B-B14F-4D97-AF65-F5344CB8AC3E}">
-        <p14:creationId xmlns:p14="http://schemas.microsoft.com/office/powerpoint/2010/main" val="4118094611"/>
+        <p14:creationId xmlns:p14="http://schemas.microsoft.com/office/powerpoint/2010/main" val="2390726347"/>
       </p:ext>
     </p:extLst>
   </p:cSld>
@@ -5406,7 +5326,7 @@
           <p:cNvPr id="4" name="Content Placeholder 3">
             <a:extLst>
               <a:ext uri="{FF2B5EF4-FFF2-40B4-BE49-F238E27FC236}">
-                <a16:creationId xmlns:a16="http://schemas.microsoft.com/office/drawing/2014/main" id="{705FF2C9-B689-4E5C-A97A-4466B642CB06}"/>
+                <a16:creationId xmlns:a16="http://schemas.microsoft.com/office/drawing/2014/main" id="{E121F3D8-3553-45C5-A858-6A0F5F6ED96A}"/>
               </a:ext>
             </a:extLst>
           </p:cNvPr>
@@ -5431,8 +5351,8 @@
         </p:blipFill>
         <p:spPr>
           <a:xfrm>
-            <a:off x="2267211" y="112734"/>
-            <a:ext cx="7177414" cy="6745266"/>
+            <a:off x="2981195" y="-100208"/>
+            <a:ext cx="6676372" cy="6776581"/>
           </a:xfrm>
           <a:prstGeom prst="rect">
             <a:avLst/>
@@ -5442,7 +5362,7 @@
     </p:spTree>
     <p:extLst>
       <p:ext uri="{BB962C8B-B14F-4D97-AF65-F5344CB8AC3E}">
-        <p14:creationId xmlns:p14="http://schemas.microsoft.com/office/powerpoint/2010/main" val="3603512610"/>
+        <p14:creationId xmlns:p14="http://schemas.microsoft.com/office/powerpoint/2010/main" val="1876856509"/>
       </p:ext>
     </p:extLst>
   </p:cSld>
@@ -5469,48 +5389,124 @@
           <a:chExt cx="0" cy="0"/>
         </a:xfrm>
       </p:grpSpPr>
-      <p:pic>
-        <p:nvPicPr>
-          <p:cNvPr id="6" name="Content Placeholder 3">
-            <a:extLst>
-              <a:ext uri="{FF2B5EF4-FFF2-40B4-BE49-F238E27FC236}">
-                <a16:creationId xmlns:a16="http://schemas.microsoft.com/office/drawing/2014/main" id="{EC267196-472A-4164-86D4-21F50513517C}"/>
-              </a:ext>
-            </a:extLst>
-          </p:cNvPr>
-          <p:cNvPicPr>
-            <a:picLocks noGrp="1"/>
-          </p:cNvPicPr>
+      <p:sp>
+        <p:nvSpPr>
+          <p:cNvPr id="2" name="Title 1">
+            <a:extLst>
+              <a:ext uri="{FF2B5EF4-FFF2-40B4-BE49-F238E27FC236}">
+                <a16:creationId xmlns:a16="http://schemas.microsoft.com/office/drawing/2014/main" id="{C9A98BB1-7BAC-4A1C-B440-C23735BC7ED7}"/>
+              </a:ext>
+            </a:extLst>
+          </p:cNvPr>
+          <p:cNvSpPr>
+            <a:spLocks noGrp="1"/>
+          </p:cNvSpPr>
+          <p:nvPr>
+            <p:ph type="title"/>
+          </p:nvPr>
+        </p:nvSpPr>
+        <p:spPr/>
+        <p:txBody>
+          <a:bodyPr>
+            <a:normAutofit/>
+          </a:bodyPr>
+          <a:lstStyle/>
+          <a:p>
+            <a:r>
+              <a:rPr lang="en-US" sz="2400" b="1" dirty="0">
+                <a:latin typeface="Arial" panose="020B0604020202020204" pitchFamily="34" charset="0"/>
+                <a:cs typeface="Arial" panose="020B0604020202020204" pitchFamily="34" charset="0"/>
+              </a:rPr>
+              <a:t>Sequence Diagram</a:t>
+            </a:r>
+          </a:p>
+        </p:txBody>
+      </p:sp>
+      <p:sp>
+        <p:nvSpPr>
+          <p:cNvPr id="5" name="Content Placeholder 4">
+            <a:extLst>
+              <a:ext uri="{FF2B5EF4-FFF2-40B4-BE49-F238E27FC236}">
+                <a16:creationId xmlns:a16="http://schemas.microsoft.com/office/drawing/2014/main" id="{3C438131-1A7A-4F1D-92E2-F09C4D844D26}"/>
+              </a:ext>
+            </a:extLst>
+          </p:cNvPr>
+          <p:cNvSpPr>
+            <a:spLocks noGrp="1"/>
+          </p:cNvSpPr>
           <p:nvPr>
             <p:ph idx="1"/>
           </p:nvPr>
-        </p:nvPicPr>
-        <p:blipFill>
-          <a:blip r:embed="rId2" cstate="print">
-            <a:extLst>
-              <a:ext uri="{28A0092B-C50C-407E-A947-70E740481C1C}">
-                <a14:useLocalDpi xmlns:a14="http://schemas.microsoft.com/office/drawing/2010/main" val="0"/>
-              </a:ext>
-            </a:extLst>
-          </a:blip>
-          <a:stretch>
-            <a:fillRect/>
-          </a:stretch>
-        </p:blipFill>
-        <p:spPr>
-          <a:xfrm>
-            <a:off x="338203" y="1"/>
-            <a:ext cx="10531291" cy="6764338"/>
-          </a:xfrm>
-          <a:prstGeom prst="rect">
-            <a:avLst/>
-          </a:prstGeom>
-        </p:spPr>
-      </p:pic>
+        </p:nvSpPr>
+        <p:spPr/>
+        <p:txBody>
+          <a:bodyPr/>
+          <a:lstStyle/>
+          <a:p>
+            <a:pPr algn="just">
+              <a:lnSpc>
+                <a:spcPct val="150000"/>
+              </a:lnSpc>
+            </a:pPr>
+            <a:r>
+              <a:rPr lang="en-US" sz="2000" dirty="0">
+                <a:latin typeface="Arial" panose="020B0604020202020204" pitchFamily="34" charset="0"/>
+                <a:cs typeface="Arial" panose="020B0604020202020204" pitchFamily="34" charset="0"/>
+              </a:rPr>
+              <a:t>A sequence diagram shows object interactions arranged in time sequence.</a:t>
+            </a:r>
+          </a:p>
+          <a:p>
+            <a:pPr algn="just">
+              <a:lnSpc>
+                <a:spcPct val="150000"/>
+              </a:lnSpc>
+            </a:pPr>
+            <a:r>
+              <a:rPr lang="en-US" sz="2000" dirty="0">
+                <a:latin typeface="Arial" panose="020B0604020202020204" pitchFamily="34" charset="0"/>
+                <a:cs typeface="Arial" panose="020B0604020202020204" pitchFamily="34" charset="0"/>
+              </a:rPr>
+              <a:t> It depicts the objects and classes involved in the scenario and the sequence of messages exchanged between the objects needed to carry out the functionality of the scenario. </a:t>
+            </a:r>
+          </a:p>
+          <a:p>
+            <a:pPr algn="just">
+              <a:lnSpc>
+                <a:spcPct val="150000"/>
+              </a:lnSpc>
+            </a:pPr>
+            <a:r>
+              <a:rPr lang="en-US" sz="2000" dirty="0">
+                <a:latin typeface="Arial" panose="020B0604020202020204" pitchFamily="34" charset="0"/>
+                <a:cs typeface="Arial" panose="020B0604020202020204" pitchFamily="34" charset="0"/>
+              </a:rPr>
+              <a:t>Sequence diagrams are typically associated with use case realizations in the Logical View of the system under development. </a:t>
+            </a:r>
+          </a:p>
+          <a:p>
+            <a:pPr algn="just">
+              <a:lnSpc>
+                <a:spcPct val="150000"/>
+              </a:lnSpc>
+            </a:pPr>
+            <a:r>
+              <a:rPr lang="en-US" sz="2000" dirty="0">
+                <a:latin typeface="Arial" panose="020B0604020202020204" pitchFamily="34" charset="0"/>
+                <a:cs typeface="Arial" panose="020B0604020202020204" pitchFamily="34" charset="0"/>
+              </a:rPr>
+              <a:t>Sequence diagrams are sometimes called event diagrams or event scenarios.</a:t>
+            </a:r>
+          </a:p>
+          <a:p>
+            <a:endParaRPr lang="en-US" dirty="0"/>
+          </a:p>
+        </p:txBody>
+      </p:sp>
     </p:spTree>
     <p:extLst>
       <p:ext uri="{BB962C8B-B14F-4D97-AF65-F5344CB8AC3E}">
-        <p14:creationId xmlns:p14="http://schemas.microsoft.com/office/powerpoint/2010/main" val="2525981484"/>
+        <p14:creationId xmlns:p14="http://schemas.microsoft.com/office/powerpoint/2010/main" val="4118094611"/>
       </p:ext>
     </p:extLst>
   </p:cSld>
@@ -5539,10 +5535,10 @@
       </p:grpSpPr>
       <p:pic>
         <p:nvPicPr>
-          <p:cNvPr id="5" name="Content Placeholder 4">
-            <a:extLst>
-              <a:ext uri="{FF2B5EF4-FFF2-40B4-BE49-F238E27FC236}">
-                <a16:creationId xmlns:a16="http://schemas.microsoft.com/office/drawing/2014/main" id="{39CF630A-62A4-4443-967C-2F804735B535}"/>
+          <p:cNvPr id="4" name="Content Placeholder 3">
+            <a:extLst>
+              <a:ext uri="{FF2B5EF4-FFF2-40B4-BE49-F238E27FC236}">
+                <a16:creationId xmlns:a16="http://schemas.microsoft.com/office/drawing/2014/main" id="{705FF2C9-B689-4E5C-A97A-4466B642CB06}"/>
               </a:ext>
             </a:extLst>
           </p:cNvPr>
@@ -5554,7 +5550,7 @@
           </p:nvPr>
         </p:nvPicPr>
         <p:blipFill>
-          <a:blip r:embed="rId2" cstate="print">
+          <a:blip r:embed="rId2">
             <a:extLst>
               <a:ext uri="{28A0092B-C50C-407E-A947-70E740481C1C}">
                 <a14:useLocalDpi xmlns:a14="http://schemas.microsoft.com/office/drawing/2010/main" val="0"/>
@@ -5567,8 +5563,8 @@
         </p:blipFill>
         <p:spPr>
           <a:xfrm>
-            <a:off x="638827" y="175364"/>
-            <a:ext cx="10095978" cy="6682636"/>
+            <a:off x="2267211" y="112734"/>
+            <a:ext cx="7177414" cy="6745266"/>
           </a:xfrm>
           <a:prstGeom prst="rect">
             <a:avLst/>
@@ -5578,7 +5574,7 @@
     </p:spTree>
     <p:extLst>
       <p:ext uri="{BB962C8B-B14F-4D97-AF65-F5344CB8AC3E}">
-        <p14:creationId xmlns:p14="http://schemas.microsoft.com/office/powerpoint/2010/main" val="1704192147"/>
+        <p14:creationId xmlns:p14="http://schemas.microsoft.com/office/powerpoint/2010/main" val="3603512610"/>
       </p:ext>
     </p:extLst>
   </p:cSld>
@@ -5797,142 +5793,48 @@
           <a:chExt cx="0" cy="0"/>
         </a:xfrm>
       </p:grpSpPr>
-      <p:sp>
-        <p:nvSpPr>
-          <p:cNvPr id="2" name="Title 1">
-            <a:extLst>
-              <a:ext uri="{FF2B5EF4-FFF2-40B4-BE49-F238E27FC236}">
-                <a16:creationId xmlns:a16="http://schemas.microsoft.com/office/drawing/2014/main" id="{AB4B2620-FB52-4780-9EDD-BE461D5444A5}"/>
-              </a:ext>
-            </a:extLst>
-          </p:cNvPr>
-          <p:cNvSpPr>
-            <a:spLocks noGrp="1"/>
-          </p:cNvSpPr>
-          <p:nvPr>
-            <p:ph type="title"/>
-          </p:nvPr>
-        </p:nvSpPr>
-        <p:spPr/>
-        <p:txBody>
-          <a:bodyPr/>
-          <a:lstStyle/>
-          <a:p>
-            <a:r>
-              <a:rPr lang="en-US" sz="2400" b="1" dirty="0">
-                <a:latin typeface="Arial" panose="020B0604020202020204" pitchFamily="34" charset="0"/>
-                <a:cs typeface="Arial" panose="020B0604020202020204" pitchFamily="34" charset="0"/>
-              </a:rPr>
-              <a:t>ER Diagram</a:t>
-            </a:r>
-            <a:br>
-              <a:rPr lang="en-US" dirty="0"/>
-            </a:br>
-            <a:endParaRPr lang="en-US" dirty="0"/>
-          </a:p>
-        </p:txBody>
-      </p:sp>
-      <p:sp>
-        <p:nvSpPr>
-          <p:cNvPr id="3" name="Content Placeholder 2">
-            <a:extLst>
-              <a:ext uri="{FF2B5EF4-FFF2-40B4-BE49-F238E27FC236}">
-                <a16:creationId xmlns:a16="http://schemas.microsoft.com/office/drawing/2014/main" id="{52802696-CAD7-46E6-B1B4-A54B0CEB0530}"/>
-              </a:ext>
-            </a:extLst>
-          </p:cNvPr>
-          <p:cNvSpPr>
-            <a:spLocks noGrp="1"/>
-          </p:cNvSpPr>
+      <p:pic>
+        <p:nvPicPr>
+          <p:cNvPr id="6" name="Content Placeholder 3">
+            <a:extLst>
+              <a:ext uri="{FF2B5EF4-FFF2-40B4-BE49-F238E27FC236}">
+                <a16:creationId xmlns:a16="http://schemas.microsoft.com/office/drawing/2014/main" id="{EC267196-472A-4164-86D4-21F50513517C}"/>
+              </a:ext>
+            </a:extLst>
+          </p:cNvPr>
+          <p:cNvPicPr>
+            <a:picLocks noGrp="1"/>
+          </p:cNvPicPr>
           <p:nvPr>
             <p:ph idx="1"/>
           </p:nvPr>
-        </p:nvSpPr>
-        <p:spPr/>
-        <p:txBody>
-          <a:bodyPr>
-            <a:normAutofit fontScale="92500" lnSpcReduction="20000"/>
-          </a:bodyPr>
-          <a:lstStyle/>
-          <a:p>
-            <a:pPr algn="just">
-              <a:lnSpc>
-                <a:spcPct val="150000"/>
-              </a:lnSpc>
-            </a:pPr>
-            <a:r>
-              <a:rPr lang="en-US" sz="2200" dirty="0">
-                <a:latin typeface="Arial" panose="020B0604020202020204" pitchFamily="34" charset="0"/>
-                <a:cs typeface="Arial" panose="020B0604020202020204" pitchFamily="34" charset="0"/>
-              </a:rPr>
-              <a:t>An Entity Relationship Diagram also called as ERD is a type of flowchart that illustrates how entities relate with each other within system.</a:t>
-            </a:r>
-          </a:p>
-          <a:p>
-            <a:pPr lvl="0" algn="just">
-              <a:lnSpc>
-                <a:spcPct val="150000"/>
-              </a:lnSpc>
-            </a:pPr>
-            <a:r>
-              <a:rPr lang="en-US" sz="2200" dirty="0">
-                <a:latin typeface="Arial" panose="020B0604020202020204" pitchFamily="34" charset="0"/>
-                <a:cs typeface="Arial" panose="020B0604020202020204" pitchFamily="34" charset="0"/>
-              </a:rPr>
-              <a:t>It helps to find out the mistakes and flaws of the design, and able to correct before executing the changes in database.</a:t>
-            </a:r>
-          </a:p>
-          <a:p>
-            <a:pPr lvl="0" algn="just">
-              <a:lnSpc>
-                <a:spcPct val="150000"/>
-              </a:lnSpc>
-            </a:pPr>
-            <a:r>
-              <a:rPr lang="en-US" sz="2200" dirty="0">
-                <a:latin typeface="Arial" panose="020B0604020202020204" pitchFamily="34" charset="0"/>
-                <a:cs typeface="Arial" panose="020B0604020202020204" pitchFamily="34" charset="0"/>
-              </a:rPr>
-              <a:t>Easily the entities can be located by visualizing the database schema, attributes can be viewed and helps to identify the relationship.</a:t>
-            </a:r>
-          </a:p>
-          <a:p>
-            <a:pPr lvl="0" algn="just">
-              <a:lnSpc>
-                <a:spcPct val="150000"/>
-              </a:lnSpc>
-            </a:pPr>
-            <a:r>
-              <a:rPr lang="en-US" sz="2200" dirty="0">
-                <a:latin typeface="Arial" panose="020B0604020202020204" pitchFamily="34" charset="0"/>
-                <a:cs typeface="Arial" panose="020B0604020202020204" pitchFamily="34" charset="0"/>
-              </a:rPr>
-              <a:t>Better visual representation and simple if we know relationship between entities and attributes.</a:t>
-            </a:r>
-          </a:p>
-          <a:p>
-            <a:pPr lvl="0" algn="just">
-              <a:lnSpc>
-                <a:spcPct val="150000"/>
-              </a:lnSpc>
-            </a:pPr>
-            <a:r>
-              <a:rPr lang="en-US" sz="2200" dirty="0">
-                <a:latin typeface="Arial" panose="020B0604020202020204" pitchFamily="34" charset="0"/>
-                <a:cs typeface="Arial" panose="020B0604020202020204" pitchFamily="34" charset="0"/>
-              </a:rPr>
-              <a:t>An effective communication tool for database designer.</a:t>
-            </a:r>
-          </a:p>
-          <a:p>
-            <a:endParaRPr lang="en-US" dirty="0"/>
-          </a:p>
-        </p:txBody>
-      </p:sp>
+        </p:nvPicPr>
+        <p:blipFill>
+          <a:blip r:embed="rId2" cstate="print">
+            <a:extLst>
+              <a:ext uri="{28A0092B-C50C-407E-A947-70E740481C1C}">
+                <a14:useLocalDpi xmlns:a14="http://schemas.microsoft.com/office/drawing/2010/main" val="0"/>
+              </a:ext>
+            </a:extLst>
+          </a:blip>
+          <a:stretch>
+            <a:fillRect/>
+          </a:stretch>
+        </p:blipFill>
+        <p:spPr>
+          <a:xfrm>
+            <a:off x="338203" y="1"/>
+            <a:ext cx="10531291" cy="6764338"/>
+          </a:xfrm>
+          <a:prstGeom prst="rect">
+            <a:avLst/>
+          </a:prstGeom>
+        </p:spPr>
+      </p:pic>
     </p:spTree>
     <p:extLst>
       <p:ext uri="{BB962C8B-B14F-4D97-AF65-F5344CB8AC3E}">
-        <p14:creationId xmlns:p14="http://schemas.microsoft.com/office/powerpoint/2010/main" val="1945526608"/>
+        <p14:creationId xmlns:p14="http://schemas.microsoft.com/office/powerpoint/2010/main" val="2525981484"/>
       </p:ext>
     </p:extLst>
   </p:cSld>
@@ -5961,6 +5863,236 @@
       </p:grpSpPr>
       <p:pic>
         <p:nvPicPr>
+          <p:cNvPr id="5" name="Content Placeholder 4">
+            <a:extLst>
+              <a:ext uri="{FF2B5EF4-FFF2-40B4-BE49-F238E27FC236}">
+                <a16:creationId xmlns:a16="http://schemas.microsoft.com/office/drawing/2014/main" id="{39CF630A-62A4-4443-967C-2F804735B535}"/>
+              </a:ext>
+            </a:extLst>
+          </p:cNvPr>
+          <p:cNvPicPr>
+            <a:picLocks noGrp="1"/>
+          </p:cNvPicPr>
+          <p:nvPr>
+            <p:ph idx="1"/>
+          </p:nvPr>
+        </p:nvPicPr>
+        <p:blipFill>
+          <a:blip r:embed="rId2" cstate="print">
+            <a:extLst>
+              <a:ext uri="{28A0092B-C50C-407E-A947-70E740481C1C}">
+                <a14:useLocalDpi xmlns:a14="http://schemas.microsoft.com/office/drawing/2010/main" val="0"/>
+              </a:ext>
+            </a:extLst>
+          </a:blip>
+          <a:stretch>
+            <a:fillRect/>
+          </a:stretch>
+        </p:blipFill>
+        <p:spPr>
+          <a:xfrm>
+            <a:off x="638827" y="175364"/>
+            <a:ext cx="10095978" cy="6682636"/>
+          </a:xfrm>
+          <a:prstGeom prst="rect">
+            <a:avLst/>
+          </a:prstGeom>
+        </p:spPr>
+      </p:pic>
+    </p:spTree>
+    <p:extLst>
+      <p:ext uri="{BB962C8B-B14F-4D97-AF65-F5344CB8AC3E}">
+        <p14:creationId xmlns:p14="http://schemas.microsoft.com/office/powerpoint/2010/main" val="1704192147"/>
+      </p:ext>
+    </p:extLst>
+  </p:cSld>
+  <p:clrMapOvr>
+    <a:masterClrMapping/>
+  </p:clrMapOvr>
+</p:sld>
+</file>
+
+<file path=ppt/slides/slide32.xml><?xml version="1.0" encoding="utf-8"?>
+<p:sld xmlns:a="http://schemas.openxmlformats.org/drawingml/2006/main" xmlns:r="http://schemas.openxmlformats.org/officeDocument/2006/relationships" xmlns:p="http://schemas.openxmlformats.org/presentationml/2006/main">
+  <p:cSld>
+    <p:spTree>
+      <p:nvGrpSpPr>
+        <p:cNvPr id="1" name=""/>
+        <p:cNvGrpSpPr/>
+        <p:nvPr/>
+      </p:nvGrpSpPr>
+      <p:grpSpPr>
+        <a:xfrm>
+          <a:off x="0" y="0"/>
+          <a:ext cx="0" cy="0"/>
+          <a:chOff x="0" y="0"/>
+          <a:chExt cx="0" cy="0"/>
+        </a:xfrm>
+      </p:grpSpPr>
+      <p:sp>
+        <p:nvSpPr>
+          <p:cNvPr id="2" name="Title 1">
+            <a:extLst>
+              <a:ext uri="{FF2B5EF4-FFF2-40B4-BE49-F238E27FC236}">
+                <a16:creationId xmlns:a16="http://schemas.microsoft.com/office/drawing/2014/main" id="{AB4B2620-FB52-4780-9EDD-BE461D5444A5}"/>
+              </a:ext>
+            </a:extLst>
+          </p:cNvPr>
+          <p:cNvSpPr>
+            <a:spLocks noGrp="1"/>
+          </p:cNvSpPr>
+          <p:nvPr>
+            <p:ph type="title"/>
+          </p:nvPr>
+        </p:nvSpPr>
+        <p:spPr/>
+        <p:txBody>
+          <a:bodyPr/>
+          <a:lstStyle/>
+          <a:p>
+            <a:r>
+              <a:rPr lang="en-US" sz="2400" b="1" dirty="0">
+                <a:latin typeface="Arial" panose="020B0604020202020204" pitchFamily="34" charset="0"/>
+                <a:cs typeface="Arial" panose="020B0604020202020204" pitchFamily="34" charset="0"/>
+              </a:rPr>
+              <a:t>ER Diagram</a:t>
+            </a:r>
+            <a:br>
+              <a:rPr lang="en-US" dirty="0"/>
+            </a:br>
+            <a:endParaRPr lang="en-US" dirty="0"/>
+          </a:p>
+        </p:txBody>
+      </p:sp>
+      <p:sp>
+        <p:nvSpPr>
+          <p:cNvPr id="3" name="Content Placeholder 2">
+            <a:extLst>
+              <a:ext uri="{FF2B5EF4-FFF2-40B4-BE49-F238E27FC236}">
+                <a16:creationId xmlns:a16="http://schemas.microsoft.com/office/drawing/2014/main" id="{52802696-CAD7-46E6-B1B4-A54B0CEB0530}"/>
+              </a:ext>
+            </a:extLst>
+          </p:cNvPr>
+          <p:cNvSpPr>
+            <a:spLocks noGrp="1"/>
+          </p:cNvSpPr>
+          <p:nvPr>
+            <p:ph idx="1"/>
+          </p:nvPr>
+        </p:nvSpPr>
+        <p:spPr/>
+        <p:txBody>
+          <a:bodyPr>
+            <a:normAutofit fontScale="92500" lnSpcReduction="20000"/>
+          </a:bodyPr>
+          <a:lstStyle/>
+          <a:p>
+            <a:pPr algn="just">
+              <a:lnSpc>
+                <a:spcPct val="150000"/>
+              </a:lnSpc>
+            </a:pPr>
+            <a:r>
+              <a:rPr lang="en-US" sz="2200" dirty="0">
+                <a:latin typeface="Arial" panose="020B0604020202020204" pitchFamily="34" charset="0"/>
+                <a:cs typeface="Arial" panose="020B0604020202020204" pitchFamily="34" charset="0"/>
+              </a:rPr>
+              <a:t>An Entity Relationship Diagram also called as ERD is a type of flowchart that illustrates how entities relate with each other within system.</a:t>
+            </a:r>
+          </a:p>
+          <a:p>
+            <a:pPr lvl="0" algn="just">
+              <a:lnSpc>
+                <a:spcPct val="150000"/>
+              </a:lnSpc>
+            </a:pPr>
+            <a:r>
+              <a:rPr lang="en-US" sz="2200" dirty="0">
+                <a:latin typeface="Arial" panose="020B0604020202020204" pitchFamily="34" charset="0"/>
+                <a:cs typeface="Arial" panose="020B0604020202020204" pitchFamily="34" charset="0"/>
+              </a:rPr>
+              <a:t>It helps to find out the mistakes and flaws of the design, and able to correct before executing the changes in database.</a:t>
+            </a:r>
+          </a:p>
+          <a:p>
+            <a:pPr lvl="0" algn="just">
+              <a:lnSpc>
+                <a:spcPct val="150000"/>
+              </a:lnSpc>
+            </a:pPr>
+            <a:r>
+              <a:rPr lang="en-US" sz="2200" dirty="0">
+                <a:latin typeface="Arial" panose="020B0604020202020204" pitchFamily="34" charset="0"/>
+                <a:cs typeface="Arial" panose="020B0604020202020204" pitchFamily="34" charset="0"/>
+              </a:rPr>
+              <a:t>Easily the entities can be located by visualizing the database schema, attributes can be viewed and helps to identify the relationship.</a:t>
+            </a:r>
+          </a:p>
+          <a:p>
+            <a:pPr lvl="0" algn="just">
+              <a:lnSpc>
+                <a:spcPct val="150000"/>
+              </a:lnSpc>
+            </a:pPr>
+            <a:r>
+              <a:rPr lang="en-US" sz="2200" dirty="0">
+                <a:latin typeface="Arial" panose="020B0604020202020204" pitchFamily="34" charset="0"/>
+                <a:cs typeface="Arial" panose="020B0604020202020204" pitchFamily="34" charset="0"/>
+              </a:rPr>
+              <a:t>Better visual representation and simple if we know relationship between entities and attributes.</a:t>
+            </a:r>
+          </a:p>
+          <a:p>
+            <a:pPr lvl="0" algn="just">
+              <a:lnSpc>
+                <a:spcPct val="150000"/>
+              </a:lnSpc>
+            </a:pPr>
+            <a:r>
+              <a:rPr lang="en-US" sz="2200" dirty="0">
+                <a:latin typeface="Arial" panose="020B0604020202020204" pitchFamily="34" charset="0"/>
+                <a:cs typeface="Arial" panose="020B0604020202020204" pitchFamily="34" charset="0"/>
+              </a:rPr>
+              <a:t>An effective communication tool for database designer.</a:t>
+            </a:r>
+          </a:p>
+          <a:p>
+            <a:endParaRPr lang="en-US" dirty="0"/>
+          </a:p>
+        </p:txBody>
+      </p:sp>
+    </p:spTree>
+    <p:extLst>
+      <p:ext uri="{BB962C8B-B14F-4D97-AF65-F5344CB8AC3E}">
+        <p14:creationId xmlns:p14="http://schemas.microsoft.com/office/powerpoint/2010/main" val="1945526608"/>
+      </p:ext>
+    </p:extLst>
+  </p:cSld>
+  <p:clrMapOvr>
+    <a:masterClrMapping/>
+  </p:clrMapOvr>
+</p:sld>
+</file>
+
+<file path=ppt/slides/slide33.xml><?xml version="1.0" encoding="utf-8"?>
+<p:sld xmlns:a="http://schemas.openxmlformats.org/drawingml/2006/main" xmlns:r="http://schemas.openxmlformats.org/officeDocument/2006/relationships" xmlns:p="http://schemas.openxmlformats.org/presentationml/2006/main">
+  <p:cSld>
+    <p:spTree>
+      <p:nvGrpSpPr>
+        <p:cNvPr id="1" name=""/>
+        <p:cNvGrpSpPr/>
+        <p:nvPr/>
+      </p:nvGrpSpPr>
+      <p:grpSpPr>
+        <a:xfrm>
+          <a:off x="0" y="0"/>
+          <a:ext cx="0" cy="0"/>
+          <a:chOff x="0" y="0"/>
+          <a:chExt cx="0" cy="0"/>
+        </a:xfrm>
+      </p:grpSpPr>
+      <p:pic>
+        <p:nvPicPr>
           <p:cNvPr id="4" name="Content Placeholder 3">
             <a:extLst>
               <a:ext uri="{FF2B5EF4-FFF2-40B4-BE49-F238E27FC236}">
@@ -6010,242 +6142,6 @@
 </p:sld>
 </file>
 
-<file path=ppt/slides/slide32.xml><?xml version="1.0" encoding="utf-8"?>
-<p:sld xmlns:a="http://schemas.openxmlformats.org/drawingml/2006/main" xmlns:r="http://schemas.openxmlformats.org/officeDocument/2006/relationships" xmlns:p="http://schemas.openxmlformats.org/presentationml/2006/main">
-  <p:cSld>
-    <p:spTree>
-      <p:nvGrpSpPr>
-        <p:cNvPr id="1" name=""/>
-        <p:cNvGrpSpPr/>
-        <p:nvPr/>
-      </p:nvGrpSpPr>
-      <p:grpSpPr>
-        <a:xfrm>
-          <a:off x="0" y="0"/>
-          <a:ext cx="0" cy="0"/>
-          <a:chOff x="0" y="0"/>
-          <a:chExt cx="0" cy="0"/>
-        </a:xfrm>
-      </p:grpSpPr>
-      <p:sp>
-        <p:nvSpPr>
-          <p:cNvPr id="2" name="Title 1">
-            <a:extLst>
-              <a:ext uri="{FF2B5EF4-FFF2-40B4-BE49-F238E27FC236}">
-                <a16:creationId xmlns:a16="http://schemas.microsoft.com/office/drawing/2014/main" id="{FF796210-903E-4AE9-B1C1-D367E0733068}"/>
-              </a:ext>
-            </a:extLst>
-          </p:cNvPr>
-          <p:cNvSpPr>
-            <a:spLocks noGrp="1"/>
-          </p:cNvSpPr>
-          <p:nvPr>
-            <p:ph type="title"/>
-          </p:nvPr>
-        </p:nvSpPr>
-        <p:spPr/>
-        <p:txBody>
-          <a:bodyPr>
-            <a:normAutofit/>
-          </a:bodyPr>
-          <a:lstStyle/>
-          <a:p>
-            <a:r>
-              <a:rPr lang="en-US" sz="2400" b="1" dirty="0">
-                <a:latin typeface="Arial" panose="020B0604020202020204" pitchFamily="34" charset="0"/>
-                <a:cs typeface="Arial" panose="020B0604020202020204" pitchFamily="34" charset="0"/>
-              </a:rPr>
-              <a:t>Coding and UI</a:t>
-            </a:r>
-          </a:p>
-        </p:txBody>
-      </p:sp>
-      <p:sp>
-        <p:nvSpPr>
-          <p:cNvPr id="3" name="Content Placeholder 2">
-            <a:extLst>
-              <a:ext uri="{FF2B5EF4-FFF2-40B4-BE49-F238E27FC236}">
-                <a16:creationId xmlns:a16="http://schemas.microsoft.com/office/drawing/2014/main" id="{D18F888A-837B-4708-9303-0E34BFE5B37A}"/>
-              </a:ext>
-            </a:extLst>
-          </p:cNvPr>
-          <p:cNvSpPr>
-            <a:spLocks noGrp="1"/>
-          </p:cNvSpPr>
-          <p:nvPr>
-            <p:ph idx="1"/>
-          </p:nvPr>
-        </p:nvSpPr>
-        <p:spPr>
-          <a:xfrm>
-            <a:off x="537576" y="1690688"/>
-            <a:ext cx="10515600" cy="4351338"/>
-          </a:xfrm>
-        </p:spPr>
-        <p:txBody>
-          <a:bodyPr>
-            <a:normAutofit/>
-          </a:bodyPr>
-          <a:lstStyle/>
-          <a:p>
-            <a:pPr algn="just">
-              <a:lnSpc>
-                <a:spcPct val="150000"/>
-              </a:lnSpc>
-            </a:pPr>
-            <a:r>
-              <a:rPr lang="en-US" sz="2000" dirty="0">
-                <a:latin typeface="Arial" panose="020B0604020202020204" pitchFamily="34" charset="0"/>
-                <a:cs typeface="Arial" panose="020B0604020202020204" pitchFamily="34" charset="0"/>
-              </a:rPr>
-              <a:t>Search Package.</a:t>
-            </a:r>
-          </a:p>
-          <a:p>
-            <a:pPr algn="just">
-              <a:lnSpc>
-                <a:spcPct val="150000"/>
-              </a:lnSpc>
-            </a:pPr>
-            <a:r>
-              <a:rPr lang="en-US" sz="2000" dirty="0">
-                <a:latin typeface="Arial" panose="020B0604020202020204" pitchFamily="34" charset="0"/>
-                <a:cs typeface="Arial" panose="020B0604020202020204" pitchFamily="34" charset="0"/>
-              </a:rPr>
-              <a:t>Billing/Receipt.</a:t>
-            </a:r>
-          </a:p>
-          <a:p>
-            <a:pPr algn="just">
-              <a:lnSpc>
-                <a:spcPct val="150000"/>
-              </a:lnSpc>
-            </a:pPr>
-            <a:r>
-              <a:rPr lang="en-US" sz="2000" dirty="0">
-                <a:latin typeface="Arial" panose="020B0604020202020204" pitchFamily="34" charset="0"/>
-                <a:cs typeface="Arial" panose="020B0604020202020204" pitchFamily="34" charset="0"/>
-              </a:rPr>
-              <a:t>Booking.</a:t>
-            </a:r>
-          </a:p>
-        </p:txBody>
-      </p:sp>
-    </p:spTree>
-    <p:extLst>
-      <p:ext uri="{BB962C8B-B14F-4D97-AF65-F5344CB8AC3E}">
-        <p14:creationId xmlns:p14="http://schemas.microsoft.com/office/powerpoint/2010/main" val="3419302137"/>
-      </p:ext>
-    </p:extLst>
-  </p:cSld>
-  <p:clrMapOvr>
-    <a:masterClrMapping/>
-  </p:clrMapOvr>
-</p:sld>
-</file>
-
-<file path=ppt/slides/slide33.xml><?xml version="1.0" encoding="utf-8"?>
-<p:sld xmlns:a="http://schemas.openxmlformats.org/drawingml/2006/main" xmlns:r="http://schemas.openxmlformats.org/officeDocument/2006/relationships" xmlns:p="http://schemas.openxmlformats.org/presentationml/2006/main">
-  <p:cSld>
-    <p:spTree>
-      <p:nvGrpSpPr>
-        <p:cNvPr id="1" name=""/>
-        <p:cNvGrpSpPr/>
-        <p:nvPr/>
-      </p:nvGrpSpPr>
-      <p:grpSpPr>
-        <a:xfrm>
-          <a:off x="0" y="0"/>
-          <a:ext cx="0" cy="0"/>
-          <a:chOff x="0" y="0"/>
-          <a:chExt cx="0" cy="0"/>
-        </a:xfrm>
-      </p:grpSpPr>
-      <p:pic>
-        <p:nvPicPr>
-          <p:cNvPr id="4" name="Picture 3">
-            <a:extLst>
-              <a:ext uri="{FF2B5EF4-FFF2-40B4-BE49-F238E27FC236}">
-                <a16:creationId xmlns:a16="http://schemas.microsoft.com/office/drawing/2014/main" id="{36A11184-D581-40BA-9B7D-609629D34C00}"/>
-              </a:ext>
-            </a:extLst>
-          </p:cNvPr>
-          <p:cNvPicPr/>
-          <p:nvPr/>
-        </p:nvPicPr>
-        <p:blipFill>
-          <a:blip r:embed="rId2">
-            <a:extLst>
-              <a:ext uri="{28A0092B-C50C-407E-A947-70E740481C1C}">
-                <a14:useLocalDpi xmlns:a14="http://schemas.microsoft.com/office/drawing/2010/main" val="0"/>
-              </a:ext>
-            </a:extLst>
-          </a:blip>
-          <a:stretch>
-            <a:fillRect/>
-          </a:stretch>
-        </p:blipFill>
-        <p:spPr>
-          <a:xfrm>
-            <a:off x="1062725" y="225469"/>
-            <a:ext cx="7048708" cy="2392471"/>
-          </a:xfrm>
-          <a:prstGeom prst="rect">
-            <a:avLst/>
-          </a:prstGeom>
-        </p:spPr>
-      </p:pic>
-      <p:pic>
-        <p:nvPicPr>
-          <p:cNvPr id="5" name="Content Placeholder 4">
-            <a:extLst>
-              <a:ext uri="{FF2B5EF4-FFF2-40B4-BE49-F238E27FC236}">
-                <a16:creationId xmlns:a16="http://schemas.microsoft.com/office/drawing/2014/main" id="{CE346373-30E2-4491-96BC-E28BF1DAA309}"/>
-              </a:ext>
-            </a:extLst>
-          </p:cNvPr>
-          <p:cNvPicPr>
-            <a:picLocks noGrp="1"/>
-          </p:cNvPicPr>
-          <p:nvPr>
-            <p:ph idx="1"/>
-          </p:nvPr>
-        </p:nvPicPr>
-        <p:blipFill>
-          <a:blip r:embed="rId3">
-            <a:extLst>
-              <a:ext uri="{28A0092B-C50C-407E-A947-70E740481C1C}">
-                <a14:useLocalDpi xmlns:a14="http://schemas.microsoft.com/office/drawing/2010/main" val="0"/>
-              </a:ext>
-            </a:extLst>
-          </a:blip>
-          <a:stretch>
-            <a:fillRect/>
-          </a:stretch>
-        </p:blipFill>
-        <p:spPr>
-          <a:xfrm>
-            <a:off x="1062725" y="2617940"/>
-            <a:ext cx="7048708" cy="3509332"/>
-          </a:xfrm>
-          <a:prstGeom prst="rect">
-            <a:avLst/>
-          </a:prstGeom>
-        </p:spPr>
-      </p:pic>
-    </p:spTree>
-    <p:extLst>
-      <p:ext uri="{BB962C8B-B14F-4D97-AF65-F5344CB8AC3E}">
-        <p14:creationId xmlns:p14="http://schemas.microsoft.com/office/powerpoint/2010/main" val="414943363"/>
-      </p:ext>
-    </p:extLst>
-  </p:cSld>
-  <p:clrMapOvr>
-    <a:masterClrMapping/>
-  </p:clrMapOvr>
-</p:sld>
-</file>
-
 <file path=ppt/slides/slide34.xml><?xml version="1.0" encoding="utf-8"?>
 <p:sld xmlns:a="http://schemas.openxmlformats.org/drawingml/2006/main" xmlns:r="http://schemas.openxmlformats.org/officeDocument/2006/relationships" xmlns:p="http://schemas.openxmlformats.org/presentationml/2006/main">
   <p:cSld>
@@ -6263,81 +6159,114 @@
           <a:chExt cx="0" cy="0"/>
         </a:xfrm>
       </p:grpSpPr>
-      <p:pic>
-        <p:nvPicPr>
-          <p:cNvPr id="5" name="Content Placeholder 4">
-            <a:extLst>
-              <a:ext uri="{FF2B5EF4-FFF2-40B4-BE49-F238E27FC236}">
-                <a16:creationId xmlns:a16="http://schemas.microsoft.com/office/drawing/2014/main" id="{1C6004D8-26E7-4D49-88C3-FC83920947BC}"/>
-              </a:ext>
-            </a:extLst>
-          </p:cNvPr>
-          <p:cNvPicPr>
-            <a:picLocks noGrp="1" noChangeAspect="1"/>
-          </p:cNvPicPr>
+      <p:sp>
+        <p:nvSpPr>
+          <p:cNvPr id="2" name="Title 1">
+            <a:extLst>
+              <a:ext uri="{FF2B5EF4-FFF2-40B4-BE49-F238E27FC236}">
+                <a16:creationId xmlns:a16="http://schemas.microsoft.com/office/drawing/2014/main" id="{FF796210-903E-4AE9-B1C1-D367E0733068}"/>
+              </a:ext>
+            </a:extLst>
+          </p:cNvPr>
+          <p:cNvSpPr>
+            <a:spLocks noGrp="1"/>
+          </p:cNvSpPr>
+          <p:nvPr>
+            <p:ph type="title"/>
+          </p:nvPr>
+        </p:nvSpPr>
+        <p:spPr/>
+        <p:txBody>
+          <a:bodyPr>
+            <a:normAutofit/>
+          </a:bodyPr>
+          <a:lstStyle/>
+          <a:p>
+            <a:r>
+              <a:rPr lang="en-US" sz="2400" b="1" dirty="0">
+                <a:latin typeface="Arial" panose="020B0604020202020204" pitchFamily="34" charset="0"/>
+                <a:cs typeface="Arial" panose="020B0604020202020204" pitchFamily="34" charset="0"/>
+              </a:rPr>
+              <a:t>Coding and UI</a:t>
+            </a:r>
+          </a:p>
+        </p:txBody>
+      </p:sp>
+      <p:sp>
+        <p:nvSpPr>
+          <p:cNvPr id="3" name="Content Placeholder 2">
+            <a:extLst>
+              <a:ext uri="{FF2B5EF4-FFF2-40B4-BE49-F238E27FC236}">
+                <a16:creationId xmlns:a16="http://schemas.microsoft.com/office/drawing/2014/main" id="{D18F888A-837B-4708-9303-0E34BFE5B37A}"/>
+              </a:ext>
+            </a:extLst>
+          </p:cNvPr>
+          <p:cNvSpPr>
+            <a:spLocks noGrp="1"/>
+          </p:cNvSpPr>
           <p:nvPr>
             <p:ph idx="1"/>
           </p:nvPr>
-        </p:nvPicPr>
-        <p:blipFill>
-          <a:blip r:embed="rId2">
-            <a:extLst>
-              <a:ext uri="{28A0092B-C50C-407E-A947-70E740481C1C}">
-                <a14:useLocalDpi xmlns:a14="http://schemas.microsoft.com/office/drawing/2010/main" val="0"/>
-              </a:ext>
-            </a:extLst>
-          </a:blip>
-          <a:stretch>
-            <a:fillRect/>
-          </a:stretch>
-        </p:blipFill>
+        </p:nvSpPr>
         <p:spPr>
           <a:xfrm>
-            <a:off x="217618" y="128772"/>
-            <a:ext cx="11513743" cy="2138439"/>
+            <a:off x="537576" y="1690688"/>
+            <a:ext cx="10515600" cy="4351338"/>
           </a:xfrm>
         </p:spPr>
-      </p:pic>
-      <p:pic>
-        <p:nvPicPr>
-          <p:cNvPr id="8" name="Content Placeholder 4">
-            <a:extLst>
-              <a:ext uri="{FF2B5EF4-FFF2-40B4-BE49-F238E27FC236}">
-                <a16:creationId xmlns:a16="http://schemas.microsoft.com/office/drawing/2014/main" id="{CBCBE0C6-BA46-4662-ACA8-55993B1A35F2}"/>
-              </a:ext>
-            </a:extLst>
-          </p:cNvPr>
-          <p:cNvPicPr>
-            <a:picLocks noChangeAspect="1"/>
-          </p:cNvPicPr>
-          <p:nvPr/>
-        </p:nvPicPr>
-        <p:blipFill>
-          <a:blip r:embed="rId3">
-            <a:extLst>
-              <a:ext uri="{28A0092B-C50C-407E-A947-70E740481C1C}">
-                <a14:useLocalDpi xmlns:a14="http://schemas.microsoft.com/office/drawing/2010/main" val="0"/>
-              </a:ext>
-            </a:extLst>
-          </a:blip>
-          <a:stretch>
-            <a:fillRect/>
-          </a:stretch>
-        </p:blipFill>
-        <p:spPr>
-          <a:xfrm>
-            <a:off x="217618" y="3379277"/>
-            <a:ext cx="11535835" cy="2400734"/>
-          </a:xfrm>
-          <a:prstGeom prst="rect">
-            <a:avLst/>
-          </a:prstGeom>
-        </p:spPr>
-      </p:pic>
+        <p:txBody>
+          <a:bodyPr>
+            <a:normAutofit/>
+          </a:bodyPr>
+          <a:lstStyle/>
+          <a:p>
+            <a:pPr algn="just">
+              <a:lnSpc>
+                <a:spcPct val="150000"/>
+              </a:lnSpc>
+            </a:pPr>
+            <a:r>
+              <a:rPr lang="en-US" sz="2000" dirty="0">
+                <a:latin typeface="Arial" panose="020B0604020202020204" pitchFamily="34" charset="0"/>
+                <a:cs typeface="Arial" panose="020B0604020202020204" pitchFamily="34" charset="0"/>
+              </a:rPr>
+              <a:t>Search Package.</a:t>
+            </a:r>
+          </a:p>
+          <a:p>
+            <a:pPr algn="just">
+              <a:lnSpc>
+                <a:spcPct val="150000"/>
+              </a:lnSpc>
+            </a:pPr>
+            <a:r>
+              <a:rPr lang="en-US" sz="2000" dirty="0">
+                <a:latin typeface="Arial" panose="020B0604020202020204" pitchFamily="34" charset="0"/>
+                <a:cs typeface="Arial" panose="020B0604020202020204" pitchFamily="34" charset="0"/>
+              </a:rPr>
+              <a:t>Billing/Receipt.</a:t>
+            </a:r>
+          </a:p>
+          <a:p>
+            <a:pPr algn="just">
+              <a:lnSpc>
+                <a:spcPct val="150000"/>
+              </a:lnSpc>
+            </a:pPr>
+            <a:r>
+              <a:rPr lang="en-US" sz="2000" dirty="0">
+                <a:latin typeface="Arial" panose="020B0604020202020204" pitchFamily="34" charset="0"/>
+                <a:cs typeface="Arial" panose="020B0604020202020204" pitchFamily="34" charset="0"/>
+              </a:rPr>
+              <a:t>Booking.</a:t>
+            </a:r>
+          </a:p>
+        </p:txBody>
+      </p:sp>
     </p:spTree>
     <p:extLst>
       <p:ext uri="{BB962C8B-B14F-4D97-AF65-F5344CB8AC3E}">
-        <p14:creationId xmlns:p14="http://schemas.microsoft.com/office/powerpoint/2010/main" val="2466514779"/>
+        <p14:creationId xmlns:p14="http://schemas.microsoft.com/office/powerpoint/2010/main" val="3419302137"/>
       </p:ext>
     </p:extLst>
   </p:cSld>
@@ -6366,19 +6295,15 @@
       </p:grpSpPr>
       <p:pic>
         <p:nvPicPr>
-          <p:cNvPr id="10" name="Content Placeholder 9">
-            <a:extLst>
-              <a:ext uri="{FF2B5EF4-FFF2-40B4-BE49-F238E27FC236}">
-                <a16:creationId xmlns:a16="http://schemas.microsoft.com/office/drawing/2014/main" id="{4048FD50-D604-4C2D-A2AE-BE3762809C62}"/>
-              </a:ext>
-            </a:extLst>
-          </p:cNvPr>
-          <p:cNvPicPr>
-            <a:picLocks noGrp="1" noChangeAspect="1"/>
-          </p:cNvPicPr>
-          <p:nvPr>
-            <p:ph idx="1"/>
-          </p:nvPr>
+          <p:cNvPr id="4" name="Picture 3">
+            <a:extLst>
+              <a:ext uri="{FF2B5EF4-FFF2-40B4-BE49-F238E27FC236}">
+                <a16:creationId xmlns:a16="http://schemas.microsoft.com/office/drawing/2014/main" id="{36A11184-D581-40BA-9B7D-609629D34C00}"/>
+              </a:ext>
+            </a:extLst>
+          </p:cNvPr>
+          <p:cNvPicPr/>
+          <p:nvPr/>
         </p:nvPicPr>
         <p:blipFill>
           <a:blip r:embed="rId2">
@@ -6394,15 +6319,56 @@
         </p:blipFill>
         <p:spPr>
           <a:xfrm>
-            <a:off x="613774" y="425886"/>
-            <a:ext cx="10446707" cy="5765608"/>
+            <a:off x="1062725" y="225469"/>
+            <a:ext cx="7048708" cy="2392471"/>
           </a:xfrm>
+          <a:prstGeom prst="rect">
+            <a:avLst/>
+          </a:prstGeom>
+        </p:spPr>
+      </p:pic>
+      <p:pic>
+        <p:nvPicPr>
+          <p:cNvPr id="5" name="Content Placeholder 4">
+            <a:extLst>
+              <a:ext uri="{FF2B5EF4-FFF2-40B4-BE49-F238E27FC236}">
+                <a16:creationId xmlns:a16="http://schemas.microsoft.com/office/drawing/2014/main" id="{CE346373-30E2-4491-96BC-E28BF1DAA309}"/>
+              </a:ext>
+            </a:extLst>
+          </p:cNvPr>
+          <p:cNvPicPr>
+            <a:picLocks noGrp="1"/>
+          </p:cNvPicPr>
+          <p:nvPr>
+            <p:ph idx="1"/>
+          </p:nvPr>
+        </p:nvPicPr>
+        <p:blipFill>
+          <a:blip r:embed="rId3">
+            <a:extLst>
+              <a:ext uri="{28A0092B-C50C-407E-A947-70E740481C1C}">
+                <a14:useLocalDpi xmlns:a14="http://schemas.microsoft.com/office/drawing/2010/main" val="0"/>
+              </a:ext>
+            </a:extLst>
+          </a:blip>
+          <a:stretch>
+            <a:fillRect/>
+          </a:stretch>
+        </p:blipFill>
+        <p:spPr>
+          <a:xfrm>
+            <a:off x="1062725" y="2617940"/>
+            <a:ext cx="7048708" cy="3509332"/>
+          </a:xfrm>
+          <a:prstGeom prst="rect">
+            <a:avLst/>
+          </a:prstGeom>
         </p:spPr>
       </p:pic>
     </p:spTree>
     <p:extLst>
       <p:ext uri="{BB962C8B-B14F-4D97-AF65-F5344CB8AC3E}">
-        <p14:creationId xmlns:p14="http://schemas.microsoft.com/office/powerpoint/2010/main" val="3764778076"/>
+        <p14:creationId xmlns:p14="http://schemas.microsoft.com/office/powerpoint/2010/main" val="414943363"/>
       </p:ext>
     </p:extLst>
   </p:cSld>
@@ -6434,12 +6400,12 @@
           <p:cNvPr id="5" name="Content Placeholder 4">
             <a:extLst>
               <a:ext uri="{FF2B5EF4-FFF2-40B4-BE49-F238E27FC236}">
-                <a16:creationId xmlns:a16="http://schemas.microsoft.com/office/drawing/2014/main" id="{2DCDF1BA-7164-4CF7-9F21-7CD2DF419ADB}"/>
+                <a16:creationId xmlns:a16="http://schemas.microsoft.com/office/drawing/2014/main" id="{1C6004D8-26E7-4D49-88C3-FC83920947BC}"/>
               </a:ext>
             </a:extLst>
           </p:cNvPr>
           <p:cNvPicPr>
-            <a:picLocks noGrp="1"/>
+            <a:picLocks noGrp="1" noChangeAspect="1"/>
           </p:cNvPicPr>
           <p:nvPr>
             <p:ph idx="1"/>
@@ -6459,8 +6425,41 @@
         </p:blipFill>
         <p:spPr>
           <a:xfrm>
-            <a:off x="125259" y="200417"/>
-            <a:ext cx="12066741" cy="6488482"/>
+            <a:off x="217618" y="128772"/>
+            <a:ext cx="11513743" cy="2138439"/>
+          </a:xfrm>
+        </p:spPr>
+      </p:pic>
+      <p:pic>
+        <p:nvPicPr>
+          <p:cNvPr id="8" name="Content Placeholder 4">
+            <a:extLst>
+              <a:ext uri="{FF2B5EF4-FFF2-40B4-BE49-F238E27FC236}">
+                <a16:creationId xmlns:a16="http://schemas.microsoft.com/office/drawing/2014/main" id="{CBCBE0C6-BA46-4662-ACA8-55993B1A35F2}"/>
+              </a:ext>
+            </a:extLst>
+          </p:cNvPr>
+          <p:cNvPicPr>
+            <a:picLocks noChangeAspect="1"/>
+          </p:cNvPicPr>
+          <p:nvPr/>
+        </p:nvPicPr>
+        <p:blipFill>
+          <a:blip r:embed="rId3">
+            <a:extLst>
+              <a:ext uri="{28A0092B-C50C-407E-A947-70E740481C1C}">
+                <a14:useLocalDpi xmlns:a14="http://schemas.microsoft.com/office/drawing/2010/main" val="0"/>
+              </a:ext>
+            </a:extLst>
+          </a:blip>
+          <a:stretch>
+            <a:fillRect/>
+          </a:stretch>
+        </p:blipFill>
+        <p:spPr>
+          <a:xfrm>
+            <a:off x="217618" y="3379277"/>
+            <a:ext cx="11535835" cy="2400734"/>
           </a:xfrm>
           <a:prstGeom prst="rect">
             <a:avLst/>
@@ -6470,7 +6469,7 @@
     </p:spTree>
     <p:extLst>
       <p:ext uri="{BB962C8B-B14F-4D97-AF65-F5344CB8AC3E}">
-        <p14:creationId xmlns:p14="http://schemas.microsoft.com/office/powerpoint/2010/main" val="3498656085"/>
+        <p14:creationId xmlns:p14="http://schemas.microsoft.com/office/powerpoint/2010/main" val="2466514779"/>
       </p:ext>
     </p:extLst>
   </p:cSld>
@@ -6499,10 +6498,10 @@
       </p:grpSpPr>
       <p:pic>
         <p:nvPicPr>
-          <p:cNvPr id="5" name="Content Placeholder 4">
-            <a:extLst>
-              <a:ext uri="{FF2B5EF4-FFF2-40B4-BE49-F238E27FC236}">
-                <a16:creationId xmlns:a16="http://schemas.microsoft.com/office/drawing/2014/main" id="{C0D9D160-CA93-4032-A8F0-3EFF6FF9A75E}"/>
+          <p:cNvPr id="10" name="Content Placeholder 9">
+            <a:extLst>
+              <a:ext uri="{FF2B5EF4-FFF2-40B4-BE49-F238E27FC236}">
+                <a16:creationId xmlns:a16="http://schemas.microsoft.com/office/drawing/2014/main" id="{4048FD50-D604-4C2D-A2AE-BE3762809C62}"/>
               </a:ext>
             </a:extLst>
           </p:cNvPr>
@@ -6527,15 +6526,15 @@
         </p:blipFill>
         <p:spPr>
           <a:xfrm>
-            <a:off x="964504" y="29336"/>
-            <a:ext cx="9647934" cy="6384958"/>
+            <a:off x="613774" y="425886"/>
+            <a:ext cx="10446707" cy="5765608"/>
           </a:xfrm>
         </p:spPr>
       </p:pic>
     </p:spTree>
     <p:extLst>
       <p:ext uri="{BB962C8B-B14F-4D97-AF65-F5344CB8AC3E}">
-        <p14:creationId xmlns:p14="http://schemas.microsoft.com/office/powerpoint/2010/main" val="871638187"/>
+        <p14:creationId xmlns:p14="http://schemas.microsoft.com/office/powerpoint/2010/main" val="3764778076"/>
       </p:ext>
     </p:extLst>
   </p:cSld>
@@ -6567,12 +6566,12 @@
           <p:cNvPr id="5" name="Content Placeholder 4">
             <a:extLst>
               <a:ext uri="{FF2B5EF4-FFF2-40B4-BE49-F238E27FC236}">
-                <a16:creationId xmlns:a16="http://schemas.microsoft.com/office/drawing/2014/main" id="{46BE77C0-D052-4ECF-9F84-1EC6E3091C4C}"/>
+                <a16:creationId xmlns:a16="http://schemas.microsoft.com/office/drawing/2014/main" id="{2DCDF1BA-7164-4CF7-9F21-7CD2DF419ADB}"/>
               </a:ext>
             </a:extLst>
           </p:cNvPr>
           <p:cNvPicPr>
-            <a:picLocks noGrp="1" noChangeAspect="1"/>
+            <a:picLocks noGrp="1"/>
           </p:cNvPicPr>
           <p:nvPr>
             <p:ph idx="1"/>
@@ -6592,15 +6591,18 @@
         </p:blipFill>
         <p:spPr>
           <a:xfrm>
-            <a:off x="0" y="876822"/>
-            <a:ext cx="12180773" cy="4872309"/>
+            <a:off x="125259" y="200417"/>
+            <a:ext cx="12066741" cy="6488482"/>
           </a:xfrm>
+          <a:prstGeom prst="rect">
+            <a:avLst/>
+          </a:prstGeom>
         </p:spPr>
       </p:pic>
     </p:spTree>
     <p:extLst>
       <p:ext uri="{BB962C8B-B14F-4D97-AF65-F5344CB8AC3E}">
-        <p14:creationId xmlns:p14="http://schemas.microsoft.com/office/powerpoint/2010/main" val="1490948828"/>
+        <p14:creationId xmlns:p14="http://schemas.microsoft.com/office/powerpoint/2010/main" val="3498656085"/>
       </p:ext>
     </p:extLst>
   </p:cSld>
@@ -6629,10 +6631,10 @@
       </p:grpSpPr>
       <p:pic>
         <p:nvPicPr>
-          <p:cNvPr id="9" name="Content Placeholder 8">
-            <a:extLst>
-              <a:ext uri="{FF2B5EF4-FFF2-40B4-BE49-F238E27FC236}">
-                <a16:creationId xmlns:a16="http://schemas.microsoft.com/office/drawing/2014/main" id="{D117A48F-4915-4A0D-B3AF-2285AA0592F7}"/>
+          <p:cNvPr id="5" name="Content Placeholder 4">
+            <a:extLst>
+              <a:ext uri="{FF2B5EF4-FFF2-40B4-BE49-F238E27FC236}">
+                <a16:creationId xmlns:a16="http://schemas.microsoft.com/office/drawing/2014/main" id="{C0D9D160-CA93-4032-A8F0-3EFF6FF9A75E}"/>
               </a:ext>
             </a:extLst>
           </p:cNvPr>
@@ -6657,15 +6659,15 @@
         </p:blipFill>
         <p:spPr>
           <a:xfrm>
-            <a:off x="781559" y="450936"/>
-            <a:ext cx="9590572" cy="6407063"/>
+            <a:off x="964504" y="29336"/>
+            <a:ext cx="9647934" cy="6384958"/>
           </a:xfrm>
         </p:spPr>
       </p:pic>
     </p:spTree>
     <p:extLst>
       <p:ext uri="{BB962C8B-B14F-4D97-AF65-F5344CB8AC3E}">
-        <p14:creationId xmlns:p14="http://schemas.microsoft.com/office/powerpoint/2010/main" val="1934504138"/>
+        <p14:creationId xmlns:p14="http://schemas.microsoft.com/office/powerpoint/2010/main" val="871638187"/>
       </p:ext>
     </p:extLst>
   </p:cSld>
@@ -6843,133 +6845,45 @@
           <a:chExt cx="0" cy="0"/>
         </a:xfrm>
       </p:grpSpPr>
-      <p:sp>
-        <p:nvSpPr>
-          <p:cNvPr id="2" name="Title 1">
-            <a:extLst>
-              <a:ext uri="{FF2B5EF4-FFF2-40B4-BE49-F238E27FC236}">
-                <a16:creationId xmlns:a16="http://schemas.microsoft.com/office/drawing/2014/main" id="{57B0A22C-496D-4260-9867-0695C4C1F632}"/>
-              </a:ext>
-            </a:extLst>
-          </p:cNvPr>
-          <p:cNvSpPr>
-            <a:spLocks noGrp="1"/>
-          </p:cNvSpPr>
-          <p:nvPr>
-            <p:ph type="title"/>
-          </p:nvPr>
-        </p:nvSpPr>
-        <p:spPr/>
-        <p:txBody>
-          <a:bodyPr>
-            <a:normAutofit/>
-          </a:bodyPr>
-          <a:lstStyle/>
-          <a:p>
-            <a:r>
-              <a:rPr lang="en-US" sz="2400" b="1" dirty="0">
-                <a:latin typeface="Arial" panose="020B0604020202020204" pitchFamily="34" charset="0"/>
-                <a:cs typeface="Arial" panose="020B0604020202020204" pitchFamily="34" charset="0"/>
-              </a:rPr>
-              <a:t>Testing</a:t>
-            </a:r>
-          </a:p>
-        </p:txBody>
-      </p:sp>
-      <p:sp>
-        <p:nvSpPr>
-          <p:cNvPr id="3" name="Content Placeholder 2">
-            <a:extLst>
-              <a:ext uri="{FF2B5EF4-FFF2-40B4-BE49-F238E27FC236}">
-                <a16:creationId xmlns:a16="http://schemas.microsoft.com/office/drawing/2014/main" id="{EB7A0244-7D33-4E9F-AD1E-8DC0A88E37C5}"/>
-              </a:ext>
-            </a:extLst>
-          </p:cNvPr>
-          <p:cNvSpPr>
-            <a:spLocks noGrp="1"/>
-          </p:cNvSpPr>
+      <p:pic>
+        <p:nvPicPr>
+          <p:cNvPr id="5" name="Content Placeholder 4">
+            <a:extLst>
+              <a:ext uri="{FF2B5EF4-FFF2-40B4-BE49-F238E27FC236}">
+                <a16:creationId xmlns:a16="http://schemas.microsoft.com/office/drawing/2014/main" id="{46BE77C0-D052-4ECF-9F84-1EC6E3091C4C}"/>
+              </a:ext>
+            </a:extLst>
+          </p:cNvPr>
+          <p:cNvPicPr>
+            <a:picLocks noGrp="1" noChangeAspect="1"/>
+          </p:cNvPicPr>
           <p:nvPr>
             <p:ph idx="1"/>
           </p:nvPr>
-        </p:nvSpPr>
-        <p:spPr/>
-        <p:txBody>
-          <a:bodyPr>
-            <a:normAutofit/>
-          </a:bodyPr>
-          <a:lstStyle/>
-          <a:p>
-            <a:r>
-              <a:rPr lang="en-US" sz="2000" dirty="0">
-                <a:latin typeface="Arial" panose="020B0604020202020204" pitchFamily="34" charset="0"/>
-                <a:cs typeface="Arial" panose="020B0604020202020204" pitchFamily="34" charset="0"/>
-              </a:rPr>
-              <a:t>Testing is a process of executing a program with the aim of finding error.</a:t>
-            </a:r>
-          </a:p>
-          <a:p>
-            <a:r>
-              <a:rPr lang="en-US" sz="2000" dirty="0">
-                <a:latin typeface="Arial" panose="020B0604020202020204" pitchFamily="34" charset="0"/>
-                <a:cs typeface="Arial" panose="020B0604020202020204" pitchFamily="34" charset="0"/>
-              </a:rPr>
-              <a:t> To make our software perform well it should be error free. </a:t>
-            </a:r>
-          </a:p>
-          <a:p>
-            <a:r>
-              <a:rPr lang="en-US" sz="2000" dirty="0">
-                <a:latin typeface="Arial" panose="020B0604020202020204" pitchFamily="34" charset="0"/>
-                <a:cs typeface="Arial" panose="020B0604020202020204" pitchFamily="34" charset="0"/>
-              </a:rPr>
-              <a:t>If testing is done successfully it will remove all the errors from the software.</a:t>
-            </a:r>
-          </a:p>
-          <a:p>
-            <a:endParaRPr lang="en-US" sz="2000" dirty="0">
-              <a:latin typeface="Arial" panose="020B0604020202020204" pitchFamily="34" charset="0"/>
-              <a:cs typeface="Arial" panose="020B0604020202020204" pitchFamily="34" charset="0"/>
-            </a:endParaRPr>
-          </a:p>
-          <a:p>
-            <a:pPr marL="0" indent="0">
-              <a:buNone/>
-            </a:pPr>
-            <a:r>
-              <a:rPr lang="en-US" sz="2000" dirty="0">
-                <a:latin typeface="Arial" panose="020B0604020202020204" pitchFamily="34" charset="0"/>
-                <a:cs typeface="Arial" panose="020B0604020202020204" pitchFamily="34" charset="0"/>
-              </a:rPr>
-              <a:t>Testing performed for the project.</a:t>
-            </a:r>
-          </a:p>
-          <a:p>
-            <a:r>
-              <a:rPr lang="en-US" sz="2000" dirty="0">
-                <a:latin typeface="Arial" panose="020B0604020202020204" pitchFamily="34" charset="0"/>
-                <a:cs typeface="Arial" panose="020B0604020202020204" pitchFamily="34" charset="0"/>
-              </a:rPr>
-              <a:t>Backbox Testing.</a:t>
-            </a:r>
-          </a:p>
-          <a:p>
-            <a:r>
-              <a:rPr lang="en-US" sz="2000" dirty="0">
-                <a:latin typeface="Arial" panose="020B0604020202020204" pitchFamily="34" charset="0"/>
-                <a:cs typeface="Arial" panose="020B0604020202020204" pitchFamily="34" charset="0"/>
-              </a:rPr>
-              <a:t>Unit Testing.</a:t>
-            </a:r>
-          </a:p>
-          <a:p>
-            <a:endParaRPr lang="en-US" dirty="0"/>
-          </a:p>
-        </p:txBody>
-      </p:sp>
+        </p:nvPicPr>
+        <p:blipFill>
+          <a:blip r:embed="rId2">
+            <a:extLst>
+              <a:ext uri="{28A0092B-C50C-407E-A947-70E740481C1C}">
+                <a14:useLocalDpi xmlns:a14="http://schemas.microsoft.com/office/drawing/2010/main" val="0"/>
+              </a:ext>
+            </a:extLst>
+          </a:blip>
+          <a:stretch>
+            <a:fillRect/>
+          </a:stretch>
+        </p:blipFill>
+        <p:spPr>
+          <a:xfrm>
+            <a:off x="0" y="876822"/>
+            <a:ext cx="12180773" cy="4872309"/>
+          </a:xfrm>
+        </p:spPr>
+      </p:pic>
     </p:spTree>
     <p:extLst>
       <p:ext uri="{BB962C8B-B14F-4D97-AF65-F5344CB8AC3E}">
-        <p14:creationId xmlns:p14="http://schemas.microsoft.com/office/powerpoint/2010/main" val="272274121"/>
+        <p14:creationId xmlns:p14="http://schemas.microsoft.com/office/powerpoint/2010/main" val="1490948828"/>
       </p:ext>
     </p:extLst>
   </p:cSld>
@@ -6996,154 +6910,45 @@
           <a:chExt cx="0" cy="0"/>
         </a:xfrm>
       </p:grpSpPr>
-      <p:sp>
-        <p:nvSpPr>
-          <p:cNvPr id="2" name="Title 1">
-            <a:extLst>
-              <a:ext uri="{FF2B5EF4-FFF2-40B4-BE49-F238E27FC236}">
-                <a16:creationId xmlns:a16="http://schemas.microsoft.com/office/drawing/2014/main" id="{81811A55-4644-43F7-84C3-A96260551399}"/>
-              </a:ext>
-            </a:extLst>
-          </p:cNvPr>
-          <p:cNvSpPr>
-            <a:spLocks noGrp="1"/>
-          </p:cNvSpPr>
-          <p:nvPr>
-            <p:ph type="title"/>
-          </p:nvPr>
-        </p:nvSpPr>
-        <p:spPr/>
-        <p:txBody>
-          <a:bodyPr>
-            <a:normAutofit/>
-          </a:bodyPr>
-          <a:lstStyle/>
-          <a:p>
-            <a:r>
-              <a:rPr lang="en-US" sz="2400" b="1" dirty="0">
-                <a:latin typeface="Arial" panose="020B0604020202020204" pitchFamily="34" charset="0"/>
-                <a:cs typeface="Arial" panose="020B0604020202020204" pitchFamily="34" charset="0"/>
-              </a:rPr>
-              <a:t>Blackbox Testing</a:t>
-            </a:r>
-          </a:p>
-        </p:txBody>
-      </p:sp>
-      <p:sp>
-        <p:nvSpPr>
-          <p:cNvPr id="3" name="Content Placeholder 2">
-            <a:extLst>
-              <a:ext uri="{FF2B5EF4-FFF2-40B4-BE49-F238E27FC236}">
-                <a16:creationId xmlns:a16="http://schemas.microsoft.com/office/drawing/2014/main" id="{1A06E07E-C560-4945-98E0-A6DB80F3D66A}"/>
-              </a:ext>
-            </a:extLst>
-          </p:cNvPr>
-          <p:cNvSpPr>
-            <a:spLocks noGrp="1"/>
-          </p:cNvSpPr>
+      <p:pic>
+        <p:nvPicPr>
+          <p:cNvPr id="9" name="Content Placeholder 8">
+            <a:extLst>
+              <a:ext uri="{FF2B5EF4-FFF2-40B4-BE49-F238E27FC236}">
+                <a16:creationId xmlns:a16="http://schemas.microsoft.com/office/drawing/2014/main" id="{D117A48F-4915-4A0D-B3AF-2285AA0592F7}"/>
+              </a:ext>
+            </a:extLst>
+          </p:cNvPr>
+          <p:cNvPicPr>
+            <a:picLocks noGrp="1" noChangeAspect="1"/>
+          </p:cNvPicPr>
           <p:nvPr>
             <p:ph idx="1"/>
           </p:nvPr>
-        </p:nvSpPr>
-        <p:spPr/>
-        <p:txBody>
-          <a:bodyPr>
-            <a:normAutofit lnSpcReduction="10000"/>
-          </a:bodyPr>
-          <a:lstStyle/>
-          <a:p>
-            <a:pPr algn="just">
-              <a:lnSpc>
-                <a:spcPct val="150000"/>
-              </a:lnSpc>
-            </a:pPr>
-            <a:r>
-              <a:rPr lang="en-US" sz="2000" dirty="0">
-                <a:latin typeface="Arial" panose="020B0604020202020204" pitchFamily="34" charset="0"/>
-                <a:cs typeface="Arial" panose="020B0604020202020204" pitchFamily="34" charset="0"/>
-              </a:rPr>
-              <a:t>It is a software testing method in which the internal structure/design/implementation of the item being tested is not known to the tester.</a:t>
-            </a:r>
-          </a:p>
-          <a:p>
-            <a:pPr algn="just">
-              <a:lnSpc>
-                <a:spcPct val="150000"/>
-              </a:lnSpc>
-            </a:pPr>
-            <a:r>
-              <a:rPr lang="en-US" sz="2000" dirty="0">
-                <a:latin typeface="Arial" panose="020B0604020202020204" pitchFamily="34" charset="0"/>
-                <a:cs typeface="Arial" panose="020B0604020202020204" pitchFamily="34" charset="0"/>
-              </a:rPr>
-              <a:t> These tests can be functional or non-functional, though usually functional.</a:t>
-            </a:r>
-          </a:p>
-          <a:p>
-            <a:pPr algn="just">
-              <a:lnSpc>
-                <a:spcPct val="150000"/>
-              </a:lnSpc>
-            </a:pPr>
-            <a:r>
-              <a:rPr lang="en-US" sz="2000" dirty="0">
-                <a:latin typeface="Arial" panose="020B0604020202020204" pitchFamily="34" charset="0"/>
-                <a:cs typeface="Arial" panose="020B0604020202020204" pitchFamily="34" charset="0"/>
-              </a:rPr>
-              <a:t>Efficient when used on large systems.</a:t>
-            </a:r>
-          </a:p>
-          <a:p>
-            <a:pPr algn="just">
-              <a:lnSpc>
-                <a:spcPct val="150000"/>
-              </a:lnSpc>
-            </a:pPr>
-            <a:r>
-              <a:rPr lang="en-US" sz="2000" dirty="0">
-                <a:latin typeface="Arial" panose="020B0604020202020204" pitchFamily="34" charset="0"/>
-                <a:cs typeface="Arial" panose="020B0604020202020204" pitchFamily="34" charset="0"/>
-              </a:rPr>
-              <a:t>Tester can be non-technical.</a:t>
-            </a:r>
-          </a:p>
-          <a:p>
-            <a:pPr algn="just">
-              <a:lnSpc>
-                <a:spcPct val="150000"/>
-              </a:lnSpc>
-            </a:pPr>
-            <a:r>
-              <a:rPr lang="en-US" sz="2000" dirty="0">
-                <a:latin typeface="Arial" panose="020B0604020202020204" pitchFamily="34" charset="0"/>
-                <a:cs typeface="Arial" panose="020B0604020202020204" pitchFamily="34" charset="0"/>
-              </a:rPr>
-              <a:t>There is no need for the tester to have detailed functional knowledge of system.</a:t>
-            </a:r>
-          </a:p>
-          <a:p>
-            <a:pPr algn="just">
-              <a:lnSpc>
-                <a:spcPct val="150000"/>
-              </a:lnSpc>
-            </a:pPr>
-            <a:r>
-              <a:rPr lang="en-US" sz="2000" dirty="0">
-                <a:latin typeface="Arial" panose="020B0604020202020204" pitchFamily="34" charset="0"/>
-                <a:cs typeface="Arial" panose="020B0604020202020204" pitchFamily="34" charset="0"/>
-              </a:rPr>
-              <a:t>Tests will be done from an end user's point of view, because the end user should accept the system. (This testing technique is sometimes also called Acceptance testing.)</a:t>
-            </a:r>
-          </a:p>
-          <a:p>
-            <a:endParaRPr lang="en-US" dirty="0"/>
-          </a:p>
-        </p:txBody>
-      </p:sp>
+        </p:nvPicPr>
+        <p:blipFill>
+          <a:blip r:embed="rId2">
+            <a:extLst>
+              <a:ext uri="{28A0092B-C50C-407E-A947-70E740481C1C}">
+                <a14:useLocalDpi xmlns:a14="http://schemas.microsoft.com/office/drawing/2010/main" val="0"/>
+              </a:ext>
+            </a:extLst>
+          </a:blip>
+          <a:stretch>
+            <a:fillRect/>
+          </a:stretch>
+        </p:blipFill>
+        <p:spPr>
+          <a:xfrm>
+            <a:off x="781559" y="450936"/>
+            <a:ext cx="9590572" cy="6407063"/>
+          </a:xfrm>
+        </p:spPr>
+      </p:pic>
     </p:spTree>
     <p:extLst>
       <p:ext uri="{BB962C8B-B14F-4D97-AF65-F5344CB8AC3E}">
-        <p14:creationId xmlns:p14="http://schemas.microsoft.com/office/powerpoint/2010/main" val="1108289319"/>
+        <p14:creationId xmlns:p14="http://schemas.microsoft.com/office/powerpoint/2010/main" val="1934504138"/>
       </p:ext>
     </p:extLst>
   </p:cSld>
@@ -7175,7 +6980,7 @@
           <p:cNvPr id="2" name="Title 1">
             <a:extLst>
               <a:ext uri="{FF2B5EF4-FFF2-40B4-BE49-F238E27FC236}">
-                <a16:creationId xmlns:a16="http://schemas.microsoft.com/office/drawing/2014/main" id="{0CC934DD-2D81-420B-8576-80F547253789}"/>
+                <a16:creationId xmlns:a16="http://schemas.microsoft.com/office/drawing/2014/main" id="{57B0A22C-496D-4260-9867-0695C4C1F632}"/>
               </a:ext>
             </a:extLst>
           </p:cNvPr>
@@ -7198,50 +7003,105 @@
                 <a:latin typeface="Arial" panose="020B0604020202020204" pitchFamily="34" charset="0"/>
                 <a:cs typeface="Arial" panose="020B0604020202020204" pitchFamily="34" charset="0"/>
               </a:rPr>
-              <a:t>Blackbox Testing</a:t>
-            </a:r>
-          </a:p>
-        </p:txBody>
-      </p:sp>
-      <p:pic>
-        <p:nvPicPr>
-          <p:cNvPr id="5" name="Content Placeholder 4">
-            <a:extLst>
-              <a:ext uri="{FF2B5EF4-FFF2-40B4-BE49-F238E27FC236}">
-                <a16:creationId xmlns:a16="http://schemas.microsoft.com/office/drawing/2014/main" id="{38F89B60-A909-4EDC-8551-3BEC22956F21}"/>
-              </a:ext>
-            </a:extLst>
-          </p:cNvPr>
-          <p:cNvPicPr>
-            <a:picLocks noGrp="1" noChangeAspect="1"/>
-          </p:cNvPicPr>
+              <a:t>Testing</a:t>
+            </a:r>
+          </a:p>
+        </p:txBody>
+      </p:sp>
+      <p:sp>
+        <p:nvSpPr>
+          <p:cNvPr id="3" name="Content Placeholder 2">
+            <a:extLst>
+              <a:ext uri="{FF2B5EF4-FFF2-40B4-BE49-F238E27FC236}">
+                <a16:creationId xmlns:a16="http://schemas.microsoft.com/office/drawing/2014/main" id="{EB7A0244-7D33-4E9F-AD1E-8DC0A88E37C5}"/>
+              </a:ext>
+            </a:extLst>
+          </p:cNvPr>
+          <p:cNvSpPr>
+            <a:spLocks noGrp="1"/>
+          </p:cNvSpPr>
           <p:nvPr>
             <p:ph idx="1"/>
           </p:nvPr>
-        </p:nvPicPr>
-        <p:blipFill>
-          <a:blip r:embed="rId2">
-            <a:extLst>
-              <a:ext uri="{28A0092B-C50C-407E-A947-70E740481C1C}">
-                <a14:useLocalDpi xmlns:a14="http://schemas.microsoft.com/office/drawing/2010/main" val="0"/>
-              </a:ext>
-            </a:extLst>
-          </a:blip>
-          <a:stretch>
-            <a:fillRect/>
-          </a:stretch>
-        </p:blipFill>
-        <p:spPr>
-          <a:xfrm>
-            <a:off x="740352" y="1377864"/>
-            <a:ext cx="10896327" cy="5337498"/>
-          </a:xfrm>
-        </p:spPr>
-      </p:pic>
+        </p:nvSpPr>
+        <p:spPr/>
+        <p:txBody>
+          <a:bodyPr>
+            <a:normAutofit/>
+          </a:bodyPr>
+          <a:lstStyle/>
+          <a:p>
+            <a:r>
+              <a:rPr lang="en-US" sz="2000" dirty="0">
+                <a:latin typeface="Arial" panose="020B0604020202020204" pitchFamily="34" charset="0"/>
+                <a:cs typeface="Arial" panose="020B0604020202020204" pitchFamily="34" charset="0"/>
+              </a:rPr>
+              <a:t>Testing is a process of executing a program with the aim of finding error.</a:t>
+            </a:r>
+          </a:p>
+          <a:p>
+            <a:r>
+              <a:rPr lang="en-US" sz="2000" dirty="0">
+                <a:latin typeface="Arial" panose="020B0604020202020204" pitchFamily="34" charset="0"/>
+                <a:cs typeface="Arial" panose="020B0604020202020204" pitchFamily="34" charset="0"/>
+              </a:rPr>
+              <a:t> To make our software perform well it should be error free. </a:t>
+            </a:r>
+          </a:p>
+          <a:p>
+            <a:r>
+              <a:rPr lang="en-US" sz="2000" dirty="0">
+                <a:latin typeface="Arial" panose="020B0604020202020204" pitchFamily="34" charset="0"/>
+                <a:cs typeface="Arial" panose="020B0604020202020204" pitchFamily="34" charset="0"/>
+              </a:rPr>
+              <a:t>If testing is done successfully it will remove all the errors from the software.</a:t>
+            </a:r>
+          </a:p>
+          <a:p>
+            <a:endParaRPr lang="en-US" sz="2000" dirty="0">
+              <a:latin typeface="Arial" panose="020B0604020202020204" pitchFamily="34" charset="0"/>
+              <a:cs typeface="Arial" panose="020B0604020202020204" pitchFamily="34" charset="0"/>
+            </a:endParaRPr>
+          </a:p>
+          <a:p>
+            <a:pPr marL="0" indent="0">
+              <a:buNone/>
+            </a:pPr>
+            <a:r>
+              <a:rPr lang="en-US" sz="2000" dirty="0">
+                <a:latin typeface="Arial" panose="020B0604020202020204" pitchFamily="34" charset="0"/>
+                <a:cs typeface="Arial" panose="020B0604020202020204" pitchFamily="34" charset="0"/>
+              </a:rPr>
+              <a:t>Testing performed for the project.</a:t>
+            </a:r>
+          </a:p>
+          <a:p>
+            <a:r>
+              <a:rPr lang="en-US" sz="2000" dirty="0">
+                <a:latin typeface="Arial" panose="020B0604020202020204" pitchFamily="34" charset="0"/>
+                <a:cs typeface="Arial" panose="020B0604020202020204" pitchFamily="34" charset="0"/>
+              </a:rPr>
+              <a:t>Backbox Testing.</a:t>
+            </a:r>
+          </a:p>
+          <a:p>
+            <a:r>
+              <a:rPr lang="en-US" sz="2000" dirty="0">
+                <a:latin typeface="Arial" panose="020B0604020202020204" pitchFamily="34" charset="0"/>
+                <a:cs typeface="Arial" panose="020B0604020202020204" pitchFamily="34" charset="0"/>
+              </a:rPr>
+              <a:t>Unit Testing.</a:t>
+            </a:r>
+          </a:p>
+          <a:p>
+            <a:endParaRPr lang="en-US" dirty="0"/>
+          </a:p>
+        </p:txBody>
+      </p:sp>
     </p:spTree>
     <p:extLst>
       <p:ext uri="{BB962C8B-B14F-4D97-AF65-F5344CB8AC3E}">
-        <p14:creationId xmlns:p14="http://schemas.microsoft.com/office/powerpoint/2010/main" val="4078130131"/>
+        <p14:creationId xmlns:p14="http://schemas.microsoft.com/office/powerpoint/2010/main" val="272274121"/>
       </p:ext>
     </p:extLst>
   </p:cSld>
@@ -7268,45 +7128,154 @@
           <a:chExt cx="0" cy="0"/>
         </a:xfrm>
       </p:grpSpPr>
-      <p:pic>
-        <p:nvPicPr>
-          <p:cNvPr id="5" name="Content Placeholder 4">
-            <a:extLst>
-              <a:ext uri="{FF2B5EF4-FFF2-40B4-BE49-F238E27FC236}">
-                <a16:creationId xmlns:a16="http://schemas.microsoft.com/office/drawing/2014/main" id="{73D157F9-3676-473E-9A96-8C984A87C86A}"/>
-              </a:ext>
-            </a:extLst>
-          </p:cNvPr>
-          <p:cNvPicPr>
-            <a:picLocks noGrp="1" noChangeAspect="1"/>
-          </p:cNvPicPr>
+      <p:sp>
+        <p:nvSpPr>
+          <p:cNvPr id="2" name="Title 1">
+            <a:extLst>
+              <a:ext uri="{FF2B5EF4-FFF2-40B4-BE49-F238E27FC236}">
+                <a16:creationId xmlns:a16="http://schemas.microsoft.com/office/drawing/2014/main" id="{81811A55-4644-43F7-84C3-A96260551399}"/>
+              </a:ext>
+            </a:extLst>
+          </p:cNvPr>
+          <p:cNvSpPr>
+            <a:spLocks noGrp="1"/>
+          </p:cNvSpPr>
+          <p:nvPr>
+            <p:ph type="title"/>
+          </p:nvPr>
+        </p:nvSpPr>
+        <p:spPr/>
+        <p:txBody>
+          <a:bodyPr>
+            <a:normAutofit/>
+          </a:bodyPr>
+          <a:lstStyle/>
+          <a:p>
+            <a:r>
+              <a:rPr lang="en-US" sz="2400" b="1" dirty="0">
+                <a:latin typeface="Arial" panose="020B0604020202020204" pitchFamily="34" charset="0"/>
+                <a:cs typeface="Arial" panose="020B0604020202020204" pitchFamily="34" charset="0"/>
+              </a:rPr>
+              <a:t>Blackbox Testing</a:t>
+            </a:r>
+          </a:p>
+        </p:txBody>
+      </p:sp>
+      <p:sp>
+        <p:nvSpPr>
+          <p:cNvPr id="3" name="Content Placeholder 2">
+            <a:extLst>
+              <a:ext uri="{FF2B5EF4-FFF2-40B4-BE49-F238E27FC236}">
+                <a16:creationId xmlns:a16="http://schemas.microsoft.com/office/drawing/2014/main" id="{1A06E07E-C560-4945-98E0-A6DB80F3D66A}"/>
+              </a:ext>
+            </a:extLst>
+          </p:cNvPr>
+          <p:cNvSpPr>
+            <a:spLocks noGrp="1"/>
+          </p:cNvSpPr>
           <p:nvPr>
             <p:ph idx="1"/>
           </p:nvPr>
-        </p:nvPicPr>
-        <p:blipFill>
-          <a:blip r:embed="rId2">
-            <a:extLst>
-              <a:ext uri="{28A0092B-C50C-407E-A947-70E740481C1C}">
-                <a14:useLocalDpi xmlns:a14="http://schemas.microsoft.com/office/drawing/2010/main" val="0"/>
-              </a:ext>
-            </a:extLst>
-          </a:blip>
-          <a:stretch>
-            <a:fillRect/>
-          </a:stretch>
-        </p:blipFill>
-        <p:spPr>
-          <a:xfrm>
-            <a:off x="95492" y="576195"/>
-            <a:ext cx="12001016" cy="5273459"/>
-          </a:xfrm>
-        </p:spPr>
-      </p:pic>
+        </p:nvSpPr>
+        <p:spPr/>
+        <p:txBody>
+          <a:bodyPr>
+            <a:normAutofit lnSpcReduction="10000"/>
+          </a:bodyPr>
+          <a:lstStyle/>
+          <a:p>
+            <a:pPr algn="just">
+              <a:lnSpc>
+                <a:spcPct val="150000"/>
+              </a:lnSpc>
+            </a:pPr>
+            <a:r>
+              <a:rPr lang="en-US" sz="2000" dirty="0">
+                <a:latin typeface="Arial" panose="020B0604020202020204" pitchFamily="34" charset="0"/>
+                <a:cs typeface="Arial" panose="020B0604020202020204" pitchFamily="34" charset="0"/>
+              </a:rPr>
+              <a:t>It is a software testing method in which the internal structure/design/implementation of the item being tested is not known to the tester.</a:t>
+            </a:r>
+          </a:p>
+          <a:p>
+            <a:pPr algn="just">
+              <a:lnSpc>
+                <a:spcPct val="150000"/>
+              </a:lnSpc>
+            </a:pPr>
+            <a:r>
+              <a:rPr lang="en-US" sz="2000" dirty="0">
+                <a:latin typeface="Arial" panose="020B0604020202020204" pitchFamily="34" charset="0"/>
+                <a:cs typeface="Arial" panose="020B0604020202020204" pitchFamily="34" charset="0"/>
+              </a:rPr>
+              <a:t> These tests can be functional or non-functional, though usually functional.</a:t>
+            </a:r>
+          </a:p>
+          <a:p>
+            <a:pPr algn="just">
+              <a:lnSpc>
+                <a:spcPct val="150000"/>
+              </a:lnSpc>
+            </a:pPr>
+            <a:r>
+              <a:rPr lang="en-US" sz="2000" dirty="0">
+                <a:latin typeface="Arial" panose="020B0604020202020204" pitchFamily="34" charset="0"/>
+                <a:cs typeface="Arial" panose="020B0604020202020204" pitchFamily="34" charset="0"/>
+              </a:rPr>
+              <a:t>Efficient when used on large systems.</a:t>
+            </a:r>
+          </a:p>
+          <a:p>
+            <a:pPr algn="just">
+              <a:lnSpc>
+                <a:spcPct val="150000"/>
+              </a:lnSpc>
+            </a:pPr>
+            <a:r>
+              <a:rPr lang="en-US" sz="2000" dirty="0">
+                <a:latin typeface="Arial" panose="020B0604020202020204" pitchFamily="34" charset="0"/>
+                <a:cs typeface="Arial" panose="020B0604020202020204" pitchFamily="34" charset="0"/>
+              </a:rPr>
+              <a:t>Tester can be non-technical.</a:t>
+            </a:r>
+          </a:p>
+          <a:p>
+            <a:pPr algn="just">
+              <a:lnSpc>
+                <a:spcPct val="150000"/>
+              </a:lnSpc>
+            </a:pPr>
+            <a:r>
+              <a:rPr lang="en-US" sz="2000" dirty="0">
+                <a:latin typeface="Arial" panose="020B0604020202020204" pitchFamily="34" charset="0"/>
+                <a:cs typeface="Arial" panose="020B0604020202020204" pitchFamily="34" charset="0"/>
+              </a:rPr>
+              <a:t>There is no need for the tester to have detailed functional knowledge of system.</a:t>
+            </a:r>
+          </a:p>
+          <a:p>
+            <a:pPr algn="just">
+              <a:lnSpc>
+                <a:spcPct val="150000"/>
+              </a:lnSpc>
+            </a:pPr>
+            <a:r>
+              <a:rPr lang="en-US" sz="2000" dirty="0">
+                <a:latin typeface="Arial" panose="020B0604020202020204" pitchFamily="34" charset="0"/>
+                <a:cs typeface="Arial" panose="020B0604020202020204" pitchFamily="34" charset="0"/>
+              </a:rPr>
+              <a:t>Tests will be done from an end user's point of view, because the end user should accept the system. (This testing technique is sometimes also called Acceptance testing.)</a:t>
+            </a:r>
+          </a:p>
+          <a:p>
+            <a:endParaRPr lang="en-US" dirty="0"/>
+          </a:p>
+        </p:txBody>
+      </p:sp>
     </p:spTree>
     <p:extLst>
       <p:ext uri="{BB962C8B-B14F-4D97-AF65-F5344CB8AC3E}">
-        <p14:creationId xmlns:p14="http://schemas.microsoft.com/office/powerpoint/2010/main" val="1544749183"/>
+        <p14:creationId xmlns:p14="http://schemas.microsoft.com/office/powerpoint/2010/main" val="1108289319"/>
       </p:ext>
     </p:extLst>
   </p:cSld>
@@ -7338,7 +7307,7 @@
           <p:cNvPr id="2" name="Title 1">
             <a:extLst>
               <a:ext uri="{FF2B5EF4-FFF2-40B4-BE49-F238E27FC236}">
-                <a16:creationId xmlns:a16="http://schemas.microsoft.com/office/drawing/2014/main" id="{0DCED3ED-4894-4D86-BF04-B209ECBFFA7F}"/>
+                <a16:creationId xmlns:a16="http://schemas.microsoft.com/office/drawing/2014/main" id="{0CC934DD-2D81-420B-8576-80F547253789}"/>
               </a:ext>
             </a:extLst>
           </p:cNvPr>
@@ -7357,127 +7326,54 @@
           <a:lstStyle/>
           <a:p>
             <a:r>
-              <a:rPr lang="en-US" sz="2400" dirty="0">
-                <a:latin typeface="Arial" panose="020B0604020202020204" pitchFamily="34" charset="0"/>
-                <a:cs typeface="Arial" panose="020B0604020202020204" pitchFamily="34" charset="0"/>
-              </a:rPr>
-              <a:t>Future Work</a:t>
-            </a:r>
-          </a:p>
-        </p:txBody>
-      </p:sp>
-      <p:sp>
-        <p:nvSpPr>
-          <p:cNvPr id="3" name="Content Placeholder 2">
-            <a:extLst>
-              <a:ext uri="{FF2B5EF4-FFF2-40B4-BE49-F238E27FC236}">
-                <a16:creationId xmlns:a16="http://schemas.microsoft.com/office/drawing/2014/main" id="{736C9589-8AFD-4926-BA3E-3B0F7DA84631}"/>
-              </a:ext>
-            </a:extLst>
-          </p:cNvPr>
-          <p:cNvSpPr>
-            <a:spLocks noGrp="1"/>
-          </p:cNvSpPr>
+              <a:rPr lang="en-US" sz="2400" b="1" dirty="0">
+                <a:latin typeface="Arial" panose="020B0604020202020204" pitchFamily="34" charset="0"/>
+                <a:cs typeface="Arial" panose="020B0604020202020204" pitchFamily="34" charset="0"/>
+              </a:rPr>
+              <a:t>Blackbox Testing</a:t>
+            </a:r>
+          </a:p>
+        </p:txBody>
+      </p:sp>
+      <p:pic>
+        <p:nvPicPr>
+          <p:cNvPr id="5" name="Content Placeholder 4">
+            <a:extLst>
+              <a:ext uri="{FF2B5EF4-FFF2-40B4-BE49-F238E27FC236}">
+                <a16:creationId xmlns:a16="http://schemas.microsoft.com/office/drawing/2014/main" id="{38F89B60-A909-4EDC-8551-3BEC22956F21}"/>
+              </a:ext>
+            </a:extLst>
+          </p:cNvPr>
+          <p:cNvPicPr>
+            <a:picLocks noGrp="1" noChangeAspect="1"/>
+          </p:cNvPicPr>
           <p:nvPr>
             <p:ph idx="1"/>
           </p:nvPr>
-        </p:nvSpPr>
-        <p:spPr/>
-        <p:txBody>
-          <a:bodyPr>
-            <a:normAutofit/>
-          </a:bodyPr>
-          <a:lstStyle/>
-          <a:p>
-            <a:pPr algn="just">
-              <a:lnSpc>
-                <a:spcPct val="150000"/>
-              </a:lnSpc>
-            </a:pPr>
-            <a:r>
-              <a:rPr lang="en-US" sz="2000" dirty="0">
-                <a:latin typeface="Arial" panose="020B0604020202020204" pitchFamily="34" charset="0"/>
-                <a:cs typeface="Arial" panose="020B0604020202020204" pitchFamily="34" charset="0"/>
-              </a:rPr>
-              <a:t>Online Payment.</a:t>
-            </a:r>
-          </a:p>
-          <a:p>
-            <a:pPr algn="just">
-              <a:lnSpc>
-                <a:spcPct val="150000"/>
-              </a:lnSpc>
-            </a:pPr>
-            <a:r>
-              <a:rPr lang="en-US" sz="2000" dirty="0">
-                <a:latin typeface="Arial" panose="020B0604020202020204" pitchFamily="34" charset="0"/>
-                <a:cs typeface="Arial" panose="020B0604020202020204" pitchFamily="34" charset="0"/>
-              </a:rPr>
-              <a:t>Real time tracking.</a:t>
-            </a:r>
-          </a:p>
-          <a:p>
-            <a:pPr algn="just">
-              <a:lnSpc>
-                <a:spcPct val="150000"/>
-              </a:lnSpc>
-            </a:pPr>
-            <a:r>
-              <a:rPr lang="en-US" sz="2000" dirty="0">
-                <a:latin typeface="Arial" panose="020B0604020202020204" pitchFamily="34" charset="0"/>
-                <a:cs typeface="Arial" panose="020B0604020202020204" pitchFamily="34" charset="0"/>
-              </a:rPr>
-              <a:t>Chat Box.</a:t>
-            </a:r>
-          </a:p>
-          <a:p>
-            <a:pPr algn="just">
-              <a:lnSpc>
-                <a:spcPct val="150000"/>
-              </a:lnSpc>
-            </a:pPr>
-            <a:r>
-              <a:rPr lang="en-US" sz="2000" dirty="0">
-                <a:latin typeface="Arial" panose="020B0604020202020204" pitchFamily="34" charset="0"/>
-                <a:cs typeface="Arial" panose="020B0604020202020204" pitchFamily="34" charset="0"/>
-              </a:rPr>
-              <a:t>Language options.</a:t>
-            </a:r>
-          </a:p>
-          <a:p>
-            <a:pPr algn="just">
-              <a:lnSpc>
-                <a:spcPct val="150000"/>
-              </a:lnSpc>
-            </a:pPr>
-            <a:r>
-              <a:rPr lang="en-US" sz="2000" dirty="0">
-                <a:latin typeface="Arial" panose="020B0604020202020204" pitchFamily="34" charset="0"/>
-                <a:cs typeface="Arial" panose="020B0604020202020204" pitchFamily="34" charset="0"/>
-              </a:rPr>
-              <a:t> Ability to track booking status</a:t>
-            </a:r>
-          </a:p>
-          <a:p>
-            <a:pPr algn="just">
-              <a:lnSpc>
-                <a:spcPct val="150000"/>
-              </a:lnSpc>
-            </a:pPr>
-            <a:r>
-              <a:rPr lang="en-US" sz="2000" dirty="0">
-                <a:latin typeface="Arial" panose="020B0604020202020204" pitchFamily="34" charset="0"/>
-                <a:cs typeface="Arial" panose="020B0604020202020204" pitchFamily="34" charset="0"/>
-              </a:rPr>
-              <a:t>Live seat availability</a:t>
-            </a:r>
-          </a:p>
-        </p:txBody>
-      </p:sp>
+        </p:nvPicPr>
+        <p:blipFill>
+          <a:blip r:embed="rId2">
+            <a:extLst>
+              <a:ext uri="{28A0092B-C50C-407E-A947-70E740481C1C}">
+                <a14:useLocalDpi xmlns:a14="http://schemas.microsoft.com/office/drawing/2010/main" val="0"/>
+              </a:ext>
+            </a:extLst>
+          </a:blip>
+          <a:stretch>
+            <a:fillRect/>
+          </a:stretch>
+        </p:blipFill>
+        <p:spPr>
+          <a:xfrm>
+            <a:off x="740352" y="1377864"/>
+            <a:ext cx="10896327" cy="5337498"/>
+          </a:xfrm>
+        </p:spPr>
+      </p:pic>
     </p:spTree>
     <p:extLst>
       <p:ext uri="{BB962C8B-B14F-4D97-AF65-F5344CB8AC3E}">
-        <p14:creationId xmlns:p14="http://schemas.microsoft.com/office/powerpoint/2010/main" val="2040038880"/>
+        <p14:creationId xmlns:p14="http://schemas.microsoft.com/office/powerpoint/2010/main" val="4078130131"/>
       </p:ext>
     </p:extLst>
   </p:cSld>
@@ -7504,123 +7400,45 @@
           <a:chExt cx="0" cy="0"/>
         </a:xfrm>
       </p:grpSpPr>
-      <p:sp>
-        <p:nvSpPr>
-          <p:cNvPr id="2" name="Title 1">
-            <a:extLst>
-              <a:ext uri="{FF2B5EF4-FFF2-40B4-BE49-F238E27FC236}">
-                <a16:creationId xmlns:a16="http://schemas.microsoft.com/office/drawing/2014/main" id="{A241889F-5419-4F67-A17B-7C55846EE939}"/>
-              </a:ext>
-            </a:extLst>
-          </p:cNvPr>
-          <p:cNvSpPr>
-            <a:spLocks noGrp="1"/>
-          </p:cNvSpPr>
-          <p:nvPr>
-            <p:ph type="title"/>
-          </p:nvPr>
-        </p:nvSpPr>
-        <p:spPr/>
-        <p:txBody>
-          <a:bodyPr>
-            <a:normAutofit/>
-          </a:bodyPr>
-          <a:lstStyle/>
-          <a:p>
-            <a:r>
-              <a:rPr lang="en-US" sz="2400" dirty="0">
-                <a:latin typeface="Arial" panose="020B0604020202020204" pitchFamily="34" charset="0"/>
-                <a:cs typeface="Arial" panose="020B0604020202020204" pitchFamily="34" charset="0"/>
-              </a:rPr>
-              <a:t>Limitation</a:t>
-            </a:r>
-          </a:p>
-        </p:txBody>
-      </p:sp>
-      <p:sp>
-        <p:nvSpPr>
-          <p:cNvPr id="3" name="Content Placeholder 2">
-            <a:extLst>
-              <a:ext uri="{FF2B5EF4-FFF2-40B4-BE49-F238E27FC236}">
-                <a16:creationId xmlns:a16="http://schemas.microsoft.com/office/drawing/2014/main" id="{28AAF6B6-62B0-4B1A-91B4-E291A9C9FC46}"/>
-              </a:ext>
-            </a:extLst>
-          </p:cNvPr>
-          <p:cNvSpPr>
-            <a:spLocks noGrp="1"/>
-          </p:cNvSpPr>
+      <p:pic>
+        <p:nvPicPr>
+          <p:cNvPr id="5" name="Content Placeholder 4">
+            <a:extLst>
+              <a:ext uri="{FF2B5EF4-FFF2-40B4-BE49-F238E27FC236}">
+                <a16:creationId xmlns:a16="http://schemas.microsoft.com/office/drawing/2014/main" id="{73D157F9-3676-473E-9A96-8C984A87C86A}"/>
+              </a:ext>
+            </a:extLst>
+          </p:cNvPr>
+          <p:cNvPicPr>
+            <a:picLocks noGrp="1" noChangeAspect="1"/>
+          </p:cNvPicPr>
           <p:nvPr>
             <p:ph idx="1"/>
           </p:nvPr>
-        </p:nvSpPr>
-        <p:spPr/>
-        <p:txBody>
-          <a:bodyPr>
-            <a:normAutofit/>
-          </a:bodyPr>
-          <a:lstStyle/>
-          <a:p>
-            <a:pPr algn="just">
-              <a:lnSpc>
-                <a:spcPct val="150000"/>
-              </a:lnSpc>
-            </a:pPr>
-            <a:r>
-              <a:rPr lang="en-US" sz="2000" dirty="0">
-                <a:latin typeface="Arial" panose="020B0604020202020204" pitchFamily="34" charset="0"/>
-                <a:cs typeface="Arial" panose="020B0604020202020204" pitchFamily="34" charset="0"/>
-              </a:rPr>
-              <a:t>Sometimes very high data interaction, so server gets down.</a:t>
-            </a:r>
-          </a:p>
-          <a:p>
-            <a:pPr algn="just">
-              <a:lnSpc>
-                <a:spcPct val="150000"/>
-              </a:lnSpc>
-            </a:pPr>
-            <a:r>
-              <a:rPr lang="en-US" sz="2000" dirty="0">
-                <a:latin typeface="Arial" panose="020B0604020202020204" pitchFamily="34" charset="0"/>
-                <a:cs typeface="Arial" panose="020B0604020202020204" pitchFamily="34" charset="0"/>
-              </a:rPr>
-              <a:t>Very high security needed to the system.</a:t>
-            </a:r>
-          </a:p>
-          <a:p>
-            <a:pPr algn="just">
-              <a:lnSpc>
-                <a:spcPct val="150000"/>
-              </a:lnSpc>
-            </a:pPr>
-            <a:r>
-              <a:rPr lang="en-US" sz="2000" dirty="0">
-                <a:latin typeface="Arial" panose="020B0604020202020204" pitchFamily="34" charset="0"/>
-                <a:cs typeface="Arial" panose="020B0604020202020204" pitchFamily="34" charset="0"/>
-              </a:rPr>
-              <a:t>Online payment cannot be made.</a:t>
-            </a:r>
-          </a:p>
-          <a:p>
-            <a:pPr algn="just">
-              <a:lnSpc>
-                <a:spcPct val="150000"/>
-              </a:lnSpc>
-            </a:pPr>
-            <a:r>
-              <a:rPr lang="en-US" sz="2000" dirty="0">
-                <a:latin typeface="Arial" panose="020B0604020202020204" pitchFamily="34" charset="0"/>
-                <a:cs typeface="Arial" panose="020B0604020202020204" pitchFamily="34" charset="0"/>
-              </a:rPr>
-              <a:t>Step by step procedure, so takes time</a:t>
-            </a:r>
-          </a:p>
-        </p:txBody>
-      </p:sp>
+        </p:nvPicPr>
+        <p:blipFill>
+          <a:blip r:embed="rId2">
+            <a:extLst>
+              <a:ext uri="{28A0092B-C50C-407E-A947-70E740481C1C}">
+                <a14:useLocalDpi xmlns:a14="http://schemas.microsoft.com/office/drawing/2010/main" val="0"/>
+              </a:ext>
+            </a:extLst>
+          </a:blip>
+          <a:stretch>
+            <a:fillRect/>
+          </a:stretch>
+        </p:blipFill>
+        <p:spPr>
+          <a:xfrm>
+            <a:off x="95492" y="576195"/>
+            <a:ext cx="12001016" cy="5273459"/>
+          </a:xfrm>
+        </p:spPr>
+      </p:pic>
     </p:spTree>
     <p:extLst>
       <p:ext uri="{BB962C8B-B14F-4D97-AF65-F5344CB8AC3E}">
-        <p14:creationId xmlns:p14="http://schemas.microsoft.com/office/powerpoint/2010/main" val="2470737518"/>
+        <p14:creationId xmlns:p14="http://schemas.microsoft.com/office/powerpoint/2010/main" val="1544749183"/>
       </p:ext>
     </p:extLst>
   </p:cSld>
@@ -7652,6 +7470,320 @@
           <p:cNvPr id="2" name="Title 1">
             <a:extLst>
               <a:ext uri="{FF2B5EF4-FFF2-40B4-BE49-F238E27FC236}">
+                <a16:creationId xmlns:a16="http://schemas.microsoft.com/office/drawing/2014/main" id="{0DCED3ED-4894-4D86-BF04-B209ECBFFA7F}"/>
+              </a:ext>
+            </a:extLst>
+          </p:cNvPr>
+          <p:cNvSpPr>
+            <a:spLocks noGrp="1"/>
+          </p:cNvSpPr>
+          <p:nvPr>
+            <p:ph type="title"/>
+          </p:nvPr>
+        </p:nvSpPr>
+        <p:spPr/>
+        <p:txBody>
+          <a:bodyPr>
+            <a:normAutofit/>
+          </a:bodyPr>
+          <a:lstStyle/>
+          <a:p>
+            <a:r>
+              <a:rPr lang="en-US" sz="2400" dirty="0">
+                <a:latin typeface="Arial" panose="020B0604020202020204" pitchFamily="34" charset="0"/>
+                <a:cs typeface="Arial" panose="020B0604020202020204" pitchFamily="34" charset="0"/>
+              </a:rPr>
+              <a:t>Future Work</a:t>
+            </a:r>
+          </a:p>
+        </p:txBody>
+      </p:sp>
+      <p:sp>
+        <p:nvSpPr>
+          <p:cNvPr id="3" name="Content Placeholder 2">
+            <a:extLst>
+              <a:ext uri="{FF2B5EF4-FFF2-40B4-BE49-F238E27FC236}">
+                <a16:creationId xmlns:a16="http://schemas.microsoft.com/office/drawing/2014/main" id="{736C9589-8AFD-4926-BA3E-3B0F7DA84631}"/>
+              </a:ext>
+            </a:extLst>
+          </p:cNvPr>
+          <p:cNvSpPr>
+            <a:spLocks noGrp="1"/>
+          </p:cNvSpPr>
+          <p:nvPr>
+            <p:ph idx="1"/>
+          </p:nvPr>
+        </p:nvSpPr>
+        <p:spPr/>
+        <p:txBody>
+          <a:bodyPr>
+            <a:normAutofit/>
+          </a:bodyPr>
+          <a:lstStyle/>
+          <a:p>
+            <a:pPr algn="just">
+              <a:lnSpc>
+                <a:spcPct val="150000"/>
+              </a:lnSpc>
+            </a:pPr>
+            <a:r>
+              <a:rPr lang="en-US" sz="2000" dirty="0">
+                <a:latin typeface="Arial" panose="020B0604020202020204" pitchFamily="34" charset="0"/>
+                <a:cs typeface="Arial" panose="020B0604020202020204" pitchFamily="34" charset="0"/>
+              </a:rPr>
+              <a:t>Online Payment.</a:t>
+            </a:r>
+          </a:p>
+          <a:p>
+            <a:pPr algn="just">
+              <a:lnSpc>
+                <a:spcPct val="150000"/>
+              </a:lnSpc>
+            </a:pPr>
+            <a:r>
+              <a:rPr lang="en-US" sz="2000" dirty="0">
+                <a:latin typeface="Arial" panose="020B0604020202020204" pitchFamily="34" charset="0"/>
+                <a:cs typeface="Arial" panose="020B0604020202020204" pitchFamily="34" charset="0"/>
+              </a:rPr>
+              <a:t>Real time tracking.</a:t>
+            </a:r>
+          </a:p>
+          <a:p>
+            <a:pPr algn="just">
+              <a:lnSpc>
+                <a:spcPct val="150000"/>
+              </a:lnSpc>
+            </a:pPr>
+            <a:r>
+              <a:rPr lang="en-US" sz="2000" dirty="0">
+                <a:latin typeface="Arial" panose="020B0604020202020204" pitchFamily="34" charset="0"/>
+                <a:cs typeface="Arial" panose="020B0604020202020204" pitchFamily="34" charset="0"/>
+              </a:rPr>
+              <a:t>Chat Box.</a:t>
+            </a:r>
+          </a:p>
+          <a:p>
+            <a:pPr algn="just">
+              <a:lnSpc>
+                <a:spcPct val="150000"/>
+              </a:lnSpc>
+            </a:pPr>
+            <a:r>
+              <a:rPr lang="en-US" sz="2000" dirty="0">
+                <a:latin typeface="Arial" panose="020B0604020202020204" pitchFamily="34" charset="0"/>
+                <a:cs typeface="Arial" panose="020B0604020202020204" pitchFamily="34" charset="0"/>
+              </a:rPr>
+              <a:t>Language options.</a:t>
+            </a:r>
+          </a:p>
+          <a:p>
+            <a:pPr algn="just">
+              <a:lnSpc>
+                <a:spcPct val="150000"/>
+              </a:lnSpc>
+            </a:pPr>
+            <a:r>
+              <a:rPr lang="en-US" sz="2000" dirty="0">
+                <a:latin typeface="Arial" panose="020B0604020202020204" pitchFamily="34" charset="0"/>
+                <a:cs typeface="Arial" panose="020B0604020202020204" pitchFamily="34" charset="0"/>
+              </a:rPr>
+              <a:t> Ability to track booking status</a:t>
+            </a:r>
+          </a:p>
+          <a:p>
+            <a:pPr algn="just">
+              <a:lnSpc>
+                <a:spcPct val="150000"/>
+              </a:lnSpc>
+            </a:pPr>
+            <a:r>
+              <a:rPr lang="en-US" sz="2000" dirty="0">
+                <a:latin typeface="Arial" panose="020B0604020202020204" pitchFamily="34" charset="0"/>
+                <a:cs typeface="Arial" panose="020B0604020202020204" pitchFamily="34" charset="0"/>
+              </a:rPr>
+              <a:t>Live seat availability</a:t>
+            </a:r>
+          </a:p>
+        </p:txBody>
+      </p:sp>
+    </p:spTree>
+    <p:extLst>
+      <p:ext uri="{BB962C8B-B14F-4D97-AF65-F5344CB8AC3E}">
+        <p14:creationId xmlns:p14="http://schemas.microsoft.com/office/powerpoint/2010/main" val="2040038880"/>
+      </p:ext>
+    </p:extLst>
+  </p:cSld>
+  <p:clrMapOvr>
+    <a:masterClrMapping/>
+  </p:clrMapOvr>
+</p:sld>
+</file>
+
+<file path=ppt/slides/slide47.xml><?xml version="1.0" encoding="utf-8"?>
+<p:sld xmlns:a="http://schemas.openxmlformats.org/drawingml/2006/main" xmlns:r="http://schemas.openxmlformats.org/officeDocument/2006/relationships" xmlns:p="http://schemas.openxmlformats.org/presentationml/2006/main">
+  <p:cSld>
+    <p:spTree>
+      <p:nvGrpSpPr>
+        <p:cNvPr id="1" name=""/>
+        <p:cNvGrpSpPr/>
+        <p:nvPr/>
+      </p:nvGrpSpPr>
+      <p:grpSpPr>
+        <a:xfrm>
+          <a:off x="0" y="0"/>
+          <a:ext cx="0" cy="0"/>
+          <a:chOff x="0" y="0"/>
+          <a:chExt cx="0" cy="0"/>
+        </a:xfrm>
+      </p:grpSpPr>
+      <p:sp>
+        <p:nvSpPr>
+          <p:cNvPr id="2" name="Title 1">
+            <a:extLst>
+              <a:ext uri="{FF2B5EF4-FFF2-40B4-BE49-F238E27FC236}">
+                <a16:creationId xmlns:a16="http://schemas.microsoft.com/office/drawing/2014/main" id="{A241889F-5419-4F67-A17B-7C55846EE939}"/>
+              </a:ext>
+            </a:extLst>
+          </p:cNvPr>
+          <p:cNvSpPr>
+            <a:spLocks noGrp="1"/>
+          </p:cNvSpPr>
+          <p:nvPr>
+            <p:ph type="title"/>
+          </p:nvPr>
+        </p:nvSpPr>
+        <p:spPr/>
+        <p:txBody>
+          <a:bodyPr>
+            <a:normAutofit/>
+          </a:bodyPr>
+          <a:lstStyle/>
+          <a:p>
+            <a:r>
+              <a:rPr lang="en-US" sz="2400" dirty="0">
+                <a:latin typeface="Arial" panose="020B0604020202020204" pitchFamily="34" charset="0"/>
+                <a:cs typeface="Arial" panose="020B0604020202020204" pitchFamily="34" charset="0"/>
+              </a:rPr>
+              <a:t>Limitation</a:t>
+            </a:r>
+          </a:p>
+        </p:txBody>
+      </p:sp>
+      <p:sp>
+        <p:nvSpPr>
+          <p:cNvPr id="3" name="Content Placeholder 2">
+            <a:extLst>
+              <a:ext uri="{FF2B5EF4-FFF2-40B4-BE49-F238E27FC236}">
+                <a16:creationId xmlns:a16="http://schemas.microsoft.com/office/drawing/2014/main" id="{28AAF6B6-62B0-4B1A-91B4-E291A9C9FC46}"/>
+              </a:ext>
+            </a:extLst>
+          </p:cNvPr>
+          <p:cNvSpPr>
+            <a:spLocks noGrp="1"/>
+          </p:cNvSpPr>
+          <p:nvPr>
+            <p:ph idx="1"/>
+          </p:nvPr>
+        </p:nvSpPr>
+        <p:spPr/>
+        <p:txBody>
+          <a:bodyPr>
+            <a:normAutofit/>
+          </a:bodyPr>
+          <a:lstStyle/>
+          <a:p>
+            <a:pPr algn="just">
+              <a:lnSpc>
+                <a:spcPct val="150000"/>
+              </a:lnSpc>
+            </a:pPr>
+            <a:r>
+              <a:rPr lang="en-US" sz="2000" dirty="0">
+                <a:latin typeface="Arial" panose="020B0604020202020204" pitchFamily="34" charset="0"/>
+                <a:cs typeface="Arial" panose="020B0604020202020204" pitchFamily="34" charset="0"/>
+              </a:rPr>
+              <a:t>Sometimes very high data interaction, so server gets down.</a:t>
+            </a:r>
+          </a:p>
+          <a:p>
+            <a:pPr algn="just">
+              <a:lnSpc>
+                <a:spcPct val="150000"/>
+              </a:lnSpc>
+            </a:pPr>
+            <a:r>
+              <a:rPr lang="en-US" sz="2000" dirty="0">
+                <a:latin typeface="Arial" panose="020B0604020202020204" pitchFamily="34" charset="0"/>
+                <a:cs typeface="Arial" panose="020B0604020202020204" pitchFamily="34" charset="0"/>
+              </a:rPr>
+              <a:t>Very high security needed to the system.</a:t>
+            </a:r>
+          </a:p>
+          <a:p>
+            <a:pPr algn="just">
+              <a:lnSpc>
+                <a:spcPct val="150000"/>
+              </a:lnSpc>
+            </a:pPr>
+            <a:r>
+              <a:rPr lang="en-US" sz="2000" dirty="0">
+                <a:latin typeface="Arial" panose="020B0604020202020204" pitchFamily="34" charset="0"/>
+                <a:cs typeface="Arial" panose="020B0604020202020204" pitchFamily="34" charset="0"/>
+              </a:rPr>
+              <a:t>Online payment cannot be made.</a:t>
+            </a:r>
+          </a:p>
+          <a:p>
+            <a:pPr algn="just">
+              <a:lnSpc>
+                <a:spcPct val="150000"/>
+              </a:lnSpc>
+            </a:pPr>
+            <a:r>
+              <a:rPr lang="en-US" sz="2000" dirty="0">
+                <a:latin typeface="Arial" panose="020B0604020202020204" pitchFamily="34" charset="0"/>
+                <a:cs typeface="Arial" panose="020B0604020202020204" pitchFamily="34" charset="0"/>
+              </a:rPr>
+              <a:t>Step by step procedure, so takes time</a:t>
+            </a:r>
+          </a:p>
+        </p:txBody>
+      </p:sp>
+    </p:spTree>
+    <p:extLst>
+      <p:ext uri="{BB962C8B-B14F-4D97-AF65-F5344CB8AC3E}">
+        <p14:creationId xmlns:p14="http://schemas.microsoft.com/office/powerpoint/2010/main" val="2470737518"/>
+      </p:ext>
+    </p:extLst>
+  </p:cSld>
+  <p:clrMapOvr>
+    <a:masterClrMapping/>
+  </p:clrMapOvr>
+</p:sld>
+</file>
+
+<file path=ppt/slides/slide48.xml><?xml version="1.0" encoding="utf-8"?>
+<p:sld xmlns:a="http://schemas.openxmlformats.org/drawingml/2006/main" xmlns:r="http://schemas.openxmlformats.org/officeDocument/2006/relationships" xmlns:p="http://schemas.openxmlformats.org/presentationml/2006/main">
+  <p:cSld>
+    <p:spTree>
+      <p:nvGrpSpPr>
+        <p:cNvPr id="1" name=""/>
+        <p:cNvGrpSpPr/>
+        <p:nvPr/>
+      </p:nvGrpSpPr>
+      <p:grpSpPr>
+        <a:xfrm>
+          <a:off x="0" y="0"/>
+          <a:ext cx="0" cy="0"/>
+          <a:chOff x="0" y="0"/>
+          <a:chExt cx="0" cy="0"/>
+        </a:xfrm>
+      </p:grpSpPr>
+      <p:sp>
+        <p:nvSpPr>
+          <p:cNvPr id="2" name="Title 1">
+            <a:extLst>
+              <a:ext uri="{FF2B5EF4-FFF2-40B4-BE49-F238E27FC236}">
                 <a16:creationId xmlns:a16="http://schemas.microsoft.com/office/drawing/2014/main" id="{DFE7ED30-FE69-4426-8EFE-02B11CF00987}"/>
               </a:ext>
             </a:extLst>
@@ -7718,7 +7850,7 @@
 </p:sld>
 </file>
 
-<file path=ppt/slides/slide47.xml><?xml version="1.0" encoding="utf-8"?>
+<file path=ppt/slides/slide49.xml><?xml version="1.0" encoding="utf-8"?>
 <p:sld xmlns:a="http://schemas.openxmlformats.org/drawingml/2006/main" xmlns:r="http://schemas.openxmlformats.org/officeDocument/2006/relationships" xmlns:p="http://schemas.openxmlformats.org/presentationml/2006/main">
   <p:cSld>
     <p:spTree>
